--- a/Presentation/Project 1 Presentation.pptx
+++ b/Presentation/Project 1 Presentation.pptx
@@ -22,7 +22,15 @@
     <p:sldId id="270" r:id="rId19"/>
     <p:sldId id="271" r:id="rId20"/>
     <p:sldId id="272" r:id="rId21"/>
-    <p:sldId id="273" r:id="rId22"/>
+    <p:sldId id="278" r:id="rId22"/>
+    <p:sldId id="282" r:id="rId23"/>
+    <p:sldId id="279" r:id="rId24"/>
+    <p:sldId id="283" r:id="rId25"/>
+    <p:sldId id="280" r:id="rId26"/>
+    <p:sldId id="284" r:id="rId27"/>
+    <p:sldId id="281" r:id="rId28"/>
+    <p:sldId id="285" r:id="rId29"/>
+    <p:sldId id="273" r:id="rId30"/>
   </p:sldIdLst>
   <p:sldSz cx="12192000" cy="6858000"/>
   <p:notesSz cx="6858000" cy="9144000"/>
@@ -876,6 +884,788 @@
 </dgm:colorsDef>
 </file>
 
+<file path=ppt/diagrams/colors2.xml><?xml version="1.0" encoding="utf-8"?>
+<dgm:colorsDef xmlns:dgm="http://schemas.openxmlformats.org/drawingml/2006/diagram" xmlns:a="http://schemas.openxmlformats.org/drawingml/2006/main" uniqueId="urn:microsoft.com/office/officeart/2005/8/colors/colorful2">
+  <dgm:title val=""/>
+  <dgm:desc val=""/>
+  <dgm:catLst>
+    <dgm:cat type="colorful" pri="10200"/>
+  </dgm:catLst>
+  <dgm:styleLbl name="node0">
+    <dgm:fillClrLst meth="repeat">
+      <a:schemeClr val="accent1"/>
+    </dgm:fillClrLst>
+    <dgm:linClrLst meth="repeat">
+      <a:schemeClr val="lt1"/>
+    </dgm:linClrLst>
+    <dgm:effectClrLst/>
+    <dgm:txLinClrLst/>
+    <dgm:txFillClrLst/>
+    <dgm:txEffectClrLst/>
+  </dgm:styleLbl>
+  <dgm:styleLbl name="node1">
+    <dgm:fillClrLst>
+      <a:schemeClr val="accent2"/>
+      <a:schemeClr val="accent3"/>
+    </dgm:fillClrLst>
+    <dgm:linClrLst meth="repeat">
+      <a:schemeClr val="lt1"/>
+    </dgm:linClrLst>
+    <dgm:effectClrLst/>
+    <dgm:txLinClrLst/>
+    <dgm:txFillClrLst/>
+    <dgm:txEffectClrLst/>
+  </dgm:styleLbl>
+  <dgm:styleLbl name="alignNode1">
+    <dgm:fillClrLst>
+      <a:schemeClr val="accent2"/>
+      <a:schemeClr val="accent3"/>
+    </dgm:fillClrLst>
+    <dgm:linClrLst>
+      <a:schemeClr val="accent2"/>
+      <a:schemeClr val="accent3"/>
+    </dgm:linClrLst>
+    <dgm:effectClrLst/>
+    <dgm:txLinClrLst/>
+    <dgm:txFillClrLst/>
+    <dgm:txEffectClrLst/>
+  </dgm:styleLbl>
+  <dgm:styleLbl name="lnNode1">
+    <dgm:fillClrLst>
+      <a:schemeClr val="accent2"/>
+      <a:schemeClr val="accent3"/>
+    </dgm:fillClrLst>
+    <dgm:linClrLst meth="repeat">
+      <a:schemeClr val="lt1"/>
+    </dgm:linClrLst>
+    <dgm:effectClrLst/>
+    <dgm:txLinClrLst/>
+    <dgm:txFillClrLst/>
+    <dgm:txEffectClrLst/>
+  </dgm:styleLbl>
+  <dgm:styleLbl name="vennNode1">
+    <dgm:fillClrLst>
+      <a:schemeClr val="accent2">
+        <a:alpha val="50000"/>
+      </a:schemeClr>
+      <a:schemeClr val="accent3">
+        <a:alpha val="50000"/>
+      </a:schemeClr>
+    </dgm:fillClrLst>
+    <dgm:linClrLst meth="repeat">
+      <a:schemeClr val="lt1"/>
+    </dgm:linClrLst>
+    <dgm:effectClrLst/>
+    <dgm:txLinClrLst/>
+    <dgm:txFillClrLst/>
+    <dgm:txEffectClrLst/>
+  </dgm:styleLbl>
+  <dgm:styleLbl name="node2">
+    <dgm:fillClrLst>
+      <a:schemeClr val="accent3"/>
+    </dgm:fillClrLst>
+    <dgm:linClrLst meth="repeat">
+      <a:schemeClr val="lt1"/>
+    </dgm:linClrLst>
+    <dgm:effectClrLst/>
+    <dgm:txLinClrLst/>
+    <dgm:txFillClrLst/>
+    <dgm:txEffectClrLst/>
+  </dgm:styleLbl>
+  <dgm:styleLbl name="node3">
+    <dgm:fillClrLst>
+      <a:schemeClr val="accent4"/>
+    </dgm:fillClrLst>
+    <dgm:linClrLst meth="repeat">
+      <a:schemeClr val="lt1"/>
+    </dgm:linClrLst>
+    <dgm:effectClrLst/>
+    <dgm:txLinClrLst/>
+    <dgm:txFillClrLst/>
+    <dgm:txEffectClrLst/>
+  </dgm:styleLbl>
+  <dgm:styleLbl name="node4">
+    <dgm:fillClrLst>
+      <a:schemeClr val="accent5"/>
+    </dgm:fillClrLst>
+    <dgm:linClrLst meth="repeat">
+      <a:schemeClr val="lt1"/>
+    </dgm:linClrLst>
+    <dgm:effectClrLst/>
+    <dgm:txLinClrLst/>
+    <dgm:txFillClrLst/>
+    <dgm:txEffectClrLst/>
+  </dgm:styleLbl>
+  <dgm:styleLbl name="fgImgPlace1">
+    <dgm:fillClrLst>
+      <a:schemeClr val="accent2">
+        <a:tint val="50000"/>
+      </a:schemeClr>
+      <a:schemeClr val="accent3">
+        <a:tint val="50000"/>
+      </a:schemeClr>
+    </dgm:fillClrLst>
+    <dgm:linClrLst meth="repeat">
+      <a:schemeClr val="lt1"/>
+    </dgm:linClrLst>
+    <dgm:effectClrLst/>
+    <dgm:txLinClrLst/>
+    <dgm:txFillClrLst meth="repeat">
+      <a:schemeClr val="lt1"/>
+    </dgm:txFillClrLst>
+    <dgm:txEffectClrLst/>
+  </dgm:styleLbl>
+  <dgm:styleLbl name="alignImgPlace1">
+    <dgm:fillClrLst>
+      <a:schemeClr val="accent2">
+        <a:tint val="50000"/>
+      </a:schemeClr>
+      <a:schemeClr val="accent3">
+        <a:tint val="20000"/>
+      </a:schemeClr>
+    </dgm:fillClrLst>
+    <dgm:linClrLst meth="repeat">
+      <a:schemeClr val="lt1"/>
+    </dgm:linClrLst>
+    <dgm:effectClrLst/>
+    <dgm:txLinClrLst/>
+    <dgm:txFillClrLst meth="repeat">
+      <a:schemeClr val="lt1"/>
+    </dgm:txFillClrLst>
+    <dgm:txEffectClrLst/>
+  </dgm:styleLbl>
+  <dgm:styleLbl name="bgImgPlace1">
+    <dgm:fillClrLst>
+      <a:schemeClr val="accent2">
+        <a:tint val="50000"/>
+      </a:schemeClr>
+      <a:schemeClr val="accent3">
+        <a:tint val="20000"/>
+      </a:schemeClr>
+    </dgm:fillClrLst>
+    <dgm:linClrLst meth="repeat">
+      <a:schemeClr val="lt1"/>
+    </dgm:linClrLst>
+    <dgm:effectClrLst/>
+    <dgm:txLinClrLst/>
+    <dgm:txFillClrLst meth="repeat">
+      <a:schemeClr val="lt1"/>
+    </dgm:txFillClrLst>
+    <dgm:txEffectClrLst/>
+  </dgm:styleLbl>
+  <dgm:styleLbl name="sibTrans2D1">
+    <dgm:fillClrLst>
+      <a:schemeClr val="accent2"/>
+      <a:schemeClr val="accent3"/>
+    </dgm:fillClrLst>
+    <dgm:linClrLst meth="repeat">
+      <a:schemeClr val="lt1"/>
+    </dgm:linClrLst>
+    <dgm:effectClrLst/>
+    <dgm:txLinClrLst/>
+    <dgm:txFillClrLst/>
+    <dgm:txEffectClrLst/>
+  </dgm:styleLbl>
+  <dgm:styleLbl name="fgSibTrans2D1">
+    <dgm:fillClrLst>
+      <a:schemeClr val="accent2"/>
+      <a:schemeClr val="accent3"/>
+    </dgm:fillClrLst>
+    <dgm:linClrLst meth="repeat">
+      <a:schemeClr val="lt1"/>
+    </dgm:linClrLst>
+    <dgm:effectClrLst/>
+    <dgm:txLinClrLst/>
+    <dgm:txFillClrLst meth="repeat">
+      <a:schemeClr val="lt1"/>
+    </dgm:txFillClrLst>
+    <dgm:txEffectClrLst/>
+  </dgm:styleLbl>
+  <dgm:styleLbl name="bgSibTrans2D1">
+    <dgm:fillClrLst>
+      <a:schemeClr val="accent2"/>
+      <a:schemeClr val="accent3"/>
+    </dgm:fillClrLst>
+    <dgm:linClrLst meth="repeat">
+      <a:schemeClr val="lt1"/>
+    </dgm:linClrLst>
+    <dgm:effectClrLst/>
+    <dgm:txLinClrLst/>
+    <dgm:txFillClrLst meth="repeat">
+      <a:schemeClr val="lt1"/>
+    </dgm:txFillClrLst>
+    <dgm:txEffectClrLst/>
+  </dgm:styleLbl>
+  <dgm:styleLbl name="sibTrans1D1">
+    <dgm:fillClrLst/>
+    <dgm:linClrLst>
+      <a:schemeClr val="accent2"/>
+      <a:schemeClr val="accent3"/>
+    </dgm:linClrLst>
+    <dgm:effectClrLst/>
+    <dgm:txLinClrLst/>
+    <dgm:txFillClrLst meth="repeat">
+      <a:schemeClr val="tx1"/>
+    </dgm:txFillClrLst>
+    <dgm:txEffectClrLst/>
+  </dgm:styleLbl>
+  <dgm:styleLbl name="callout">
+    <dgm:fillClrLst meth="repeat">
+      <a:schemeClr val="accent2"/>
+    </dgm:fillClrLst>
+    <dgm:linClrLst meth="repeat">
+      <a:schemeClr val="accent2">
+        <a:tint val="50000"/>
+      </a:schemeClr>
+    </dgm:linClrLst>
+    <dgm:effectClrLst/>
+    <dgm:txLinClrLst/>
+    <dgm:txFillClrLst meth="repeat">
+      <a:schemeClr val="tx1"/>
+    </dgm:txFillClrLst>
+    <dgm:txEffectClrLst/>
+  </dgm:styleLbl>
+  <dgm:styleLbl name="asst0">
+    <dgm:fillClrLst meth="repeat">
+      <a:schemeClr val="accent2"/>
+    </dgm:fillClrLst>
+    <dgm:linClrLst meth="repeat">
+      <a:schemeClr val="lt1">
+        <a:shade val="80000"/>
+      </a:schemeClr>
+    </dgm:linClrLst>
+    <dgm:effectClrLst/>
+    <dgm:txLinClrLst/>
+    <dgm:txFillClrLst/>
+    <dgm:txEffectClrLst/>
+  </dgm:styleLbl>
+  <dgm:styleLbl name="asst1">
+    <dgm:fillClrLst meth="repeat">
+      <a:schemeClr val="accent3"/>
+    </dgm:fillClrLst>
+    <dgm:linClrLst meth="repeat">
+      <a:schemeClr val="lt1">
+        <a:shade val="80000"/>
+      </a:schemeClr>
+    </dgm:linClrLst>
+    <dgm:effectClrLst/>
+    <dgm:txLinClrLst/>
+    <dgm:txFillClrLst/>
+    <dgm:txEffectClrLst/>
+  </dgm:styleLbl>
+  <dgm:styleLbl name="asst2">
+    <dgm:fillClrLst>
+      <a:schemeClr val="accent4"/>
+    </dgm:fillClrLst>
+    <dgm:linClrLst meth="repeat">
+      <a:schemeClr val="lt1"/>
+    </dgm:linClrLst>
+    <dgm:effectClrLst/>
+    <dgm:txLinClrLst/>
+    <dgm:txFillClrLst/>
+    <dgm:txEffectClrLst/>
+  </dgm:styleLbl>
+  <dgm:styleLbl name="asst3">
+    <dgm:fillClrLst>
+      <a:schemeClr val="accent5"/>
+    </dgm:fillClrLst>
+    <dgm:linClrLst meth="repeat">
+      <a:schemeClr val="lt1"/>
+    </dgm:linClrLst>
+    <dgm:effectClrLst/>
+    <dgm:txLinClrLst/>
+    <dgm:txFillClrLst/>
+    <dgm:txEffectClrLst/>
+  </dgm:styleLbl>
+  <dgm:styleLbl name="asst4">
+    <dgm:fillClrLst>
+      <a:schemeClr val="accent6"/>
+    </dgm:fillClrLst>
+    <dgm:linClrLst meth="repeat">
+      <a:schemeClr val="lt1"/>
+    </dgm:linClrLst>
+    <dgm:effectClrLst/>
+    <dgm:txLinClrLst/>
+    <dgm:txFillClrLst/>
+    <dgm:txEffectClrLst/>
+  </dgm:styleLbl>
+  <dgm:styleLbl name="parChTrans2D1">
+    <dgm:fillClrLst meth="repeat">
+      <a:schemeClr val="accent2"/>
+    </dgm:fillClrLst>
+    <dgm:linClrLst meth="repeat">
+      <a:schemeClr val="lt1"/>
+    </dgm:linClrLst>
+    <dgm:effectClrLst/>
+    <dgm:txLinClrLst/>
+    <dgm:txFillClrLst meth="repeat">
+      <a:schemeClr val="lt1"/>
+    </dgm:txFillClrLst>
+    <dgm:txEffectClrLst/>
+  </dgm:styleLbl>
+  <dgm:styleLbl name="parChTrans2D2">
+    <dgm:fillClrLst meth="repeat">
+      <a:schemeClr val="accent3"/>
+    </dgm:fillClrLst>
+    <dgm:linClrLst meth="repeat">
+      <a:schemeClr val="lt1"/>
+    </dgm:linClrLst>
+    <dgm:effectClrLst/>
+    <dgm:txLinClrLst/>
+    <dgm:txFillClrLst/>
+    <dgm:txEffectClrLst/>
+  </dgm:styleLbl>
+  <dgm:styleLbl name="parChTrans2D3">
+    <dgm:fillClrLst meth="repeat">
+      <a:schemeClr val="accent4"/>
+    </dgm:fillClrLst>
+    <dgm:linClrLst meth="repeat">
+      <a:schemeClr val="lt1"/>
+    </dgm:linClrLst>
+    <dgm:effectClrLst/>
+    <dgm:txLinClrLst/>
+    <dgm:txFillClrLst/>
+    <dgm:txEffectClrLst/>
+  </dgm:styleLbl>
+  <dgm:styleLbl name="parChTrans2D4">
+    <dgm:fillClrLst meth="repeat">
+      <a:schemeClr val="accent5"/>
+    </dgm:fillClrLst>
+    <dgm:linClrLst meth="repeat">
+      <a:schemeClr val="lt1"/>
+    </dgm:linClrLst>
+    <dgm:effectClrLst/>
+    <dgm:txLinClrLst/>
+    <dgm:txFillClrLst meth="repeat">
+      <a:schemeClr val="lt1"/>
+    </dgm:txFillClrLst>
+    <dgm:txEffectClrLst/>
+  </dgm:styleLbl>
+  <dgm:styleLbl name="parChTrans1D1">
+    <dgm:fillClrLst meth="repeat">
+      <a:schemeClr val="accent2"/>
+    </dgm:fillClrLst>
+    <dgm:linClrLst meth="repeat">
+      <a:schemeClr val="accent2"/>
+    </dgm:linClrLst>
+    <dgm:effectClrLst/>
+    <dgm:txLinClrLst/>
+    <dgm:txFillClrLst meth="repeat">
+      <a:schemeClr val="tx1"/>
+    </dgm:txFillClrLst>
+    <dgm:txEffectClrLst/>
+  </dgm:styleLbl>
+  <dgm:styleLbl name="parChTrans1D2">
+    <dgm:fillClrLst meth="repeat">
+      <a:schemeClr val="accent2">
+        <a:tint val="90000"/>
+      </a:schemeClr>
+    </dgm:fillClrLst>
+    <dgm:linClrLst meth="repeat">
+      <a:schemeClr val="accent3"/>
+    </dgm:linClrLst>
+    <dgm:effectClrLst/>
+    <dgm:txLinClrLst/>
+    <dgm:txFillClrLst meth="repeat">
+      <a:schemeClr val="tx1"/>
+    </dgm:txFillClrLst>
+    <dgm:txEffectClrLst/>
+  </dgm:styleLbl>
+  <dgm:styleLbl name="parChTrans1D3">
+    <dgm:fillClrLst meth="repeat">
+      <a:schemeClr val="accent2">
+        <a:tint val="70000"/>
+      </a:schemeClr>
+    </dgm:fillClrLst>
+    <dgm:linClrLst meth="repeat">
+      <a:schemeClr val="accent4"/>
+    </dgm:linClrLst>
+    <dgm:effectClrLst/>
+    <dgm:txLinClrLst/>
+    <dgm:txFillClrLst meth="repeat">
+      <a:schemeClr val="tx1"/>
+    </dgm:txFillClrLst>
+    <dgm:txEffectClrLst/>
+  </dgm:styleLbl>
+  <dgm:styleLbl name="parChTrans1D4">
+    <dgm:fillClrLst meth="repeat">
+      <a:schemeClr val="accent2">
+        <a:tint val="50000"/>
+      </a:schemeClr>
+    </dgm:fillClrLst>
+    <dgm:linClrLst meth="repeat">
+      <a:schemeClr val="accent5"/>
+    </dgm:linClrLst>
+    <dgm:effectClrLst/>
+    <dgm:txLinClrLst/>
+    <dgm:txFillClrLst meth="repeat">
+      <a:schemeClr val="tx1"/>
+    </dgm:txFillClrLst>
+    <dgm:txEffectClrLst/>
+  </dgm:styleLbl>
+  <dgm:styleLbl name="fgAcc1">
+    <dgm:fillClrLst meth="repeat">
+      <a:schemeClr val="lt1">
+        <a:alpha val="90000"/>
+      </a:schemeClr>
+    </dgm:fillClrLst>
+    <dgm:linClrLst>
+      <a:schemeClr val="accent2"/>
+      <a:schemeClr val="accent3"/>
+    </dgm:linClrLst>
+    <dgm:effectClrLst/>
+    <dgm:txLinClrLst/>
+    <dgm:txFillClrLst meth="repeat">
+      <a:schemeClr val="dk1"/>
+    </dgm:txFillClrLst>
+    <dgm:txEffectClrLst/>
+  </dgm:styleLbl>
+  <dgm:styleLbl name="conFgAcc1">
+    <dgm:fillClrLst meth="repeat">
+      <a:schemeClr val="lt1">
+        <a:alpha val="90000"/>
+      </a:schemeClr>
+    </dgm:fillClrLst>
+    <dgm:linClrLst>
+      <a:schemeClr val="accent2"/>
+      <a:schemeClr val="accent3"/>
+    </dgm:linClrLst>
+    <dgm:effectClrLst/>
+    <dgm:txLinClrLst/>
+    <dgm:txFillClrLst meth="repeat">
+      <a:schemeClr val="dk1"/>
+    </dgm:txFillClrLst>
+    <dgm:txEffectClrLst/>
+  </dgm:styleLbl>
+  <dgm:styleLbl name="alignAcc1">
+    <dgm:fillClrLst meth="repeat">
+      <a:schemeClr val="lt1">
+        <a:alpha val="90000"/>
+      </a:schemeClr>
+    </dgm:fillClrLst>
+    <dgm:linClrLst>
+      <a:schemeClr val="accent2"/>
+      <a:schemeClr val="accent3"/>
+    </dgm:linClrLst>
+    <dgm:effectClrLst/>
+    <dgm:txLinClrLst/>
+    <dgm:txFillClrLst meth="repeat">
+      <a:schemeClr val="dk1"/>
+    </dgm:txFillClrLst>
+    <dgm:txEffectClrLst/>
+  </dgm:styleLbl>
+  <dgm:styleLbl name="trAlignAcc1">
+    <dgm:fillClrLst meth="repeat">
+      <a:schemeClr val="lt1">
+        <a:alpha val="40000"/>
+      </a:schemeClr>
+    </dgm:fillClrLst>
+    <dgm:linClrLst meth="repeat">
+      <a:schemeClr val="accent2"/>
+    </dgm:linClrLst>
+    <dgm:effectClrLst/>
+    <dgm:txLinClrLst/>
+    <dgm:txFillClrLst meth="repeat">
+      <a:schemeClr val="dk1"/>
+    </dgm:txFillClrLst>
+    <dgm:txEffectClrLst/>
+  </dgm:styleLbl>
+  <dgm:styleLbl name="bgAcc1">
+    <dgm:fillClrLst meth="repeat">
+      <a:schemeClr val="lt1">
+        <a:alpha val="90000"/>
+      </a:schemeClr>
+    </dgm:fillClrLst>
+    <dgm:linClrLst>
+      <a:schemeClr val="accent2"/>
+      <a:schemeClr val="accent3"/>
+    </dgm:linClrLst>
+    <dgm:effectClrLst/>
+    <dgm:txLinClrLst/>
+    <dgm:txFillClrLst meth="repeat">
+      <a:schemeClr val="dk1"/>
+    </dgm:txFillClrLst>
+    <dgm:txEffectClrLst/>
+  </dgm:styleLbl>
+  <dgm:styleLbl name="solidFgAcc1">
+    <dgm:fillClrLst meth="repeat">
+      <a:schemeClr val="lt1"/>
+    </dgm:fillClrLst>
+    <dgm:linClrLst>
+      <a:schemeClr val="accent2"/>
+      <a:schemeClr val="accent3"/>
+    </dgm:linClrLst>
+    <dgm:effectClrLst/>
+    <dgm:txLinClrLst/>
+    <dgm:txFillClrLst meth="repeat">
+      <a:schemeClr val="dk1"/>
+    </dgm:txFillClrLst>
+    <dgm:txEffectClrLst/>
+  </dgm:styleLbl>
+  <dgm:styleLbl name="solidAlignAcc1">
+    <dgm:fillClrLst meth="repeat">
+      <a:schemeClr val="lt1"/>
+    </dgm:fillClrLst>
+    <dgm:linClrLst>
+      <a:schemeClr val="accent2"/>
+      <a:schemeClr val="accent3"/>
+    </dgm:linClrLst>
+    <dgm:effectClrLst/>
+    <dgm:txLinClrLst/>
+    <dgm:txFillClrLst meth="repeat">
+      <a:schemeClr val="dk1"/>
+    </dgm:txFillClrLst>
+    <dgm:txEffectClrLst/>
+  </dgm:styleLbl>
+  <dgm:styleLbl name="solidBgAcc1">
+    <dgm:fillClrLst meth="repeat">
+      <a:schemeClr val="lt1"/>
+    </dgm:fillClrLst>
+    <dgm:linClrLst>
+      <a:schemeClr val="accent2"/>
+      <a:schemeClr val="accent3"/>
+    </dgm:linClrLst>
+    <dgm:effectClrLst/>
+    <dgm:txLinClrLst/>
+    <dgm:txFillClrLst meth="repeat">
+      <a:schemeClr val="dk1"/>
+    </dgm:txFillClrLst>
+    <dgm:txEffectClrLst/>
+  </dgm:styleLbl>
+  <dgm:styleLbl name="fgAccFollowNode1">
+    <dgm:fillClrLst>
+      <a:schemeClr val="accent2">
+        <a:tint val="40000"/>
+        <a:alpha val="90000"/>
+      </a:schemeClr>
+      <a:schemeClr val="accent3">
+        <a:tint val="40000"/>
+        <a:alpha val="90000"/>
+      </a:schemeClr>
+    </dgm:fillClrLst>
+    <dgm:linClrLst>
+      <a:schemeClr val="accent2">
+        <a:tint val="40000"/>
+        <a:alpha val="90000"/>
+      </a:schemeClr>
+      <a:schemeClr val="accent3">
+        <a:tint val="40000"/>
+        <a:alpha val="90000"/>
+      </a:schemeClr>
+    </dgm:linClrLst>
+    <dgm:effectClrLst/>
+    <dgm:txLinClrLst/>
+    <dgm:txFillClrLst meth="repeat">
+      <a:schemeClr val="dk1"/>
+    </dgm:txFillClrLst>
+    <dgm:txEffectClrLst/>
+  </dgm:styleLbl>
+  <dgm:styleLbl name="alignAccFollowNode1">
+    <dgm:fillClrLst>
+      <a:schemeClr val="accent2">
+        <a:tint val="40000"/>
+        <a:alpha val="90000"/>
+      </a:schemeClr>
+      <a:schemeClr val="accent3">
+        <a:tint val="40000"/>
+        <a:alpha val="90000"/>
+      </a:schemeClr>
+    </dgm:fillClrLst>
+    <dgm:linClrLst>
+      <a:schemeClr val="accent2">
+        <a:tint val="40000"/>
+        <a:alpha val="90000"/>
+      </a:schemeClr>
+      <a:schemeClr val="accent3">
+        <a:tint val="40000"/>
+        <a:alpha val="90000"/>
+      </a:schemeClr>
+    </dgm:linClrLst>
+    <dgm:effectClrLst/>
+    <dgm:txLinClrLst/>
+    <dgm:txFillClrLst meth="repeat">
+      <a:schemeClr val="dk1"/>
+    </dgm:txFillClrLst>
+    <dgm:txEffectClrLst/>
+  </dgm:styleLbl>
+  <dgm:styleLbl name="bgAccFollowNode1">
+    <dgm:fillClrLst>
+      <a:schemeClr val="accent2">
+        <a:tint val="40000"/>
+        <a:alpha val="90000"/>
+      </a:schemeClr>
+      <a:schemeClr val="accent3">
+        <a:tint val="40000"/>
+        <a:alpha val="90000"/>
+      </a:schemeClr>
+    </dgm:fillClrLst>
+    <dgm:linClrLst>
+      <a:schemeClr val="accent2">
+        <a:tint val="40000"/>
+        <a:alpha val="90000"/>
+      </a:schemeClr>
+      <a:schemeClr val="accent3">
+        <a:tint val="40000"/>
+        <a:alpha val="90000"/>
+      </a:schemeClr>
+    </dgm:linClrLst>
+    <dgm:effectClrLst/>
+    <dgm:txLinClrLst/>
+    <dgm:txFillClrLst meth="repeat">
+      <a:schemeClr val="dk1"/>
+    </dgm:txFillClrLst>
+    <dgm:txEffectClrLst/>
+  </dgm:styleLbl>
+  <dgm:styleLbl name="fgAcc0">
+    <dgm:fillClrLst meth="repeat">
+      <a:schemeClr val="lt1">
+        <a:alpha val="90000"/>
+      </a:schemeClr>
+    </dgm:fillClrLst>
+    <dgm:linClrLst>
+      <a:schemeClr val="accent1"/>
+    </dgm:linClrLst>
+    <dgm:effectClrLst/>
+    <dgm:txLinClrLst/>
+    <dgm:txFillClrLst meth="repeat">
+      <a:schemeClr val="dk1"/>
+    </dgm:txFillClrLst>
+    <dgm:txEffectClrLst/>
+  </dgm:styleLbl>
+  <dgm:styleLbl name="fgAcc2">
+    <dgm:fillClrLst meth="repeat">
+      <a:schemeClr val="lt1">
+        <a:alpha val="90000"/>
+      </a:schemeClr>
+    </dgm:fillClrLst>
+    <dgm:linClrLst>
+      <a:schemeClr val="accent3"/>
+    </dgm:linClrLst>
+    <dgm:effectClrLst/>
+    <dgm:txLinClrLst/>
+    <dgm:txFillClrLst meth="repeat">
+      <a:schemeClr val="dk1"/>
+    </dgm:txFillClrLst>
+    <dgm:txEffectClrLst/>
+  </dgm:styleLbl>
+  <dgm:styleLbl name="fgAcc3">
+    <dgm:fillClrLst meth="repeat">
+      <a:schemeClr val="lt1">
+        <a:alpha val="90000"/>
+      </a:schemeClr>
+    </dgm:fillClrLst>
+    <dgm:linClrLst>
+      <a:schemeClr val="accent4"/>
+    </dgm:linClrLst>
+    <dgm:effectClrLst/>
+    <dgm:txLinClrLst/>
+    <dgm:txFillClrLst meth="repeat">
+      <a:schemeClr val="dk1"/>
+    </dgm:txFillClrLst>
+    <dgm:txEffectClrLst/>
+  </dgm:styleLbl>
+  <dgm:styleLbl name="fgAcc4">
+    <dgm:fillClrLst meth="repeat">
+      <a:schemeClr val="lt1">
+        <a:alpha val="90000"/>
+      </a:schemeClr>
+    </dgm:fillClrLst>
+    <dgm:linClrLst>
+      <a:schemeClr val="accent5"/>
+    </dgm:linClrLst>
+    <dgm:effectClrLst/>
+    <dgm:txLinClrLst/>
+    <dgm:txFillClrLst meth="repeat">
+      <a:schemeClr val="dk1"/>
+    </dgm:txFillClrLst>
+    <dgm:txEffectClrLst/>
+  </dgm:styleLbl>
+  <dgm:styleLbl name="bgShp">
+    <dgm:fillClrLst meth="repeat">
+      <a:schemeClr val="accent2">
+        <a:tint val="40000"/>
+      </a:schemeClr>
+    </dgm:fillClrLst>
+    <dgm:linClrLst meth="repeat">
+      <a:schemeClr val="dk1"/>
+    </dgm:linClrLst>
+    <dgm:effectClrLst/>
+    <dgm:txLinClrLst/>
+    <dgm:txFillClrLst meth="repeat">
+      <a:schemeClr val="dk1"/>
+    </dgm:txFillClrLst>
+    <dgm:txEffectClrLst/>
+  </dgm:styleLbl>
+  <dgm:styleLbl name="dkBgShp">
+    <dgm:fillClrLst meth="repeat">
+      <a:schemeClr val="accent2">
+        <a:shade val="90000"/>
+      </a:schemeClr>
+    </dgm:fillClrLst>
+    <dgm:linClrLst meth="repeat">
+      <a:schemeClr val="dk1"/>
+    </dgm:linClrLst>
+    <dgm:effectClrLst/>
+    <dgm:txLinClrLst/>
+    <dgm:txFillClrLst meth="repeat">
+      <a:schemeClr val="lt1"/>
+    </dgm:txFillClrLst>
+    <dgm:txEffectClrLst/>
+  </dgm:styleLbl>
+  <dgm:styleLbl name="trBgShp">
+    <dgm:fillClrLst meth="repeat">
+      <a:schemeClr val="accent2">
+        <a:tint val="50000"/>
+        <a:alpha val="40000"/>
+      </a:schemeClr>
+    </dgm:fillClrLst>
+    <dgm:linClrLst meth="repeat">
+      <a:schemeClr val="accent2"/>
+    </dgm:linClrLst>
+    <dgm:effectClrLst/>
+    <dgm:txLinClrLst/>
+    <dgm:txFillClrLst meth="repeat">
+      <a:schemeClr val="lt1"/>
+    </dgm:txFillClrLst>
+    <dgm:txEffectClrLst/>
+  </dgm:styleLbl>
+  <dgm:styleLbl name="fgShp">
+    <dgm:fillClrLst meth="repeat">
+      <a:schemeClr val="accent2">
+        <a:tint val="40000"/>
+      </a:schemeClr>
+    </dgm:fillClrLst>
+    <dgm:linClrLst meth="repeat">
+      <a:schemeClr val="lt1"/>
+    </dgm:linClrLst>
+    <dgm:effectClrLst/>
+    <dgm:txLinClrLst/>
+    <dgm:txFillClrLst meth="repeat">
+      <a:schemeClr val="dk1"/>
+    </dgm:txFillClrLst>
+    <dgm:txEffectClrLst/>
+  </dgm:styleLbl>
+  <dgm:styleLbl name="revTx">
+    <dgm:fillClrLst meth="repeat">
+      <a:schemeClr val="lt1">
+        <a:alpha val="0"/>
+      </a:schemeClr>
+    </dgm:fillClrLst>
+    <dgm:linClrLst meth="repeat">
+      <a:schemeClr val="dk1">
+        <a:alpha val="0"/>
+      </a:schemeClr>
+    </dgm:linClrLst>
+    <dgm:effectClrLst/>
+    <dgm:txLinClrLst/>
+    <dgm:txFillClrLst meth="repeat">
+      <a:schemeClr val="tx1"/>
+    </dgm:txFillClrLst>
+    <dgm:txEffectClrLst/>
+  </dgm:styleLbl>
+</dgm:colorsDef>
+</file>
+
 <file path=ppt/diagrams/data1.xml><?xml version="1.0" encoding="utf-8"?>
 <dgm:dataModel xmlns:dgm="http://schemas.openxmlformats.org/drawingml/2006/diagram" xmlns:a="http://schemas.openxmlformats.org/drawingml/2006/main">
   <dgm:ptLst>
@@ -1071,6 +1861,213 @@
   <dgm:extLst>
     <a:ext uri="http://schemas.microsoft.com/office/drawing/2008/diagram">
       <dsp:dataModelExt xmlns:dsp="http://schemas.microsoft.com/office/drawing/2008/diagram" relId="rId6" minVer="http://schemas.openxmlformats.org/drawingml/2006/diagram"/>
+    </a:ext>
+  </dgm:extLst>
+</dgm:dataModel>
+</file>
+
+<file path=ppt/diagrams/data2.xml><?xml version="1.0" encoding="utf-8"?>
+<dgm:dataModel xmlns:dgm="http://schemas.openxmlformats.org/drawingml/2006/diagram" xmlns:a="http://schemas.openxmlformats.org/drawingml/2006/main">
+  <dgm:ptLst>
+    <dgm:pt modelId="{FAD9C07B-D4E4-4188-AD99-2B47CA8802E5}" type="doc">
+      <dgm:prSet loTypeId="urn:microsoft.com/office/officeart/2005/8/layout/process4" loCatId="process" qsTypeId="urn:microsoft.com/office/officeart/2005/8/quickstyle/simple1" qsCatId="simple" csTypeId="urn:microsoft.com/office/officeart/2005/8/colors/colorful2" csCatId="colorful"/>
+      <dgm:spPr/>
+      <dgm:t>
+        <a:bodyPr/>
+        <a:lstStyle/>
+        <a:p>
+          <a:endParaRPr lang="en-US"/>
+        </a:p>
+      </dgm:t>
+    </dgm:pt>
+    <dgm:pt modelId="{8A664A9E-9335-4B1D-9B76-0B43CCF7B606}">
+      <dgm:prSet/>
+      <dgm:spPr/>
+      <dgm:t>
+        <a:bodyPr/>
+        <a:lstStyle/>
+        <a:p>
+          <a:r>
+            <a:rPr lang="en-US" b="1" i="0"/>
+            <a:t>Do the same teams win or end up in the top 4 each season? Do the rankings seem to change greatly? </a:t>
+          </a:r>
+          <a:r>
+            <a:rPr lang="en-US" b="0" i="0"/>
+            <a:t>For this I used both bar and line plots. The bar plots highlight the rankings by point total for each season. The line plots show the progress and fluctuation from season to season.</a:t>
+          </a:r>
+          <a:endParaRPr lang="en-US"/>
+        </a:p>
+      </dgm:t>
+    </dgm:pt>
+    <dgm:pt modelId="{A50B8460-6FF5-464B-89FF-63420EA711CF}" type="parTrans" cxnId="{24605A59-9614-4EEC-8E3C-CADA48D26315}">
+      <dgm:prSet/>
+      <dgm:spPr/>
+      <dgm:t>
+        <a:bodyPr/>
+        <a:lstStyle/>
+        <a:p>
+          <a:endParaRPr lang="en-US"/>
+        </a:p>
+      </dgm:t>
+    </dgm:pt>
+    <dgm:pt modelId="{11737107-1B21-4C9A-A606-1A0C45F8C91D}" type="sibTrans" cxnId="{24605A59-9614-4EEC-8E3C-CADA48D26315}">
+      <dgm:prSet/>
+      <dgm:spPr/>
+      <dgm:t>
+        <a:bodyPr/>
+        <a:lstStyle/>
+        <a:p>
+          <a:endParaRPr lang="en-US"/>
+        </a:p>
+      </dgm:t>
+    </dgm:pt>
+    <dgm:pt modelId="{75919233-6DC9-4BFE-B0DD-E73B518B8EE1}">
+      <dgm:prSet/>
+      <dgm:spPr/>
+      <dgm:t>
+        <a:bodyPr/>
+        <a:lstStyle/>
+        <a:p>
+          <a:r>
+            <a:rPr lang="en-US" b="1" i="0"/>
+            <a:t>Are there great differences in point totals? </a:t>
+          </a:r>
+          <a:r>
+            <a:rPr lang="en-US" b="0" i="0"/>
+            <a:t>I wanted to see if the point totals were consistent from season to season. To highlight the overall point distribution, I used a boxplot. I also used bar plots to show the top and bottom teams point differences from season to season.</a:t>
+          </a:r>
+          <a:endParaRPr lang="en-US"/>
+        </a:p>
+      </dgm:t>
+    </dgm:pt>
+    <dgm:pt modelId="{B7396A89-04D5-4E2C-A538-8564E9A53452}" type="parTrans" cxnId="{76593B01-0C42-4E70-87E2-89994A5A8407}">
+      <dgm:prSet/>
+      <dgm:spPr/>
+      <dgm:t>
+        <a:bodyPr/>
+        <a:lstStyle/>
+        <a:p>
+          <a:endParaRPr lang="en-US"/>
+        </a:p>
+      </dgm:t>
+    </dgm:pt>
+    <dgm:pt modelId="{7A2AAAAE-5F32-4974-A373-ED03B5F95C45}" type="sibTrans" cxnId="{76593B01-0C42-4E70-87E2-89994A5A8407}">
+      <dgm:prSet/>
+      <dgm:spPr/>
+      <dgm:t>
+        <a:bodyPr/>
+        <a:lstStyle/>
+        <a:p>
+          <a:endParaRPr lang="en-US"/>
+        </a:p>
+      </dgm:t>
+    </dgm:pt>
+    <dgm:pt modelId="{664B3FEE-4CDC-483E-BA55-AA529B011D09}">
+      <dgm:prSet/>
+      <dgm:spPr/>
+      <dgm:t>
+        <a:bodyPr/>
+        <a:lstStyle/>
+        <a:p>
+          <a:r>
+            <a:rPr lang="en-US" b="1" i="0"/>
+            <a:t>Do game stats influence success? Which ones?</a:t>
+          </a:r>
+          <a:r>
+            <a:rPr lang="en-US" b="0" i="0"/>
+            <a:t> I wanted to see which, if any, game statistics had an impact on point totals. For this I used scatter plots.</a:t>
+          </a:r>
+          <a:endParaRPr lang="en-US"/>
+        </a:p>
+      </dgm:t>
+    </dgm:pt>
+    <dgm:pt modelId="{5A6BF164-E315-4316-B21E-327AD5F41D06}" type="parTrans" cxnId="{6EEF7AA1-BBDF-4347-BDF7-63A618CA929F}">
+      <dgm:prSet/>
+      <dgm:spPr/>
+      <dgm:t>
+        <a:bodyPr/>
+        <a:lstStyle/>
+        <a:p>
+          <a:endParaRPr lang="en-US"/>
+        </a:p>
+      </dgm:t>
+    </dgm:pt>
+    <dgm:pt modelId="{70D7D1BB-D4DE-4200-81D3-2F07FDF42BF9}" type="sibTrans" cxnId="{6EEF7AA1-BBDF-4347-BDF7-63A618CA929F}">
+      <dgm:prSet/>
+      <dgm:spPr/>
+      <dgm:t>
+        <a:bodyPr/>
+        <a:lstStyle/>
+        <a:p>
+          <a:endParaRPr lang="en-US"/>
+        </a:p>
+      </dgm:t>
+    </dgm:pt>
+    <dgm:pt modelId="{4C63C955-CFF1-49F2-A9B2-0C34791A517C}" type="pres">
+      <dgm:prSet presAssocID="{FAD9C07B-D4E4-4188-AD99-2B47CA8802E5}" presName="Name0" presStyleCnt="0">
+        <dgm:presLayoutVars>
+          <dgm:dir/>
+          <dgm:animLvl val="lvl"/>
+          <dgm:resizeHandles val="exact"/>
+        </dgm:presLayoutVars>
+      </dgm:prSet>
+      <dgm:spPr/>
+    </dgm:pt>
+    <dgm:pt modelId="{5EED3E20-CA48-4585-85E6-17F53175F62B}" type="pres">
+      <dgm:prSet presAssocID="{664B3FEE-4CDC-483E-BA55-AA529B011D09}" presName="boxAndChildren" presStyleCnt="0"/>
+      <dgm:spPr/>
+    </dgm:pt>
+    <dgm:pt modelId="{9F4E3BD0-5339-4D10-864A-1C9FE714E50D}" type="pres">
+      <dgm:prSet presAssocID="{664B3FEE-4CDC-483E-BA55-AA529B011D09}" presName="parentTextBox" presStyleLbl="node1" presStyleIdx="0" presStyleCnt="3"/>
+      <dgm:spPr/>
+    </dgm:pt>
+    <dgm:pt modelId="{D223D4FB-EACB-4657-BB18-E6808B0A021C}" type="pres">
+      <dgm:prSet presAssocID="{7A2AAAAE-5F32-4974-A373-ED03B5F95C45}" presName="sp" presStyleCnt="0"/>
+      <dgm:spPr/>
+    </dgm:pt>
+    <dgm:pt modelId="{1D0D0F22-6302-4019-9ECB-3074E638148D}" type="pres">
+      <dgm:prSet presAssocID="{75919233-6DC9-4BFE-B0DD-E73B518B8EE1}" presName="arrowAndChildren" presStyleCnt="0"/>
+      <dgm:spPr/>
+    </dgm:pt>
+    <dgm:pt modelId="{89C05DF1-73FD-419E-BA8A-FD2D2E8AA0D2}" type="pres">
+      <dgm:prSet presAssocID="{75919233-6DC9-4BFE-B0DD-E73B518B8EE1}" presName="parentTextArrow" presStyleLbl="node1" presStyleIdx="1" presStyleCnt="3"/>
+      <dgm:spPr/>
+    </dgm:pt>
+    <dgm:pt modelId="{05CC5D4C-E858-48CE-9B0B-4C47A747D6BD}" type="pres">
+      <dgm:prSet presAssocID="{11737107-1B21-4C9A-A606-1A0C45F8C91D}" presName="sp" presStyleCnt="0"/>
+      <dgm:spPr/>
+    </dgm:pt>
+    <dgm:pt modelId="{34010456-8180-4F5E-8412-ECB2FCD98E6D}" type="pres">
+      <dgm:prSet presAssocID="{8A664A9E-9335-4B1D-9B76-0B43CCF7B606}" presName="arrowAndChildren" presStyleCnt="0"/>
+      <dgm:spPr/>
+    </dgm:pt>
+    <dgm:pt modelId="{DA9F7D91-5F10-44F8-973E-1F1E7B1D32F7}" type="pres">
+      <dgm:prSet presAssocID="{8A664A9E-9335-4B1D-9B76-0B43CCF7B606}" presName="parentTextArrow" presStyleLbl="node1" presStyleIdx="2" presStyleCnt="3"/>
+      <dgm:spPr/>
+    </dgm:pt>
+  </dgm:ptLst>
+  <dgm:cxnLst>
+    <dgm:cxn modelId="{76593B01-0C42-4E70-87E2-89994A5A8407}" srcId="{FAD9C07B-D4E4-4188-AD99-2B47CA8802E5}" destId="{75919233-6DC9-4BFE-B0DD-E73B518B8EE1}" srcOrd="1" destOrd="0" parTransId="{B7396A89-04D5-4E2C-A538-8564E9A53452}" sibTransId="{7A2AAAAE-5F32-4974-A373-ED03B5F95C45}"/>
+    <dgm:cxn modelId="{5285BA13-5B10-4947-BD2B-498B8C5FBE04}" type="presOf" srcId="{FAD9C07B-D4E4-4188-AD99-2B47CA8802E5}" destId="{4C63C955-CFF1-49F2-A9B2-0C34791A517C}" srcOrd="0" destOrd="0" presId="urn:microsoft.com/office/officeart/2005/8/layout/process4"/>
+    <dgm:cxn modelId="{24605A59-9614-4EEC-8E3C-CADA48D26315}" srcId="{FAD9C07B-D4E4-4188-AD99-2B47CA8802E5}" destId="{8A664A9E-9335-4B1D-9B76-0B43CCF7B606}" srcOrd="0" destOrd="0" parTransId="{A50B8460-6FF5-464B-89FF-63420EA711CF}" sibTransId="{11737107-1B21-4C9A-A606-1A0C45F8C91D}"/>
+    <dgm:cxn modelId="{6EEF7AA1-BBDF-4347-BDF7-63A618CA929F}" srcId="{FAD9C07B-D4E4-4188-AD99-2B47CA8802E5}" destId="{664B3FEE-4CDC-483E-BA55-AA529B011D09}" srcOrd="2" destOrd="0" parTransId="{5A6BF164-E315-4316-B21E-327AD5F41D06}" sibTransId="{70D7D1BB-D4DE-4200-81D3-2F07FDF42BF9}"/>
+    <dgm:cxn modelId="{ABF42AB4-AED0-4847-9FC4-7A5DDAAD18EA}" type="presOf" srcId="{8A664A9E-9335-4B1D-9B76-0B43CCF7B606}" destId="{DA9F7D91-5F10-44F8-973E-1F1E7B1D32F7}" srcOrd="0" destOrd="0" presId="urn:microsoft.com/office/officeart/2005/8/layout/process4"/>
+    <dgm:cxn modelId="{719EA1B4-8317-4D86-B09C-AA4BEFFA205D}" type="presOf" srcId="{75919233-6DC9-4BFE-B0DD-E73B518B8EE1}" destId="{89C05DF1-73FD-419E-BA8A-FD2D2E8AA0D2}" srcOrd="0" destOrd="0" presId="urn:microsoft.com/office/officeart/2005/8/layout/process4"/>
+    <dgm:cxn modelId="{868FE1F3-C785-403D-AFF5-FC94CF5413BB}" type="presOf" srcId="{664B3FEE-4CDC-483E-BA55-AA529B011D09}" destId="{9F4E3BD0-5339-4D10-864A-1C9FE714E50D}" srcOrd="0" destOrd="0" presId="urn:microsoft.com/office/officeart/2005/8/layout/process4"/>
+    <dgm:cxn modelId="{A7E70FDB-F091-44FB-A908-C88BC14678DD}" type="presParOf" srcId="{4C63C955-CFF1-49F2-A9B2-0C34791A517C}" destId="{5EED3E20-CA48-4585-85E6-17F53175F62B}" srcOrd="0" destOrd="0" presId="urn:microsoft.com/office/officeart/2005/8/layout/process4"/>
+    <dgm:cxn modelId="{6A3BD51C-48A0-468C-A325-CE7DBF779011}" type="presParOf" srcId="{5EED3E20-CA48-4585-85E6-17F53175F62B}" destId="{9F4E3BD0-5339-4D10-864A-1C9FE714E50D}" srcOrd="0" destOrd="0" presId="urn:microsoft.com/office/officeart/2005/8/layout/process4"/>
+    <dgm:cxn modelId="{1FB1872B-857C-49F8-932B-28CE89743A74}" type="presParOf" srcId="{4C63C955-CFF1-49F2-A9B2-0C34791A517C}" destId="{D223D4FB-EACB-4657-BB18-E6808B0A021C}" srcOrd="1" destOrd="0" presId="urn:microsoft.com/office/officeart/2005/8/layout/process4"/>
+    <dgm:cxn modelId="{85082F2F-89D6-4A9B-A723-A25539E2A639}" type="presParOf" srcId="{4C63C955-CFF1-49F2-A9B2-0C34791A517C}" destId="{1D0D0F22-6302-4019-9ECB-3074E638148D}" srcOrd="2" destOrd="0" presId="urn:microsoft.com/office/officeart/2005/8/layout/process4"/>
+    <dgm:cxn modelId="{012E52AF-2413-40EB-A73A-91E09476410B}" type="presParOf" srcId="{1D0D0F22-6302-4019-9ECB-3074E638148D}" destId="{89C05DF1-73FD-419E-BA8A-FD2D2E8AA0D2}" srcOrd="0" destOrd="0" presId="urn:microsoft.com/office/officeart/2005/8/layout/process4"/>
+    <dgm:cxn modelId="{60EE2DAC-C4B2-4F3E-AA89-20A33DD73CCA}" type="presParOf" srcId="{4C63C955-CFF1-49F2-A9B2-0C34791A517C}" destId="{05CC5D4C-E858-48CE-9B0B-4C47A747D6BD}" srcOrd="3" destOrd="0" presId="urn:microsoft.com/office/officeart/2005/8/layout/process4"/>
+    <dgm:cxn modelId="{4C0B26DB-10F2-4CDC-B628-8A3F5A4B9958}" type="presParOf" srcId="{4C63C955-CFF1-49F2-A9B2-0C34791A517C}" destId="{34010456-8180-4F5E-8412-ECB2FCD98E6D}" srcOrd="4" destOrd="0" presId="urn:microsoft.com/office/officeart/2005/8/layout/process4"/>
+    <dgm:cxn modelId="{10E059B9-3733-40B6-8742-1491C0BF114E}" type="presParOf" srcId="{34010456-8180-4F5E-8412-ECB2FCD98E6D}" destId="{DA9F7D91-5F10-44F8-973E-1F1E7B1D32F7}" srcOrd="0" destOrd="0" presId="urn:microsoft.com/office/officeart/2005/8/layout/process4"/>
+  </dgm:cxnLst>
+  <dgm:bg/>
+  <dgm:whole/>
+  <dgm:extLst>
+    <a:ext uri="http://schemas.microsoft.com/office/drawing/2008/diagram">
+      <dsp:dataModelExt xmlns:dsp="http://schemas.microsoft.com/office/drawing/2008/diagram" relId="rId7" minVer="http://schemas.openxmlformats.org/drawingml/2006/diagram"/>
     </a:ext>
   </dgm:extLst>
 </dgm:dataModel>
@@ -1322,6 +2319,264 @@
 </dsp:drawing>
 </file>
 
+<file path=ppt/diagrams/drawing2.xml><?xml version="1.0" encoding="utf-8"?>
+<dsp:drawing xmlns:dgm="http://schemas.openxmlformats.org/drawingml/2006/diagram" xmlns:dsp="http://schemas.microsoft.com/office/drawing/2008/diagram" xmlns:a="http://schemas.openxmlformats.org/drawingml/2006/main">
+  <dsp:spTree>
+    <dsp:nvGrpSpPr>
+      <dsp:cNvPr id="0" name=""/>
+      <dsp:cNvGrpSpPr/>
+    </dsp:nvGrpSpPr>
+    <dsp:grpSpPr/>
+    <dsp:sp modelId="{9F4E3BD0-5339-4D10-864A-1C9FE714E50D}">
+      <dsp:nvSpPr>
+        <dsp:cNvPr id="0" name=""/>
+        <dsp:cNvSpPr/>
+      </dsp:nvSpPr>
+      <dsp:spPr>
+        <a:xfrm>
+          <a:off x="0" y="3949459"/>
+          <a:ext cx="6391275" cy="1296300"/>
+        </a:xfrm>
+        <a:prstGeom prst="rect">
+          <a:avLst/>
+        </a:prstGeom>
+        <a:solidFill>
+          <a:schemeClr val="accent2">
+            <a:hueOff val="0"/>
+            <a:satOff val="0"/>
+            <a:lumOff val="0"/>
+            <a:alphaOff val="0"/>
+          </a:schemeClr>
+        </a:solidFill>
+        <a:ln w="19050" cap="rnd" cmpd="sng" algn="ctr">
+          <a:solidFill>
+            <a:schemeClr val="lt1">
+              <a:hueOff val="0"/>
+              <a:satOff val="0"/>
+              <a:lumOff val="0"/>
+              <a:alphaOff val="0"/>
+            </a:schemeClr>
+          </a:solidFill>
+          <a:prstDash val="solid"/>
+        </a:ln>
+        <a:effectLst/>
+      </dsp:spPr>
+      <dsp:style>
+        <a:lnRef idx="2">
+          <a:scrgbClr r="0" g="0" b="0"/>
+        </a:lnRef>
+        <a:fillRef idx="1">
+          <a:scrgbClr r="0" g="0" b="0"/>
+        </a:fillRef>
+        <a:effectRef idx="0">
+          <a:scrgbClr r="0" g="0" b="0"/>
+        </a:effectRef>
+        <a:fontRef idx="minor">
+          <a:schemeClr val="lt1"/>
+        </a:fontRef>
+      </dsp:style>
+      <dsp:txBody>
+        <a:bodyPr spcFirstLastPara="0" vert="horz" wrap="square" lIns="106680" tIns="106680" rIns="106680" bIns="106680" numCol="1" spcCol="1270" anchor="ctr" anchorCtr="0">
+          <a:noAutofit/>
+        </a:bodyPr>
+        <a:lstStyle/>
+        <a:p>
+          <a:pPr marL="0" lvl="0" indent="0" algn="ctr" defTabSz="666750">
+            <a:lnSpc>
+              <a:spcPct val="90000"/>
+            </a:lnSpc>
+            <a:spcBef>
+              <a:spcPct val="0"/>
+            </a:spcBef>
+            <a:spcAft>
+              <a:spcPct val="35000"/>
+            </a:spcAft>
+            <a:buNone/>
+          </a:pPr>
+          <a:r>
+            <a:rPr lang="en-US" sz="1500" b="1" i="0" kern="1200"/>
+            <a:t>Do game stats influence success? Which ones?</a:t>
+          </a:r>
+          <a:r>
+            <a:rPr lang="en-US" sz="1500" b="0" i="0" kern="1200"/>
+            <a:t> I wanted to see which, if any, game statistics had an impact on point totals. For this I used scatter plots.</a:t>
+          </a:r>
+          <a:endParaRPr lang="en-US" sz="1500" kern="1200"/>
+        </a:p>
+      </dsp:txBody>
+      <dsp:txXfrm>
+        <a:off x="0" y="3949459"/>
+        <a:ext cx="6391275" cy="1296300"/>
+      </dsp:txXfrm>
+    </dsp:sp>
+    <dsp:sp modelId="{89C05DF1-73FD-419E-BA8A-FD2D2E8AA0D2}">
+      <dsp:nvSpPr>
+        <dsp:cNvPr id="0" name=""/>
+        <dsp:cNvSpPr/>
+      </dsp:nvSpPr>
+      <dsp:spPr>
+        <a:xfrm rot="10800000">
+          <a:off x="0" y="1975193"/>
+          <a:ext cx="6391275" cy="1993710"/>
+        </a:xfrm>
+        <a:prstGeom prst="upArrowCallout">
+          <a:avLst/>
+        </a:prstGeom>
+        <a:solidFill>
+          <a:schemeClr val="accent2">
+            <a:hueOff val="-9882860"/>
+            <a:satOff val="451"/>
+            <a:lumOff val="0"/>
+            <a:alphaOff val="0"/>
+          </a:schemeClr>
+        </a:solidFill>
+        <a:ln w="19050" cap="rnd" cmpd="sng" algn="ctr">
+          <a:solidFill>
+            <a:schemeClr val="lt1">
+              <a:hueOff val="0"/>
+              <a:satOff val="0"/>
+              <a:lumOff val="0"/>
+              <a:alphaOff val="0"/>
+            </a:schemeClr>
+          </a:solidFill>
+          <a:prstDash val="solid"/>
+        </a:ln>
+        <a:effectLst/>
+      </dsp:spPr>
+      <dsp:style>
+        <a:lnRef idx="2">
+          <a:scrgbClr r="0" g="0" b="0"/>
+        </a:lnRef>
+        <a:fillRef idx="1">
+          <a:scrgbClr r="0" g="0" b="0"/>
+        </a:fillRef>
+        <a:effectRef idx="0">
+          <a:scrgbClr r="0" g="0" b="0"/>
+        </a:effectRef>
+        <a:fontRef idx="minor">
+          <a:schemeClr val="lt1"/>
+        </a:fontRef>
+      </dsp:style>
+      <dsp:txBody>
+        <a:bodyPr spcFirstLastPara="0" vert="horz" wrap="square" lIns="106680" tIns="106680" rIns="106680" bIns="106680" numCol="1" spcCol="1270" anchor="ctr" anchorCtr="0">
+          <a:noAutofit/>
+        </a:bodyPr>
+        <a:lstStyle/>
+        <a:p>
+          <a:pPr marL="0" lvl="0" indent="0" algn="ctr" defTabSz="666750">
+            <a:lnSpc>
+              <a:spcPct val="90000"/>
+            </a:lnSpc>
+            <a:spcBef>
+              <a:spcPct val="0"/>
+            </a:spcBef>
+            <a:spcAft>
+              <a:spcPct val="35000"/>
+            </a:spcAft>
+            <a:buNone/>
+          </a:pPr>
+          <a:r>
+            <a:rPr lang="en-US" sz="1500" b="1" i="0" kern="1200"/>
+            <a:t>Are there great differences in point totals? </a:t>
+          </a:r>
+          <a:r>
+            <a:rPr lang="en-US" sz="1500" b="0" i="0" kern="1200"/>
+            <a:t>I wanted to see if the point totals were consistent from season to season. To highlight the overall point distribution, I used a boxplot. I also used bar plots to show the top and bottom teams point differences from season to season.</a:t>
+          </a:r>
+          <a:endParaRPr lang="en-US" sz="1500" kern="1200"/>
+        </a:p>
+      </dsp:txBody>
+      <dsp:txXfrm rot="10800000">
+        <a:off x="0" y="1975193"/>
+        <a:ext cx="6391275" cy="1295453"/>
+      </dsp:txXfrm>
+    </dsp:sp>
+    <dsp:sp modelId="{DA9F7D91-5F10-44F8-973E-1F1E7B1D32F7}">
+      <dsp:nvSpPr>
+        <dsp:cNvPr id="0" name=""/>
+        <dsp:cNvSpPr/>
+      </dsp:nvSpPr>
+      <dsp:spPr>
+        <a:xfrm rot="10800000">
+          <a:off x="0" y="927"/>
+          <a:ext cx="6391275" cy="1993710"/>
+        </a:xfrm>
+        <a:prstGeom prst="upArrowCallout">
+          <a:avLst/>
+        </a:prstGeom>
+        <a:solidFill>
+          <a:schemeClr val="accent2">
+            <a:hueOff val="-19765721"/>
+            <a:satOff val="901"/>
+            <a:lumOff val="0"/>
+            <a:alphaOff val="0"/>
+          </a:schemeClr>
+        </a:solidFill>
+        <a:ln w="19050" cap="rnd" cmpd="sng" algn="ctr">
+          <a:solidFill>
+            <a:schemeClr val="lt1">
+              <a:hueOff val="0"/>
+              <a:satOff val="0"/>
+              <a:lumOff val="0"/>
+              <a:alphaOff val="0"/>
+            </a:schemeClr>
+          </a:solidFill>
+          <a:prstDash val="solid"/>
+        </a:ln>
+        <a:effectLst/>
+      </dsp:spPr>
+      <dsp:style>
+        <a:lnRef idx="2">
+          <a:scrgbClr r="0" g="0" b="0"/>
+        </a:lnRef>
+        <a:fillRef idx="1">
+          <a:scrgbClr r="0" g="0" b="0"/>
+        </a:fillRef>
+        <a:effectRef idx="0">
+          <a:scrgbClr r="0" g="0" b="0"/>
+        </a:effectRef>
+        <a:fontRef idx="minor">
+          <a:schemeClr val="lt1"/>
+        </a:fontRef>
+      </dsp:style>
+      <dsp:txBody>
+        <a:bodyPr spcFirstLastPara="0" vert="horz" wrap="square" lIns="106680" tIns="106680" rIns="106680" bIns="106680" numCol="1" spcCol="1270" anchor="ctr" anchorCtr="0">
+          <a:noAutofit/>
+        </a:bodyPr>
+        <a:lstStyle/>
+        <a:p>
+          <a:pPr marL="0" lvl="0" indent="0" algn="ctr" defTabSz="666750">
+            <a:lnSpc>
+              <a:spcPct val="90000"/>
+            </a:lnSpc>
+            <a:spcBef>
+              <a:spcPct val="0"/>
+            </a:spcBef>
+            <a:spcAft>
+              <a:spcPct val="35000"/>
+            </a:spcAft>
+            <a:buNone/>
+          </a:pPr>
+          <a:r>
+            <a:rPr lang="en-US" sz="1500" b="1" i="0" kern="1200"/>
+            <a:t>Do the same teams win or end up in the top 4 each season? Do the rankings seem to change greatly? </a:t>
+          </a:r>
+          <a:r>
+            <a:rPr lang="en-US" sz="1500" b="0" i="0" kern="1200"/>
+            <a:t>For this I used both bar and line plots. The bar plots highlight the rankings by point total for each season. The line plots show the progress and fluctuation from season to season.</a:t>
+          </a:r>
+          <a:endParaRPr lang="en-US" sz="1500" kern="1200"/>
+        </a:p>
+      </dsp:txBody>
+      <dsp:txXfrm rot="10800000">
+        <a:off x="0" y="927"/>
+        <a:ext cx="6391275" cy="1295453"/>
+      </dsp:txXfrm>
+    </dsp:sp>
+  </dsp:spTree>
+</dsp:drawing>
+</file>
+
 <file path=ppt/diagrams/layout1.xml><?xml version="1.0" encoding="utf-8"?>
 <dgm:layoutDef xmlns:dgm="http://schemas.openxmlformats.org/drawingml/2006/diagram" xmlns:a="http://schemas.openxmlformats.org/drawingml/2006/main" uniqueId="urn:microsoft.com/office/officeart/2005/8/layout/vList2">
   <dgm:title val=""/>
@@ -1489,7 +2744,1394 @@
 </dgm:layoutDef>
 </file>
 
+<file path=ppt/diagrams/layout2.xml><?xml version="1.0" encoding="utf-8"?>
+<dgm:layoutDef xmlns:dgm="http://schemas.openxmlformats.org/drawingml/2006/diagram" xmlns:a="http://schemas.openxmlformats.org/drawingml/2006/main" uniqueId="urn:microsoft.com/office/officeart/2005/8/layout/process4">
+  <dgm:title val=""/>
+  <dgm:desc val=""/>
+  <dgm:catLst>
+    <dgm:cat type="process" pri="16000"/>
+    <dgm:cat type="list" pri="20000"/>
+  </dgm:catLst>
+  <dgm:sampData>
+    <dgm:dataModel>
+      <dgm:ptLst>
+        <dgm:pt modelId="0" type="doc"/>
+        <dgm:pt modelId="1">
+          <dgm:prSet phldr="1"/>
+        </dgm:pt>
+        <dgm:pt modelId="11">
+          <dgm:prSet phldr="1"/>
+        </dgm:pt>
+        <dgm:pt modelId="12">
+          <dgm:prSet phldr="1"/>
+        </dgm:pt>
+        <dgm:pt modelId="2">
+          <dgm:prSet phldr="1"/>
+        </dgm:pt>
+        <dgm:pt modelId="21">
+          <dgm:prSet phldr="1"/>
+        </dgm:pt>
+        <dgm:pt modelId="22">
+          <dgm:prSet phldr="1"/>
+        </dgm:pt>
+        <dgm:pt modelId="3">
+          <dgm:prSet phldr="1"/>
+        </dgm:pt>
+        <dgm:pt modelId="31">
+          <dgm:prSet phldr="1"/>
+        </dgm:pt>
+        <dgm:pt modelId="32">
+          <dgm:prSet phldr="1"/>
+        </dgm:pt>
+      </dgm:ptLst>
+      <dgm:cxnLst>
+        <dgm:cxn modelId="4" srcId="0" destId="1" srcOrd="0" destOrd="0"/>
+        <dgm:cxn modelId="5" srcId="0" destId="2" srcOrd="1" destOrd="0"/>
+        <dgm:cxn modelId="6" srcId="0" destId="3" srcOrd="2" destOrd="0"/>
+        <dgm:cxn modelId="13" srcId="1" destId="11" srcOrd="0" destOrd="0"/>
+        <dgm:cxn modelId="14" srcId="1" destId="12" srcOrd="1" destOrd="0"/>
+        <dgm:cxn modelId="23" srcId="2" destId="21" srcOrd="0" destOrd="0"/>
+        <dgm:cxn modelId="24" srcId="2" destId="22" srcOrd="1" destOrd="0"/>
+        <dgm:cxn modelId="33" srcId="3" destId="31" srcOrd="0" destOrd="0"/>
+        <dgm:cxn modelId="34" srcId="3" destId="32" srcOrd="1" destOrd="0"/>
+      </dgm:cxnLst>
+      <dgm:bg/>
+      <dgm:whole/>
+    </dgm:dataModel>
+  </dgm:sampData>
+  <dgm:styleData>
+    <dgm:dataModel>
+      <dgm:ptLst>
+        <dgm:pt modelId="0" type="doc"/>
+        <dgm:pt modelId="1"/>
+        <dgm:pt modelId="11"/>
+        <dgm:pt modelId="2"/>
+        <dgm:pt modelId="21"/>
+      </dgm:ptLst>
+      <dgm:cxnLst>
+        <dgm:cxn modelId="4" srcId="0" destId="1" srcOrd="0" destOrd="0"/>
+        <dgm:cxn modelId="5" srcId="0" destId="2" srcOrd="1" destOrd="0"/>
+        <dgm:cxn modelId="13" srcId="1" destId="11" srcOrd="0" destOrd="0"/>
+        <dgm:cxn modelId="23" srcId="2" destId="21" srcOrd="0" destOrd="0"/>
+      </dgm:cxnLst>
+      <dgm:bg/>
+      <dgm:whole/>
+    </dgm:dataModel>
+  </dgm:styleData>
+  <dgm:clrData>
+    <dgm:dataModel>
+      <dgm:ptLst>
+        <dgm:pt modelId="0" type="doc"/>
+        <dgm:pt modelId="1"/>
+        <dgm:pt modelId="11"/>
+        <dgm:pt modelId="2"/>
+        <dgm:pt modelId="21"/>
+        <dgm:pt modelId="3"/>
+        <dgm:pt modelId="31"/>
+        <dgm:pt modelId="4"/>
+        <dgm:pt modelId="41"/>
+      </dgm:ptLst>
+      <dgm:cxnLst>
+        <dgm:cxn modelId="5" srcId="0" destId="1" srcOrd="0" destOrd="0"/>
+        <dgm:cxn modelId="6" srcId="0" destId="2" srcOrd="1" destOrd="0"/>
+        <dgm:cxn modelId="7" srcId="0" destId="3" srcOrd="2" destOrd="0"/>
+        <dgm:cxn modelId="8" srcId="0" destId="4" srcOrd="3" destOrd="0"/>
+        <dgm:cxn modelId="13" srcId="1" destId="11" srcOrd="0" destOrd="0"/>
+        <dgm:cxn modelId="23" srcId="2" destId="21" srcOrd="0" destOrd="0"/>
+        <dgm:cxn modelId="33" srcId="3" destId="31" srcOrd="0" destOrd="0"/>
+        <dgm:cxn modelId="43" srcId="4" destId="41" srcOrd="0" destOrd="0"/>
+      </dgm:cxnLst>
+      <dgm:bg/>
+      <dgm:whole/>
+    </dgm:dataModel>
+  </dgm:clrData>
+  <dgm:layoutNode name="Name0">
+    <dgm:varLst>
+      <dgm:dir/>
+      <dgm:animLvl val="lvl"/>
+      <dgm:resizeHandles val="exact"/>
+    </dgm:varLst>
+    <dgm:alg type="lin">
+      <dgm:param type="linDir" val="fromB"/>
+    </dgm:alg>
+    <dgm:shape xmlns:r="http://schemas.openxmlformats.org/officeDocument/2006/relationships" r:blip="">
+      <dgm:adjLst/>
+    </dgm:shape>
+    <dgm:presOf/>
+    <dgm:constrLst>
+      <dgm:constr type="h" for="ch" forName="boxAndChildren" refType="h"/>
+      <dgm:constr type="h" for="ch" forName="arrowAndChildren" refType="h" refFor="ch" refForName="boxAndChildren" op="equ" fact="1.538"/>
+      <dgm:constr type="w" for="ch" forName="arrowAndChildren" refType="w"/>
+      <dgm:constr type="w" for="ch" forName="boxAndChildren" refType="w"/>
+      <dgm:constr type="h" for="ch" forName="sp" refType="h" fact="-0.015"/>
+      <dgm:constr type="primFontSz" for="des" forName="parentTextBox" val="65"/>
+      <dgm:constr type="primFontSz" for="des" forName="parentTextArrow" refType="primFontSz" refFor="des" refForName="parentTextBox" op="equ"/>
+      <dgm:constr type="primFontSz" for="des" forName="childTextArrow" val="65"/>
+      <dgm:constr type="primFontSz" for="des" forName="childTextBox" refType="primFontSz" refFor="des" refForName="childTextArrow" op="equ"/>
+    </dgm:constrLst>
+    <dgm:ruleLst/>
+    <dgm:forEach name="Name1" axis="ch" ptType="node" st="-1" step="-1">
+      <dgm:choose name="Name2">
+        <dgm:if name="Name3" axis="self" ptType="node" func="revPos" op="equ" val="1">
+          <dgm:layoutNode name="boxAndChildren">
+            <dgm:alg type="composite"/>
+            <dgm:shape xmlns:r="http://schemas.openxmlformats.org/officeDocument/2006/relationships" r:blip="">
+              <dgm:adjLst/>
+            </dgm:shape>
+            <dgm:presOf/>
+            <dgm:choose name="Name4">
+              <dgm:if name="Name5" axis="ch" ptType="node" func="cnt" op="gte" val="1">
+                <dgm:constrLst>
+                  <dgm:constr type="w" for="ch" forName="parentTextBox" refType="w"/>
+                  <dgm:constr type="h" for="ch" forName="parentTextBox" refType="h" fact="0.54"/>
+                  <dgm:constr type="t" for="ch" forName="parentTextBox"/>
+                  <dgm:constr type="w" for="ch" forName="entireBox" refType="w"/>
+                  <dgm:constr type="h" for="ch" forName="entireBox" refType="h"/>
+                  <dgm:constr type="w" for="ch" forName="descendantBox" refType="w"/>
+                  <dgm:constr type="b" for="ch" forName="descendantBox" refType="h" fact="0.98"/>
+                  <dgm:constr type="h" for="ch" forName="descendantBox" refType="h" fact="0.46"/>
+                </dgm:constrLst>
+              </dgm:if>
+              <dgm:else name="Name6">
+                <dgm:constrLst>
+                  <dgm:constr type="w" for="ch" forName="parentTextBox" refType="w"/>
+                  <dgm:constr type="h" for="ch" forName="parentTextBox" refType="h"/>
+                </dgm:constrLst>
+              </dgm:else>
+            </dgm:choose>
+            <dgm:ruleLst/>
+            <dgm:layoutNode name="parentTextBox">
+              <dgm:alg type="tx"/>
+              <dgm:choose name="Name7">
+                <dgm:if name="Name8" axis="ch" ptType="node" func="cnt" op="gte" val="1">
+                  <dgm:shape xmlns:r="http://schemas.openxmlformats.org/officeDocument/2006/relationships" type="rect" r:blip="" zOrderOff="1" hideGeom="1">
+                    <dgm:adjLst/>
+                  </dgm:shape>
+                </dgm:if>
+                <dgm:else name="Name9">
+                  <dgm:shape xmlns:r="http://schemas.openxmlformats.org/officeDocument/2006/relationships" type="rect" r:blip="">
+                    <dgm:adjLst/>
+                  </dgm:shape>
+                </dgm:else>
+              </dgm:choose>
+              <dgm:presOf axis="self"/>
+              <dgm:constrLst/>
+              <dgm:ruleLst>
+                <dgm:rule type="primFontSz" val="5" fact="NaN" max="NaN"/>
+              </dgm:ruleLst>
+            </dgm:layoutNode>
+            <dgm:choose name="Name10">
+              <dgm:if name="Name11" axis="ch" ptType="node" func="cnt" op="gte" val="1">
+                <dgm:layoutNode name="entireBox">
+                  <dgm:alg type="sp"/>
+                  <dgm:shape xmlns:r="http://schemas.openxmlformats.org/officeDocument/2006/relationships" type="rect" r:blip="">
+                    <dgm:adjLst/>
+                  </dgm:shape>
+                  <dgm:presOf axis="self"/>
+                  <dgm:constrLst/>
+                  <dgm:ruleLst/>
+                </dgm:layoutNode>
+                <dgm:layoutNode name="descendantBox" styleLbl="fgAccFollowNode1">
+                  <dgm:choose name="Name12">
+                    <dgm:if name="Name13" func="var" arg="dir" op="equ" val="norm">
+                      <dgm:alg type="lin"/>
+                    </dgm:if>
+                    <dgm:else name="Name14">
+                      <dgm:alg type="lin">
+                        <dgm:param type="linDir" val="fromR"/>
+                      </dgm:alg>
+                    </dgm:else>
+                  </dgm:choose>
+                  <dgm:shape xmlns:r="http://schemas.openxmlformats.org/officeDocument/2006/relationships" r:blip="">
+                    <dgm:adjLst/>
+                  </dgm:shape>
+                  <dgm:presOf/>
+                  <dgm:constrLst>
+                    <dgm:constr type="w" for="ch" forName="childTextBox" refType="w"/>
+                    <dgm:constr type="h" for="ch" forName="childTextBox" refType="h"/>
+                  </dgm:constrLst>
+                  <dgm:ruleLst/>
+                  <dgm:forEach name="Name15" axis="ch" ptType="node">
+                    <dgm:layoutNode name="childTextBox" styleLbl="fgAccFollowNode1">
+                      <dgm:varLst>
+                        <dgm:bulletEnabled val="1"/>
+                      </dgm:varLst>
+                      <dgm:alg type="tx"/>
+                      <dgm:shape xmlns:r="http://schemas.openxmlformats.org/officeDocument/2006/relationships" type="rect" r:blip="">
+                        <dgm:adjLst/>
+                      </dgm:shape>
+                      <dgm:presOf axis="desOrSelf" ptType="node"/>
+                      <dgm:constrLst>
+                        <dgm:constr type="tMarg" refType="primFontSz" fact="0.1"/>
+                        <dgm:constr type="bMarg" refType="primFontSz" fact="0.1"/>
+                      </dgm:constrLst>
+                      <dgm:ruleLst>
+                        <dgm:rule type="primFontSz" val="5" fact="NaN" max="NaN"/>
+                      </dgm:ruleLst>
+                    </dgm:layoutNode>
+                  </dgm:forEach>
+                </dgm:layoutNode>
+              </dgm:if>
+              <dgm:else name="Name16"/>
+            </dgm:choose>
+          </dgm:layoutNode>
+        </dgm:if>
+        <dgm:else name="Name17">
+          <dgm:layoutNode name="arrowAndChildren">
+            <dgm:alg type="composite"/>
+            <dgm:shape xmlns:r="http://schemas.openxmlformats.org/officeDocument/2006/relationships" r:blip="">
+              <dgm:adjLst/>
+            </dgm:shape>
+            <dgm:presOf/>
+            <dgm:choose name="Name18">
+              <dgm:if name="Name19" axis="ch" ptType="node" func="cnt" op="gte" val="1">
+                <dgm:constrLst>
+                  <dgm:constr type="w" for="ch" forName="parentTextArrow" refType="w"/>
+                  <dgm:constr type="t" for="ch" forName="parentTextArrow"/>
+                  <dgm:constr type="h" for="ch" forName="parentTextArrow" refType="h" fact="0.351"/>
+                  <dgm:constr type="w" for="ch" forName="arrow" refType="w"/>
+                  <dgm:constr type="h" for="ch" forName="arrow" refType="h"/>
+                  <dgm:constr type="w" for="ch" forName="descendantArrow" refType="w"/>
+                  <dgm:constr type="b" for="ch" forName="descendantArrow" refType="h" fact="0.65"/>
+                  <dgm:constr type="h" for="ch" forName="descendantArrow" refType="h" fact="0.299"/>
+                </dgm:constrLst>
+              </dgm:if>
+              <dgm:else name="Name20">
+                <dgm:constrLst>
+                  <dgm:constr type="w" for="ch" forName="parentTextArrow" refType="w"/>
+                  <dgm:constr type="h" for="ch" forName="parentTextArrow" refType="h"/>
+                </dgm:constrLst>
+              </dgm:else>
+            </dgm:choose>
+            <dgm:ruleLst/>
+            <dgm:layoutNode name="parentTextArrow">
+              <dgm:alg type="tx"/>
+              <dgm:choose name="Name21">
+                <dgm:if name="Name22" axis="ch" ptType="node" func="cnt" op="gte" val="1">
+                  <dgm:shape xmlns:r="http://schemas.openxmlformats.org/officeDocument/2006/relationships" type="rect" r:blip="" zOrderOff="1" hideGeom="1">
+                    <dgm:adjLst/>
+                  </dgm:shape>
+                </dgm:if>
+                <dgm:else name="Name23">
+                  <dgm:shape xmlns:r="http://schemas.openxmlformats.org/officeDocument/2006/relationships" rot="180" type="upArrowCallout" r:blip="">
+                    <dgm:adjLst/>
+                  </dgm:shape>
+                </dgm:else>
+              </dgm:choose>
+              <dgm:presOf axis="self"/>
+              <dgm:constrLst/>
+              <dgm:ruleLst>
+                <dgm:rule type="primFontSz" val="5" fact="NaN" max="NaN"/>
+              </dgm:ruleLst>
+            </dgm:layoutNode>
+            <dgm:choose name="Name24">
+              <dgm:if name="Name25" axis="ch" ptType="node" func="cnt" op="gte" val="1">
+                <dgm:layoutNode name="arrow">
+                  <dgm:alg type="sp"/>
+                  <dgm:shape xmlns:r="http://schemas.openxmlformats.org/officeDocument/2006/relationships" rot="180" type="upArrowCallout" r:blip="">
+                    <dgm:adjLst/>
+                  </dgm:shape>
+                  <dgm:presOf axis="self"/>
+                  <dgm:constrLst/>
+                  <dgm:ruleLst/>
+                </dgm:layoutNode>
+                <dgm:layoutNode name="descendantArrow">
+                  <dgm:choose name="Name26">
+                    <dgm:if name="Name27" func="var" arg="dir" op="equ" val="norm">
+                      <dgm:alg type="lin"/>
+                    </dgm:if>
+                    <dgm:else name="Name28">
+                      <dgm:alg type="lin">
+                        <dgm:param type="linDir" val="fromR"/>
+                      </dgm:alg>
+                    </dgm:else>
+                  </dgm:choose>
+                  <dgm:shape xmlns:r="http://schemas.openxmlformats.org/officeDocument/2006/relationships" r:blip="">
+                    <dgm:adjLst/>
+                  </dgm:shape>
+                  <dgm:presOf/>
+                  <dgm:constrLst>
+                    <dgm:constr type="w" for="ch" forName="childTextArrow" refType="w"/>
+                    <dgm:constr type="h" for="ch" forName="childTextArrow" refType="h"/>
+                  </dgm:constrLst>
+                  <dgm:ruleLst/>
+                  <dgm:forEach name="Name29" axis="ch" ptType="node">
+                    <dgm:layoutNode name="childTextArrow" styleLbl="fgAccFollowNode1">
+                      <dgm:varLst>
+                        <dgm:bulletEnabled val="1"/>
+                      </dgm:varLst>
+                      <dgm:alg type="tx"/>
+                      <dgm:shape xmlns:r="http://schemas.openxmlformats.org/officeDocument/2006/relationships" type="rect" r:blip="">
+                        <dgm:adjLst/>
+                      </dgm:shape>
+                      <dgm:presOf axis="desOrSelf" ptType="node"/>
+                      <dgm:constrLst>
+                        <dgm:constr type="tMarg" refType="primFontSz" fact="0.1"/>
+                        <dgm:constr type="bMarg" refType="primFontSz" fact="0.1"/>
+                      </dgm:constrLst>
+                      <dgm:ruleLst>
+                        <dgm:rule type="primFontSz" val="5" fact="NaN" max="NaN"/>
+                      </dgm:ruleLst>
+                    </dgm:layoutNode>
+                  </dgm:forEach>
+                </dgm:layoutNode>
+              </dgm:if>
+              <dgm:else name="Name30"/>
+            </dgm:choose>
+          </dgm:layoutNode>
+        </dgm:else>
+      </dgm:choose>
+      <dgm:forEach name="Name31" axis="precedSib" ptType="sibTrans" st="-1" cnt="1">
+        <dgm:layoutNode name="sp">
+          <dgm:alg type="sp"/>
+          <dgm:shape xmlns:r="http://schemas.openxmlformats.org/officeDocument/2006/relationships" r:blip="">
+            <dgm:adjLst/>
+          </dgm:shape>
+          <dgm:presOf axis="self"/>
+          <dgm:constrLst/>
+          <dgm:ruleLst/>
+        </dgm:layoutNode>
+      </dgm:forEach>
+    </dgm:forEach>
+  </dgm:layoutNode>
+</dgm:layoutDef>
+</file>
+
 <file path=ppt/diagrams/quickStyle1.xml><?xml version="1.0" encoding="utf-8"?>
+<dgm:styleDef xmlns:dgm="http://schemas.openxmlformats.org/drawingml/2006/diagram" xmlns:a="http://schemas.openxmlformats.org/drawingml/2006/main" uniqueId="urn:microsoft.com/office/officeart/2005/8/quickstyle/simple1">
+  <dgm:title val=""/>
+  <dgm:desc val=""/>
+  <dgm:catLst>
+    <dgm:cat type="simple" pri="10100"/>
+  </dgm:catLst>
+  <dgm:scene3d>
+    <a:camera prst="orthographicFront"/>
+    <a:lightRig rig="threePt" dir="t"/>
+  </dgm:scene3d>
+  <dgm:styleLbl name="node0">
+    <dgm:scene3d>
+      <a:camera prst="orthographicFront"/>
+      <a:lightRig rig="threePt" dir="t"/>
+    </dgm:scene3d>
+    <dgm:sp3d/>
+    <dgm:txPr/>
+    <dgm:style>
+      <a:lnRef idx="2">
+        <a:scrgbClr r="0" g="0" b="0"/>
+      </a:lnRef>
+      <a:fillRef idx="1">
+        <a:scrgbClr r="0" g="0" b="0"/>
+      </a:fillRef>
+      <a:effectRef idx="0">
+        <a:scrgbClr r="0" g="0" b="0"/>
+      </a:effectRef>
+      <a:fontRef idx="minor">
+        <a:schemeClr val="lt1"/>
+      </a:fontRef>
+    </dgm:style>
+  </dgm:styleLbl>
+  <dgm:styleLbl name="lnNode1">
+    <dgm:scene3d>
+      <a:camera prst="orthographicFront"/>
+      <a:lightRig rig="threePt" dir="t"/>
+    </dgm:scene3d>
+    <dgm:sp3d/>
+    <dgm:txPr/>
+    <dgm:style>
+      <a:lnRef idx="2">
+        <a:scrgbClr r="0" g="0" b="0"/>
+      </a:lnRef>
+      <a:fillRef idx="1">
+        <a:scrgbClr r="0" g="0" b="0"/>
+      </a:fillRef>
+      <a:effectRef idx="0">
+        <a:scrgbClr r="0" g="0" b="0"/>
+      </a:effectRef>
+      <a:fontRef idx="minor">
+        <a:schemeClr val="lt1"/>
+      </a:fontRef>
+    </dgm:style>
+  </dgm:styleLbl>
+  <dgm:styleLbl name="vennNode1">
+    <dgm:scene3d>
+      <a:camera prst="orthographicFront"/>
+      <a:lightRig rig="threePt" dir="t"/>
+    </dgm:scene3d>
+    <dgm:sp3d/>
+    <dgm:txPr/>
+    <dgm:style>
+      <a:lnRef idx="2">
+        <a:scrgbClr r="0" g="0" b="0"/>
+      </a:lnRef>
+      <a:fillRef idx="1">
+        <a:scrgbClr r="0" g="0" b="0"/>
+      </a:fillRef>
+      <a:effectRef idx="0">
+        <a:scrgbClr r="0" g="0" b="0"/>
+      </a:effectRef>
+      <a:fontRef idx="minor">
+        <a:schemeClr val="tx1"/>
+      </a:fontRef>
+    </dgm:style>
+  </dgm:styleLbl>
+  <dgm:styleLbl name="alignNode1">
+    <dgm:scene3d>
+      <a:camera prst="orthographicFront"/>
+      <a:lightRig rig="threePt" dir="t"/>
+    </dgm:scene3d>
+    <dgm:sp3d/>
+    <dgm:txPr/>
+    <dgm:style>
+      <a:lnRef idx="2">
+        <a:scrgbClr r="0" g="0" b="0"/>
+      </a:lnRef>
+      <a:fillRef idx="1">
+        <a:scrgbClr r="0" g="0" b="0"/>
+      </a:fillRef>
+      <a:effectRef idx="0">
+        <a:scrgbClr r="0" g="0" b="0"/>
+      </a:effectRef>
+      <a:fontRef idx="minor">
+        <a:schemeClr val="lt1"/>
+      </a:fontRef>
+    </dgm:style>
+  </dgm:styleLbl>
+  <dgm:styleLbl name="node1">
+    <dgm:scene3d>
+      <a:camera prst="orthographicFront"/>
+      <a:lightRig rig="threePt" dir="t"/>
+    </dgm:scene3d>
+    <dgm:sp3d/>
+    <dgm:txPr/>
+    <dgm:style>
+      <a:lnRef idx="2">
+        <a:scrgbClr r="0" g="0" b="0"/>
+      </a:lnRef>
+      <a:fillRef idx="1">
+        <a:scrgbClr r="0" g="0" b="0"/>
+      </a:fillRef>
+      <a:effectRef idx="0">
+        <a:scrgbClr r="0" g="0" b="0"/>
+      </a:effectRef>
+      <a:fontRef idx="minor">
+        <a:schemeClr val="lt1"/>
+      </a:fontRef>
+    </dgm:style>
+  </dgm:styleLbl>
+  <dgm:styleLbl name="node2">
+    <dgm:scene3d>
+      <a:camera prst="orthographicFront"/>
+      <a:lightRig rig="threePt" dir="t"/>
+    </dgm:scene3d>
+    <dgm:sp3d/>
+    <dgm:txPr/>
+    <dgm:style>
+      <a:lnRef idx="2">
+        <a:scrgbClr r="0" g="0" b="0"/>
+      </a:lnRef>
+      <a:fillRef idx="1">
+        <a:scrgbClr r="0" g="0" b="0"/>
+      </a:fillRef>
+      <a:effectRef idx="0">
+        <a:scrgbClr r="0" g="0" b="0"/>
+      </a:effectRef>
+      <a:fontRef idx="minor">
+        <a:schemeClr val="lt1"/>
+      </a:fontRef>
+    </dgm:style>
+  </dgm:styleLbl>
+  <dgm:styleLbl name="node3">
+    <dgm:scene3d>
+      <a:camera prst="orthographicFront"/>
+      <a:lightRig rig="threePt" dir="t"/>
+    </dgm:scene3d>
+    <dgm:sp3d/>
+    <dgm:txPr/>
+    <dgm:style>
+      <a:lnRef idx="2">
+        <a:scrgbClr r="0" g="0" b="0"/>
+      </a:lnRef>
+      <a:fillRef idx="1">
+        <a:scrgbClr r="0" g="0" b="0"/>
+      </a:fillRef>
+      <a:effectRef idx="0">
+        <a:scrgbClr r="0" g="0" b="0"/>
+      </a:effectRef>
+      <a:fontRef idx="minor">
+        <a:schemeClr val="lt1"/>
+      </a:fontRef>
+    </dgm:style>
+  </dgm:styleLbl>
+  <dgm:styleLbl name="node4">
+    <dgm:scene3d>
+      <a:camera prst="orthographicFront"/>
+      <a:lightRig rig="threePt" dir="t"/>
+    </dgm:scene3d>
+    <dgm:sp3d/>
+    <dgm:txPr/>
+    <dgm:style>
+      <a:lnRef idx="2">
+        <a:scrgbClr r="0" g="0" b="0"/>
+      </a:lnRef>
+      <a:fillRef idx="1">
+        <a:scrgbClr r="0" g="0" b="0"/>
+      </a:fillRef>
+      <a:effectRef idx="0">
+        <a:scrgbClr r="0" g="0" b="0"/>
+      </a:effectRef>
+      <a:fontRef idx="minor">
+        <a:schemeClr val="lt1"/>
+      </a:fontRef>
+    </dgm:style>
+  </dgm:styleLbl>
+  <dgm:styleLbl name="fgImgPlace1">
+    <dgm:scene3d>
+      <a:camera prst="orthographicFront"/>
+      <a:lightRig rig="threePt" dir="t"/>
+    </dgm:scene3d>
+    <dgm:sp3d/>
+    <dgm:txPr/>
+    <dgm:style>
+      <a:lnRef idx="2">
+        <a:scrgbClr r="0" g="0" b="0"/>
+      </a:lnRef>
+      <a:fillRef idx="1">
+        <a:scrgbClr r="0" g="0" b="0"/>
+      </a:fillRef>
+      <a:effectRef idx="0">
+        <a:scrgbClr r="0" g="0" b="0"/>
+      </a:effectRef>
+      <a:fontRef idx="minor"/>
+    </dgm:style>
+  </dgm:styleLbl>
+  <dgm:styleLbl name="alignImgPlace1">
+    <dgm:scene3d>
+      <a:camera prst="orthographicFront"/>
+      <a:lightRig rig="threePt" dir="t"/>
+    </dgm:scene3d>
+    <dgm:sp3d/>
+    <dgm:txPr/>
+    <dgm:style>
+      <a:lnRef idx="2">
+        <a:scrgbClr r="0" g="0" b="0"/>
+      </a:lnRef>
+      <a:fillRef idx="1">
+        <a:scrgbClr r="0" g="0" b="0"/>
+      </a:fillRef>
+      <a:effectRef idx="0">
+        <a:scrgbClr r="0" g="0" b="0"/>
+      </a:effectRef>
+      <a:fontRef idx="minor"/>
+    </dgm:style>
+  </dgm:styleLbl>
+  <dgm:styleLbl name="bgImgPlace1">
+    <dgm:scene3d>
+      <a:camera prst="orthographicFront"/>
+      <a:lightRig rig="threePt" dir="t"/>
+    </dgm:scene3d>
+    <dgm:sp3d/>
+    <dgm:txPr/>
+    <dgm:style>
+      <a:lnRef idx="2">
+        <a:scrgbClr r="0" g="0" b="0"/>
+      </a:lnRef>
+      <a:fillRef idx="1">
+        <a:scrgbClr r="0" g="0" b="0"/>
+      </a:fillRef>
+      <a:effectRef idx="0">
+        <a:scrgbClr r="0" g="0" b="0"/>
+      </a:effectRef>
+      <a:fontRef idx="minor"/>
+    </dgm:style>
+  </dgm:styleLbl>
+  <dgm:styleLbl name="sibTrans2D1">
+    <dgm:scene3d>
+      <a:camera prst="orthographicFront"/>
+      <a:lightRig rig="threePt" dir="t"/>
+    </dgm:scene3d>
+    <dgm:sp3d/>
+    <dgm:txPr/>
+    <dgm:style>
+      <a:lnRef idx="0">
+        <a:scrgbClr r="0" g="0" b="0"/>
+      </a:lnRef>
+      <a:fillRef idx="1">
+        <a:scrgbClr r="0" g="0" b="0"/>
+      </a:fillRef>
+      <a:effectRef idx="0">
+        <a:scrgbClr r="0" g="0" b="0"/>
+      </a:effectRef>
+      <a:fontRef idx="minor">
+        <a:schemeClr val="lt1"/>
+      </a:fontRef>
+    </dgm:style>
+  </dgm:styleLbl>
+  <dgm:styleLbl name="fgSibTrans2D1">
+    <dgm:scene3d>
+      <a:camera prst="orthographicFront"/>
+      <a:lightRig rig="threePt" dir="t"/>
+    </dgm:scene3d>
+    <dgm:sp3d/>
+    <dgm:txPr/>
+    <dgm:style>
+      <a:lnRef idx="0">
+        <a:scrgbClr r="0" g="0" b="0"/>
+      </a:lnRef>
+      <a:fillRef idx="1">
+        <a:scrgbClr r="0" g="0" b="0"/>
+      </a:fillRef>
+      <a:effectRef idx="0">
+        <a:scrgbClr r="0" g="0" b="0"/>
+      </a:effectRef>
+      <a:fontRef idx="minor">
+        <a:schemeClr val="lt1"/>
+      </a:fontRef>
+    </dgm:style>
+  </dgm:styleLbl>
+  <dgm:styleLbl name="bgSibTrans2D1">
+    <dgm:scene3d>
+      <a:camera prst="orthographicFront"/>
+      <a:lightRig rig="threePt" dir="t"/>
+    </dgm:scene3d>
+    <dgm:sp3d/>
+    <dgm:txPr/>
+    <dgm:style>
+      <a:lnRef idx="0">
+        <a:scrgbClr r="0" g="0" b="0"/>
+      </a:lnRef>
+      <a:fillRef idx="1">
+        <a:scrgbClr r="0" g="0" b="0"/>
+      </a:fillRef>
+      <a:effectRef idx="0">
+        <a:scrgbClr r="0" g="0" b="0"/>
+      </a:effectRef>
+      <a:fontRef idx="minor">
+        <a:schemeClr val="lt1"/>
+      </a:fontRef>
+    </dgm:style>
+  </dgm:styleLbl>
+  <dgm:styleLbl name="sibTrans1D1">
+    <dgm:scene3d>
+      <a:camera prst="orthographicFront"/>
+      <a:lightRig rig="threePt" dir="t"/>
+    </dgm:scene3d>
+    <dgm:sp3d/>
+    <dgm:txPr/>
+    <dgm:style>
+      <a:lnRef idx="1">
+        <a:scrgbClr r="0" g="0" b="0"/>
+      </a:lnRef>
+      <a:fillRef idx="0">
+        <a:scrgbClr r="0" g="0" b="0"/>
+      </a:fillRef>
+      <a:effectRef idx="0">
+        <a:scrgbClr r="0" g="0" b="0"/>
+      </a:effectRef>
+      <a:fontRef idx="minor"/>
+    </dgm:style>
+  </dgm:styleLbl>
+  <dgm:styleLbl name="callout">
+    <dgm:scene3d>
+      <a:camera prst="orthographicFront"/>
+      <a:lightRig rig="threePt" dir="t"/>
+    </dgm:scene3d>
+    <dgm:sp3d/>
+    <dgm:txPr/>
+    <dgm:style>
+      <a:lnRef idx="2">
+        <a:scrgbClr r="0" g="0" b="0"/>
+      </a:lnRef>
+      <a:fillRef idx="1">
+        <a:scrgbClr r="0" g="0" b="0"/>
+      </a:fillRef>
+      <a:effectRef idx="0">
+        <a:scrgbClr r="0" g="0" b="0"/>
+      </a:effectRef>
+      <a:fontRef idx="minor"/>
+    </dgm:style>
+  </dgm:styleLbl>
+  <dgm:styleLbl name="asst0">
+    <dgm:scene3d>
+      <a:camera prst="orthographicFront"/>
+      <a:lightRig rig="threePt" dir="t"/>
+    </dgm:scene3d>
+    <dgm:sp3d/>
+    <dgm:txPr/>
+    <dgm:style>
+      <a:lnRef idx="2">
+        <a:scrgbClr r="0" g="0" b="0"/>
+      </a:lnRef>
+      <a:fillRef idx="1">
+        <a:scrgbClr r="0" g="0" b="0"/>
+      </a:fillRef>
+      <a:effectRef idx="0">
+        <a:scrgbClr r="0" g="0" b="0"/>
+      </a:effectRef>
+      <a:fontRef idx="minor">
+        <a:schemeClr val="lt1"/>
+      </a:fontRef>
+    </dgm:style>
+  </dgm:styleLbl>
+  <dgm:styleLbl name="asst1">
+    <dgm:scene3d>
+      <a:camera prst="orthographicFront"/>
+      <a:lightRig rig="threePt" dir="t"/>
+    </dgm:scene3d>
+    <dgm:sp3d/>
+    <dgm:txPr/>
+    <dgm:style>
+      <a:lnRef idx="2">
+        <a:scrgbClr r="0" g="0" b="0"/>
+      </a:lnRef>
+      <a:fillRef idx="1">
+        <a:scrgbClr r="0" g="0" b="0"/>
+      </a:fillRef>
+      <a:effectRef idx="0">
+        <a:scrgbClr r="0" g="0" b="0"/>
+      </a:effectRef>
+      <a:fontRef idx="minor">
+        <a:schemeClr val="lt1"/>
+      </a:fontRef>
+    </dgm:style>
+  </dgm:styleLbl>
+  <dgm:styleLbl name="asst2">
+    <dgm:scene3d>
+      <a:camera prst="orthographicFront"/>
+      <a:lightRig rig="threePt" dir="t"/>
+    </dgm:scene3d>
+    <dgm:sp3d/>
+    <dgm:txPr/>
+    <dgm:style>
+      <a:lnRef idx="2">
+        <a:scrgbClr r="0" g="0" b="0"/>
+      </a:lnRef>
+      <a:fillRef idx="1">
+        <a:scrgbClr r="0" g="0" b="0"/>
+      </a:fillRef>
+      <a:effectRef idx="0">
+        <a:scrgbClr r="0" g="0" b="0"/>
+      </a:effectRef>
+      <a:fontRef idx="minor">
+        <a:schemeClr val="lt1"/>
+      </a:fontRef>
+    </dgm:style>
+  </dgm:styleLbl>
+  <dgm:styleLbl name="asst3">
+    <dgm:scene3d>
+      <a:camera prst="orthographicFront"/>
+      <a:lightRig rig="threePt" dir="t"/>
+    </dgm:scene3d>
+    <dgm:sp3d/>
+    <dgm:txPr/>
+    <dgm:style>
+      <a:lnRef idx="2">
+        <a:scrgbClr r="0" g="0" b="0"/>
+      </a:lnRef>
+      <a:fillRef idx="1">
+        <a:scrgbClr r="0" g="0" b="0"/>
+      </a:fillRef>
+      <a:effectRef idx="0">
+        <a:scrgbClr r="0" g="0" b="0"/>
+      </a:effectRef>
+      <a:fontRef idx="minor">
+        <a:schemeClr val="lt1"/>
+      </a:fontRef>
+    </dgm:style>
+  </dgm:styleLbl>
+  <dgm:styleLbl name="asst4">
+    <dgm:scene3d>
+      <a:camera prst="orthographicFront"/>
+      <a:lightRig rig="threePt" dir="t"/>
+    </dgm:scene3d>
+    <dgm:sp3d/>
+    <dgm:txPr/>
+    <dgm:style>
+      <a:lnRef idx="2">
+        <a:scrgbClr r="0" g="0" b="0"/>
+      </a:lnRef>
+      <a:fillRef idx="1">
+        <a:scrgbClr r="0" g="0" b="0"/>
+      </a:fillRef>
+      <a:effectRef idx="0">
+        <a:scrgbClr r="0" g="0" b="0"/>
+      </a:effectRef>
+      <a:fontRef idx="minor">
+        <a:schemeClr val="lt1"/>
+      </a:fontRef>
+    </dgm:style>
+  </dgm:styleLbl>
+  <dgm:styleLbl name="parChTrans2D1">
+    <dgm:scene3d>
+      <a:camera prst="orthographicFront"/>
+      <a:lightRig rig="threePt" dir="t"/>
+    </dgm:scene3d>
+    <dgm:sp3d/>
+    <dgm:txPr/>
+    <dgm:style>
+      <a:lnRef idx="2">
+        <a:scrgbClr r="0" g="0" b="0"/>
+      </a:lnRef>
+      <a:fillRef idx="1">
+        <a:scrgbClr r="0" g="0" b="0"/>
+      </a:fillRef>
+      <a:effectRef idx="0">
+        <a:scrgbClr r="0" g="0" b="0"/>
+      </a:effectRef>
+      <a:fontRef idx="minor">
+        <a:schemeClr val="lt1"/>
+      </a:fontRef>
+    </dgm:style>
+  </dgm:styleLbl>
+  <dgm:styleLbl name="parChTrans2D2">
+    <dgm:scene3d>
+      <a:camera prst="orthographicFront"/>
+      <a:lightRig rig="threePt" dir="t"/>
+    </dgm:scene3d>
+    <dgm:sp3d/>
+    <dgm:txPr/>
+    <dgm:style>
+      <a:lnRef idx="2">
+        <a:scrgbClr r="0" g="0" b="0"/>
+      </a:lnRef>
+      <a:fillRef idx="1">
+        <a:scrgbClr r="0" g="0" b="0"/>
+      </a:fillRef>
+      <a:effectRef idx="0">
+        <a:scrgbClr r="0" g="0" b="0"/>
+      </a:effectRef>
+      <a:fontRef idx="minor">
+        <a:schemeClr val="lt1"/>
+      </a:fontRef>
+    </dgm:style>
+  </dgm:styleLbl>
+  <dgm:styleLbl name="parChTrans2D3">
+    <dgm:scene3d>
+      <a:camera prst="orthographicFront"/>
+      <a:lightRig rig="threePt" dir="t"/>
+    </dgm:scene3d>
+    <dgm:sp3d/>
+    <dgm:txPr/>
+    <dgm:style>
+      <a:lnRef idx="2">
+        <a:scrgbClr r="0" g="0" b="0"/>
+      </a:lnRef>
+      <a:fillRef idx="1">
+        <a:scrgbClr r="0" g="0" b="0"/>
+      </a:fillRef>
+      <a:effectRef idx="0">
+        <a:scrgbClr r="0" g="0" b="0"/>
+      </a:effectRef>
+      <a:fontRef idx="minor">
+        <a:schemeClr val="lt1"/>
+      </a:fontRef>
+    </dgm:style>
+  </dgm:styleLbl>
+  <dgm:styleLbl name="parChTrans2D4">
+    <dgm:scene3d>
+      <a:camera prst="orthographicFront"/>
+      <a:lightRig rig="threePt" dir="t"/>
+    </dgm:scene3d>
+    <dgm:sp3d/>
+    <dgm:txPr/>
+    <dgm:style>
+      <a:lnRef idx="2">
+        <a:scrgbClr r="0" g="0" b="0"/>
+      </a:lnRef>
+      <a:fillRef idx="1">
+        <a:scrgbClr r="0" g="0" b="0"/>
+      </a:fillRef>
+      <a:effectRef idx="0">
+        <a:scrgbClr r="0" g="0" b="0"/>
+      </a:effectRef>
+      <a:fontRef idx="minor">
+        <a:schemeClr val="lt1"/>
+      </a:fontRef>
+    </dgm:style>
+  </dgm:styleLbl>
+  <dgm:styleLbl name="parChTrans1D1">
+    <dgm:scene3d>
+      <a:camera prst="orthographicFront"/>
+      <a:lightRig rig="threePt" dir="t"/>
+    </dgm:scene3d>
+    <dgm:sp3d/>
+    <dgm:txPr/>
+    <dgm:style>
+      <a:lnRef idx="2">
+        <a:scrgbClr r="0" g="0" b="0"/>
+      </a:lnRef>
+      <a:fillRef idx="0">
+        <a:scrgbClr r="0" g="0" b="0"/>
+      </a:fillRef>
+      <a:effectRef idx="0">
+        <a:scrgbClr r="0" g="0" b="0"/>
+      </a:effectRef>
+      <a:fontRef idx="minor"/>
+    </dgm:style>
+  </dgm:styleLbl>
+  <dgm:styleLbl name="parChTrans1D2">
+    <dgm:scene3d>
+      <a:camera prst="orthographicFront"/>
+      <a:lightRig rig="threePt" dir="t"/>
+    </dgm:scene3d>
+    <dgm:sp3d/>
+    <dgm:txPr/>
+    <dgm:style>
+      <a:lnRef idx="2">
+        <a:scrgbClr r="0" g="0" b="0"/>
+      </a:lnRef>
+      <a:fillRef idx="0">
+        <a:scrgbClr r="0" g="0" b="0"/>
+      </a:fillRef>
+      <a:effectRef idx="0">
+        <a:scrgbClr r="0" g="0" b="0"/>
+      </a:effectRef>
+      <a:fontRef idx="minor"/>
+    </dgm:style>
+  </dgm:styleLbl>
+  <dgm:styleLbl name="parChTrans1D3">
+    <dgm:scene3d>
+      <a:camera prst="orthographicFront"/>
+      <a:lightRig rig="threePt" dir="t"/>
+    </dgm:scene3d>
+    <dgm:sp3d/>
+    <dgm:txPr/>
+    <dgm:style>
+      <a:lnRef idx="2">
+        <a:scrgbClr r="0" g="0" b="0"/>
+      </a:lnRef>
+      <a:fillRef idx="0">
+        <a:scrgbClr r="0" g="0" b="0"/>
+      </a:fillRef>
+      <a:effectRef idx="0">
+        <a:scrgbClr r="0" g="0" b="0"/>
+      </a:effectRef>
+      <a:fontRef idx="minor"/>
+    </dgm:style>
+  </dgm:styleLbl>
+  <dgm:styleLbl name="parChTrans1D4">
+    <dgm:scene3d>
+      <a:camera prst="orthographicFront"/>
+      <a:lightRig rig="threePt" dir="t"/>
+    </dgm:scene3d>
+    <dgm:sp3d/>
+    <dgm:txPr/>
+    <dgm:style>
+      <a:lnRef idx="2">
+        <a:scrgbClr r="0" g="0" b="0"/>
+      </a:lnRef>
+      <a:fillRef idx="0">
+        <a:scrgbClr r="0" g="0" b="0"/>
+      </a:fillRef>
+      <a:effectRef idx="0">
+        <a:scrgbClr r="0" g="0" b="0"/>
+      </a:effectRef>
+      <a:fontRef idx="minor"/>
+    </dgm:style>
+  </dgm:styleLbl>
+  <dgm:styleLbl name="fgAcc1">
+    <dgm:scene3d>
+      <a:camera prst="orthographicFront"/>
+      <a:lightRig rig="threePt" dir="t"/>
+    </dgm:scene3d>
+    <dgm:sp3d/>
+    <dgm:txPr/>
+    <dgm:style>
+      <a:lnRef idx="2">
+        <a:scrgbClr r="0" g="0" b="0"/>
+      </a:lnRef>
+      <a:fillRef idx="1">
+        <a:scrgbClr r="0" g="0" b="0"/>
+      </a:fillRef>
+      <a:effectRef idx="0">
+        <a:scrgbClr r="0" g="0" b="0"/>
+      </a:effectRef>
+      <a:fontRef idx="minor"/>
+    </dgm:style>
+  </dgm:styleLbl>
+  <dgm:styleLbl name="conFgAcc1">
+    <dgm:scene3d>
+      <a:camera prst="orthographicFront"/>
+      <a:lightRig rig="threePt" dir="t"/>
+    </dgm:scene3d>
+    <dgm:sp3d/>
+    <dgm:txPr/>
+    <dgm:style>
+      <a:lnRef idx="2">
+        <a:scrgbClr r="0" g="0" b="0"/>
+      </a:lnRef>
+      <a:fillRef idx="1">
+        <a:scrgbClr r="0" g="0" b="0"/>
+      </a:fillRef>
+      <a:effectRef idx="0">
+        <a:scrgbClr r="0" g="0" b="0"/>
+      </a:effectRef>
+      <a:fontRef idx="minor"/>
+    </dgm:style>
+  </dgm:styleLbl>
+  <dgm:styleLbl name="alignAcc1">
+    <dgm:scene3d>
+      <a:camera prst="orthographicFront"/>
+      <a:lightRig rig="threePt" dir="t"/>
+    </dgm:scene3d>
+    <dgm:sp3d/>
+    <dgm:txPr/>
+    <dgm:style>
+      <a:lnRef idx="2">
+        <a:scrgbClr r="0" g="0" b="0"/>
+      </a:lnRef>
+      <a:fillRef idx="1">
+        <a:scrgbClr r="0" g="0" b="0"/>
+      </a:fillRef>
+      <a:effectRef idx="0">
+        <a:scrgbClr r="0" g="0" b="0"/>
+      </a:effectRef>
+      <a:fontRef idx="minor"/>
+    </dgm:style>
+  </dgm:styleLbl>
+  <dgm:styleLbl name="trAlignAcc1">
+    <dgm:scene3d>
+      <a:camera prst="orthographicFront"/>
+      <a:lightRig rig="threePt" dir="t"/>
+    </dgm:scene3d>
+    <dgm:sp3d/>
+    <dgm:txPr/>
+    <dgm:style>
+      <a:lnRef idx="1">
+        <a:scrgbClr r="0" g="0" b="0"/>
+      </a:lnRef>
+      <a:fillRef idx="1">
+        <a:scrgbClr r="0" g="0" b="0"/>
+      </a:fillRef>
+      <a:effectRef idx="0">
+        <a:scrgbClr r="0" g="0" b="0"/>
+      </a:effectRef>
+      <a:fontRef idx="minor"/>
+    </dgm:style>
+  </dgm:styleLbl>
+  <dgm:styleLbl name="bgAcc1">
+    <dgm:scene3d>
+      <a:camera prst="orthographicFront"/>
+      <a:lightRig rig="threePt" dir="t"/>
+    </dgm:scene3d>
+    <dgm:sp3d/>
+    <dgm:txPr/>
+    <dgm:style>
+      <a:lnRef idx="2">
+        <a:scrgbClr r="0" g="0" b="0"/>
+      </a:lnRef>
+      <a:fillRef idx="1">
+        <a:scrgbClr r="0" g="0" b="0"/>
+      </a:fillRef>
+      <a:effectRef idx="0">
+        <a:scrgbClr r="0" g="0" b="0"/>
+      </a:effectRef>
+      <a:fontRef idx="minor"/>
+    </dgm:style>
+  </dgm:styleLbl>
+  <dgm:styleLbl name="solidFgAcc1">
+    <dgm:scene3d>
+      <a:camera prst="orthographicFront"/>
+      <a:lightRig rig="threePt" dir="t"/>
+    </dgm:scene3d>
+    <dgm:sp3d/>
+    <dgm:txPr/>
+    <dgm:style>
+      <a:lnRef idx="2">
+        <a:scrgbClr r="0" g="0" b="0"/>
+      </a:lnRef>
+      <a:fillRef idx="1">
+        <a:scrgbClr r="0" g="0" b="0"/>
+      </a:fillRef>
+      <a:effectRef idx="0">
+        <a:scrgbClr r="0" g="0" b="0"/>
+      </a:effectRef>
+      <a:fontRef idx="minor"/>
+    </dgm:style>
+  </dgm:styleLbl>
+  <dgm:styleLbl name="solidAlignAcc1">
+    <dgm:scene3d>
+      <a:camera prst="orthographicFront"/>
+      <a:lightRig rig="threePt" dir="t"/>
+    </dgm:scene3d>
+    <dgm:sp3d/>
+    <dgm:txPr/>
+    <dgm:style>
+      <a:lnRef idx="2">
+        <a:scrgbClr r="0" g="0" b="0"/>
+      </a:lnRef>
+      <a:fillRef idx="1">
+        <a:scrgbClr r="0" g="0" b="0"/>
+      </a:fillRef>
+      <a:effectRef idx="0">
+        <a:scrgbClr r="0" g="0" b="0"/>
+      </a:effectRef>
+      <a:fontRef idx="minor"/>
+    </dgm:style>
+  </dgm:styleLbl>
+  <dgm:styleLbl name="solidBgAcc1">
+    <dgm:scene3d>
+      <a:camera prst="orthographicFront"/>
+      <a:lightRig rig="threePt" dir="t"/>
+    </dgm:scene3d>
+    <dgm:sp3d/>
+    <dgm:txPr/>
+    <dgm:style>
+      <a:lnRef idx="2">
+        <a:scrgbClr r="0" g="0" b="0"/>
+      </a:lnRef>
+      <a:fillRef idx="1">
+        <a:scrgbClr r="0" g="0" b="0"/>
+      </a:fillRef>
+      <a:effectRef idx="0">
+        <a:scrgbClr r="0" g="0" b="0"/>
+      </a:effectRef>
+      <a:fontRef idx="minor"/>
+    </dgm:style>
+  </dgm:styleLbl>
+  <dgm:styleLbl name="fgAccFollowNode1">
+    <dgm:scene3d>
+      <a:camera prst="orthographicFront"/>
+      <a:lightRig rig="threePt" dir="t"/>
+    </dgm:scene3d>
+    <dgm:sp3d/>
+    <dgm:txPr/>
+    <dgm:style>
+      <a:lnRef idx="2">
+        <a:scrgbClr r="0" g="0" b="0"/>
+      </a:lnRef>
+      <a:fillRef idx="1">
+        <a:scrgbClr r="0" g="0" b="0"/>
+      </a:fillRef>
+      <a:effectRef idx="0">
+        <a:scrgbClr r="0" g="0" b="0"/>
+      </a:effectRef>
+      <a:fontRef idx="minor"/>
+    </dgm:style>
+  </dgm:styleLbl>
+  <dgm:styleLbl name="alignAccFollowNode1">
+    <dgm:scene3d>
+      <a:camera prst="orthographicFront"/>
+      <a:lightRig rig="threePt" dir="t"/>
+    </dgm:scene3d>
+    <dgm:sp3d/>
+    <dgm:txPr/>
+    <dgm:style>
+      <a:lnRef idx="2">
+        <a:scrgbClr r="0" g="0" b="0"/>
+      </a:lnRef>
+      <a:fillRef idx="1">
+        <a:scrgbClr r="0" g="0" b="0"/>
+      </a:fillRef>
+      <a:effectRef idx="0">
+        <a:scrgbClr r="0" g="0" b="0"/>
+      </a:effectRef>
+      <a:fontRef idx="minor"/>
+    </dgm:style>
+  </dgm:styleLbl>
+  <dgm:styleLbl name="bgAccFollowNode1">
+    <dgm:scene3d>
+      <a:camera prst="orthographicFront"/>
+      <a:lightRig rig="threePt" dir="t"/>
+    </dgm:scene3d>
+    <dgm:sp3d/>
+    <dgm:txPr/>
+    <dgm:style>
+      <a:lnRef idx="2">
+        <a:scrgbClr r="0" g="0" b="0"/>
+      </a:lnRef>
+      <a:fillRef idx="1">
+        <a:scrgbClr r="0" g="0" b="0"/>
+      </a:fillRef>
+      <a:effectRef idx="0">
+        <a:scrgbClr r="0" g="0" b="0"/>
+      </a:effectRef>
+      <a:fontRef idx="minor"/>
+    </dgm:style>
+  </dgm:styleLbl>
+  <dgm:styleLbl name="fgAcc0">
+    <dgm:scene3d>
+      <a:camera prst="orthographicFront"/>
+      <a:lightRig rig="threePt" dir="t"/>
+    </dgm:scene3d>
+    <dgm:sp3d/>
+    <dgm:txPr/>
+    <dgm:style>
+      <a:lnRef idx="2">
+        <a:scrgbClr r="0" g="0" b="0"/>
+      </a:lnRef>
+      <a:fillRef idx="1">
+        <a:scrgbClr r="0" g="0" b="0"/>
+      </a:fillRef>
+      <a:effectRef idx="0">
+        <a:scrgbClr r="0" g="0" b="0"/>
+      </a:effectRef>
+      <a:fontRef idx="minor"/>
+    </dgm:style>
+  </dgm:styleLbl>
+  <dgm:styleLbl name="fgAcc2">
+    <dgm:scene3d>
+      <a:camera prst="orthographicFront"/>
+      <a:lightRig rig="threePt" dir="t"/>
+    </dgm:scene3d>
+    <dgm:sp3d/>
+    <dgm:txPr/>
+    <dgm:style>
+      <a:lnRef idx="2">
+        <a:scrgbClr r="0" g="0" b="0"/>
+      </a:lnRef>
+      <a:fillRef idx="1">
+        <a:scrgbClr r="0" g="0" b="0"/>
+      </a:fillRef>
+      <a:effectRef idx="0">
+        <a:scrgbClr r="0" g="0" b="0"/>
+      </a:effectRef>
+      <a:fontRef idx="minor"/>
+    </dgm:style>
+  </dgm:styleLbl>
+  <dgm:styleLbl name="fgAcc3">
+    <dgm:scene3d>
+      <a:camera prst="orthographicFront"/>
+      <a:lightRig rig="threePt" dir="t"/>
+    </dgm:scene3d>
+    <dgm:sp3d/>
+    <dgm:txPr/>
+    <dgm:style>
+      <a:lnRef idx="2">
+        <a:scrgbClr r="0" g="0" b="0"/>
+      </a:lnRef>
+      <a:fillRef idx="1">
+        <a:scrgbClr r="0" g="0" b="0"/>
+      </a:fillRef>
+      <a:effectRef idx="0">
+        <a:scrgbClr r="0" g="0" b="0"/>
+      </a:effectRef>
+      <a:fontRef idx="minor"/>
+    </dgm:style>
+  </dgm:styleLbl>
+  <dgm:styleLbl name="fgAcc4">
+    <dgm:scene3d>
+      <a:camera prst="orthographicFront"/>
+      <a:lightRig rig="threePt" dir="t"/>
+    </dgm:scene3d>
+    <dgm:sp3d/>
+    <dgm:txPr/>
+    <dgm:style>
+      <a:lnRef idx="2">
+        <a:scrgbClr r="0" g="0" b="0"/>
+      </a:lnRef>
+      <a:fillRef idx="1">
+        <a:scrgbClr r="0" g="0" b="0"/>
+      </a:fillRef>
+      <a:effectRef idx="0">
+        <a:scrgbClr r="0" g="0" b="0"/>
+      </a:effectRef>
+      <a:fontRef idx="minor"/>
+    </dgm:style>
+  </dgm:styleLbl>
+  <dgm:styleLbl name="bgShp">
+    <dgm:scene3d>
+      <a:camera prst="orthographicFront"/>
+      <a:lightRig rig="threePt" dir="t"/>
+    </dgm:scene3d>
+    <dgm:sp3d/>
+    <dgm:txPr/>
+    <dgm:style>
+      <a:lnRef idx="0">
+        <a:scrgbClr r="0" g="0" b="0"/>
+      </a:lnRef>
+      <a:fillRef idx="1">
+        <a:scrgbClr r="0" g="0" b="0"/>
+      </a:fillRef>
+      <a:effectRef idx="0">
+        <a:scrgbClr r="0" g="0" b="0"/>
+      </a:effectRef>
+      <a:fontRef idx="minor"/>
+    </dgm:style>
+  </dgm:styleLbl>
+  <dgm:styleLbl name="dkBgShp">
+    <dgm:scene3d>
+      <a:camera prst="orthographicFront"/>
+      <a:lightRig rig="threePt" dir="t"/>
+    </dgm:scene3d>
+    <dgm:sp3d/>
+    <dgm:txPr/>
+    <dgm:style>
+      <a:lnRef idx="0">
+        <a:scrgbClr r="0" g="0" b="0"/>
+      </a:lnRef>
+      <a:fillRef idx="1">
+        <a:scrgbClr r="0" g="0" b="0"/>
+      </a:fillRef>
+      <a:effectRef idx="0">
+        <a:scrgbClr r="0" g="0" b="0"/>
+      </a:effectRef>
+      <a:fontRef idx="minor"/>
+    </dgm:style>
+  </dgm:styleLbl>
+  <dgm:styleLbl name="trBgShp">
+    <dgm:scene3d>
+      <a:camera prst="orthographicFront"/>
+      <a:lightRig rig="threePt" dir="t"/>
+    </dgm:scene3d>
+    <dgm:sp3d/>
+    <dgm:txPr/>
+    <dgm:style>
+      <a:lnRef idx="0">
+        <a:scrgbClr r="0" g="0" b="0"/>
+      </a:lnRef>
+      <a:fillRef idx="1">
+        <a:scrgbClr r="0" g="0" b="0"/>
+      </a:fillRef>
+      <a:effectRef idx="0">
+        <a:scrgbClr r="0" g="0" b="0"/>
+      </a:effectRef>
+      <a:fontRef idx="minor"/>
+    </dgm:style>
+  </dgm:styleLbl>
+  <dgm:styleLbl name="fgShp">
+    <dgm:scene3d>
+      <a:camera prst="orthographicFront"/>
+      <a:lightRig rig="threePt" dir="t"/>
+    </dgm:scene3d>
+    <dgm:sp3d/>
+    <dgm:txPr/>
+    <dgm:style>
+      <a:lnRef idx="2">
+        <a:scrgbClr r="0" g="0" b="0"/>
+      </a:lnRef>
+      <a:fillRef idx="1">
+        <a:scrgbClr r="0" g="0" b="0"/>
+      </a:fillRef>
+      <a:effectRef idx="0">
+        <a:scrgbClr r="0" g="0" b="0"/>
+      </a:effectRef>
+      <a:fontRef idx="minor"/>
+    </dgm:style>
+  </dgm:styleLbl>
+  <dgm:styleLbl name="revTx">
+    <dgm:scene3d>
+      <a:camera prst="orthographicFront"/>
+      <a:lightRig rig="threePt" dir="t"/>
+    </dgm:scene3d>
+    <dgm:sp3d/>
+    <dgm:txPr/>
+    <dgm:style>
+      <a:lnRef idx="0">
+        <a:scrgbClr r="0" g="0" b="0"/>
+      </a:lnRef>
+      <a:fillRef idx="0">
+        <a:scrgbClr r="0" g="0" b="0"/>
+      </a:fillRef>
+      <a:effectRef idx="0">
+        <a:scrgbClr r="0" g="0" b="0"/>
+      </a:effectRef>
+      <a:fontRef idx="minor"/>
+    </dgm:style>
+  </dgm:styleLbl>
+</dgm:styleDef>
+</file>
+
+<file path=ppt/diagrams/quickStyle2.xml><?xml version="1.0" encoding="utf-8"?>
 <dgm:styleDef xmlns:dgm="http://schemas.openxmlformats.org/drawingml/2006/diagram" xmlns:a="http://schemas.openxmlformats.org/drawingml/2006/main" uniqueId="urn:microsoft.com/office/officeart/2005/8/quickstyle/simple1">
   <dgm:title val=""/>
   <dgm:desc val=""/>
@@ -15758,7 +18400,7 @@
                   <a:schemeClr val="bg1"/>
                 </a:solidFill>
               </a:rPr>
-              <a:t>A Synopsis of English Premier League Teams</a:t>
+              <a:t>A Synopsis of English Premier League Team Performance </a:t>
             </a:r>
           </a:p>
         </p:txBody>
@@ -15888,7 +18530,7 @@
           <a:p>
             <a:r>
               <a:rPr lang="en-US" dirty="0"/>
-              <a:t>Top teams bar</a:t>
+              <a:t>Top 4 Team over 4 Seasons</a:t>
             </a:r>
           </a:p>
         </p:txBody>
@@ -15938,14 +18580,19 @@
             <p:ph type="body" sz="quarter" idx="3"/>
           </p:nvPr>
         </p:nvSpPr>
-        <p:spPr/>
+        <p:spPr>
+          <a:xfrm>
+            <a:off x="6208712" y="2603499"/>
+            <a:ext cx="4825159" cy="728055"/>
+          </a:xfrm>
+        </p:spPr>
         <p:txBody>
           <a:bodyPr/>
           <a:lstStyle/>
           <a:p>
             <a:r>
               <a:rPr lang="en-US" dirty="0"/>
-              <a:t>Top teams line</a:t>
+              <a:t>Top Teams Overall over 4 Seasons</a:t>
             </a:r>
           </a:p>
         </p:txBody>
@@ -16409,7 +19056,7 @@
               <a:buNone/>
             </a:pPr>
             <a:r>
-              <a:rPr lang="en-US" sz="1600" b="0" i="0" kern="1200" cap="all">
+              <a:rPr lang="en-US" sz="1600" b="0" i="0" kern="1200" cap="all" dirty="0">
                 <a:solidFill>
                   <a:schemeClr val="accent1">
                     <a:lumMod val="60000"/>
@@ -16420,8 +19067,30 @@
                 <a:ea typeface="+mn-ea"/>
                 <a:cs typeface="+mn-cs"/>
               </a:rPr>
-              <a:t>Bottom teams bar</a:t>
+              <a:t>Bottom teams </a:t>
             </a:r>
+            <a:r>
+              <a:rPr lang="en-US" sz="1600" cap="all" dirty="0">
+                <a:solidFill>
+                  <a:schemeClr val="accent1">
+                    <a:lumMod val="60000"/>
+                    <a:lumOff val="40000"/>
+                  </a:schemeClr>
+                </a:solidFill>
+              </a:rPr>
+              <a:t>over 4 seasons</a:t>
+            </a:r>
+            <a:endParaRPr lang="en-US" sz="1600" b="0" i="0" kern="1200" cap="all" dirty="0">
+              <a:solidFill>
+                <a:schemeClr val="accent1">
+                  <a:lumMod val="60000"/>
+                  <a:lumOff val="40000"/>
+                </a:schemeClr>
+              </a:solidFill>
+              <a:latin typeface="+mn-lt"/>
+              <a:ea typeface="+mn-ea"/>
+              <a:cs typeface="+mn-cs"/>
+            </a:endParaRPr>
           </a:p>
         </p:txBody>
       </p:sp>
@@ -16531,6 +19200,14 @@
 <file path=ppt/slides/slide12.xml><?xml version="1.0" encoding="utf-8"?>
 <p:sld xmlns:a="http://schemas.openxmlformats.org/drawingml/2006/main" xmlns:r="http://schemas.openxmlformats.org/officeDocument/2006/relationships" xmlns:p="http://schemas.openxmlformats.org/presentationml/2006/main">
   <p:cSld>
+    <p:bg>
+      <p:bgPr>
+        <a:solidFill>
+          <a:schemeClr val="bg1"/>
+        </a:solidFill>
+        <a:effectLst/>
+      </p:bgPr>
+    </p:bg>
     <p:spTree>
       <p:nvGrpSpPr>
         <p:cNvPr id="1" name=""/>
@@ -16545,6 +19222,372 @@
           <a:chExt cx="0" cy="0"/>
         </a:xfrm>
       </p:grpSpPr>
+      <p:grpSp>
+        <p:nvGrpSpPr>
+          <p:cNvPr id="10" name="Group 9">
+            <a:extLst>
+              <a:ext uri="{FF2B5EF4-FFF2-40B4-BE49-F238E27FC236}">
+                <a16:creationId xmlns:a16="http://schemas.microsoft.com/office/drawing/2014/main" id="{4091D54B-59AB-4A5E-8E9E-0421BD66D4FB}"/>
+              </a:ext>
+              <a:ext uri="{C183D7F6-B498-43B3-948B-1728B52AA6E4}">
+                <adec:decorative xmlns:adec="http://schemas.microsoft.com/office/drawing/2017/decorative" val="1"/>
+              </a:ext>
+            </a:extLst>
+          </p:cNvPr>
+          <p:cNvGrpSpPr>
+            <a:grpSpLocks noGrp="1" noUngrp="1" noRot="1" noChangeAspect="1" noMove="1" noResize="1"/>
+          </p:cNvGrpSpPr>
+          <p:nvPr>
+            <p:extLst>
+              <p:ext uri="{386F3935-93C4-4BCD-93E2-E3B085C9AB24}">
+                <p16:designElem xmlns:p16="http://schemas.microsoft.com/office/powerpoint/2015/main" val="1"/>
+              </p:ext>
+            </p:extLst>
+          </p:nvPr>
+        </p:nvGrpSpPr>
+        <p:grpSpPr>
+          <a:xfrm>
+            <a:off x="0" y="0"/>
+            <a:ext cx="12192000" cy="6858000"/>
+            <a:chOff x="0" y="0"/>
+            <a:chExt cx="12192000" cy="6858000"/>
+          </a:xfrm>
+        </p:grpSpPr>
+        <p:sp>
+          <p:nvSpPr>
+            <p:cNvPr id="11" name="Rectangle 10">
+              <a:extLst>
+                <a:ext uri="{FF2B5EF4-FFF2-40B4-BE49-F238E27FC236}">
+                  <a16:creationId xmlns:a16="http://schemas.microsoft.com/office/drawing/2014/main" id="{547CE62E-FFFD-4A1F-BA78-C3B89C36FCA5}"/>
+                </a:ext>
+                <a:ext uri="{C183D7F6-B498-43B3-948B-1728B52AA6E4}">
+                  <adec:decorative xmlns:adec="http://schemas.microsoft.com/office/drawing/2017/decorative" val="1"/>
+                </a:ext>
+              </a:extLst>
+            </p:cNvPr>
+            <p:cNvSpPr/>
+            <p:nvPr>
+              <p:extLst>
+                <p:ext uri="{386F3935-93C4-4BCD-93E2-E3B085C9AB24}">
+                  <p16:designElem xmlns:p16="http://schemas.microsoft.com/office/powerpoint/2015/main" val="1"/>
+                </p:ext>
+              </p:extLst>
+            </p:nvPr>
+          </p:nvSpPr>
+          <p:spPr>
+            <a:xfrm>
+              <a:off x="0" y="0"/>
+              <a:ext cx="12192000" cy="6858000"/>
+            </a:xfrm>
+            <a:prstGeom prst="rect">
+              <a:avLst/>
+            </a:prstGeom>
+            <a:blipFill>
+              <a:blip r:embed="rId2">
+                <a:duotone>
+                  <a:schemeClr val="dk2">
+                    <a:shade val="69000"/>
+                    <a:hueMod val="91000"/>
+                    <a:satMod val="164000"/>
+                    <a:lumMod val="74000"/>
+                  </a:schemeClr>
+                  <a:schemeClr val="dk2">
+                    <a:hueMod val="124000"/>
+                    <a:satMod val="140000"/>
+                    <a:lumMod val="142000"/>
+                  </a:schemeClr>
+                </a:duotone>
+              </a:blip>
+              <a:stretch>
+                <a:fillRect/>
+              </a:stretch>
+            </a:blipFill>
+            <a:ln>
+              <a:noFill/>
+            </a:ln>
+          </p:spPr>
+          <p:style>
+            <a:lnRef idx="2">
+              <a:schemeClr val="accent1">
+                <a:shade val="50000"/>
+              </a:schemeClr>
+            </a:lnRef>
+            <a:fillRef idx="1">
+              <a:schemeClr val="accent1"/>
+            </a:fillRef>
+            <a:effectRef idx="0">
+              <a:schemeClr val="accent1"/>
+            </a:effectRef>
+            <a:fontRef idx="minor">
+              <a:schemeClr val="lt1"/>
+            </a:fontRef>
+          </p:style>
+        </p:sp>
+        <p:sp>
+          <p:nvSpPr>
+            <p:cNvPr id="12" name="Freeform 5">
+              <a:extLst>
+                <a:ext uri="{FF2B5EF4-FFF2-40B4-BE49-F238E27FC236}">
+                  <a16:creationId xmlns:a16="http://schemas.microsoft.com/office/drawing/2014/main" id="{AE51FD27-6B6A-4D21-BF22-245DA9BD0B3E}"/>
+                </a:ext>
+                <a:ext uri="{C183D7F6-B498-43B3-948B-1728B52AA6E4}">
+                  <adec:decorative xmlns:adec="http://schemas.microsoft.com/office/drawing/2017/decorative" val="1"/>
+                </a:ext>
+              </a:extLst>
+            </p:cNvPr>
+            <p:cNvSpPr>
+              <a:spLocks noEditPoints="1"/>
+            </p:cNvSpPr>
+            <p:nvPr>
+              <p:extLst>
+                <p:ext uri="{386F3935-93C4-4BCD-93E2-E3B085C9AB24}">
+                  <p16:designElem xmlns:p16="http://schemas.microsoft.com/office/powerpoint/2015/main" val="1"/>
+                </p:ext>
+              </p:extLst>
+            </p:nvPr>
+          </p:nvSpPr>
+          <p:spPr bwMode="gray">
+            <a:xfrm>
+              <a:off x="0" y="1587"/>
+              <a:ext cx="12192000" cy="6856413"/>
+            </a:xfrm>
+            <a:custGeom>
+              <a:avLst/>
+              <a:gdLst/>
+              <a:ahLst/>
+              <a:cxnLst/>
+              <a:rect l="0" t="0" r="r" b="b"/>
+              <a:pathLst>
+                <a:path w="15356" h="8638">
+                  <a:moveTo>
+                    <a:pt x="0" y="0"/>
+                  </a:moveTo>
+                  <a:lnTo>
+                    <a:pt x="0" y="8638"/>
+                  </a:lnTo>
+                  <a:lnTo>
+                    <a:pt x="15356" y="8638"/>
+                  </a:lnTo>
+                  <a:lnTo>
+                    <a:pt x="15356" y="0"/>
+                  </a:lnTo>
+                  <a:lnTo>
+                    <a:pt x="0" y="0"/>
+                  </a:lnTo>
+                  <a:close/>
+                  <a:moveTo>
+                    <a:pt x="14748" y="8038"/>
+                  </a:moveTo>
+                  <a:lnTo>
+                    <a:pt x="600" y="8038"/>
+                  </a:lnTo>
+                  <a:lnTo>
+                    <a:pt x="600" y="592"/>
+                  </a:lnTo>
+                  <a:lnTo>
+                    <a:pt x="14748" y="592"/>
+                  </a:lnTo>
+                  <a:lnTo>
+                    <a:pt x="14748" y="8038"/>
+                  </a:lnTo>
+                  <a:close/>
+                </a:path>
+              </a:pathLst>
+            </a:custGeom>
+            <a:solidFill>
+              <a:schemeClr val="bg1"/>
+            </a:solidFill>
+            <a:ln>
+              <a:noFill/>
+            </a:ln>
+          </p:spPr>
+        </p:sp>
+      </p:grpSp>
+      <p:sp>
+        <p:nvSpPr>
+          <p:cNvPr id="14" name="Rectangle 13">
+            <a:extLst>
+              <a:ext uri="{FF2B5EF4-FFF2-40B4-BE49-F238E27FC236}">
+                <a16:creationId xmlns:a16="http://schemas.microsoft.com/office/drawing/2014/main" id="{B8144315-1C5A-4185-A952-25D98D303D46}"/>
+              </a:ext>
+              <a:ext uri="{C183D7F6-B498-43B3-948B-1728B52AA6E4}">
+                <adec:decorative xmlns:adec="http://schemas.microsoft.com/office/drawing/2017/decorative" val="1"/>
+              </a:ext>
+            </a:extLst>
+          </p:cNvPr>
+          <p:cNvSpPr>
+            <a:spLocks noGrp="1" noRot="1" noChangeAspect="1" noMove="1" noResize="1" noEditPoints="1" noAdjustHandles="1" noChangeArrowheads="1" noChangeShapeType="1" noTextEdit="1"/>
+          </p:cNvSpPr>
+          <p:nvPr>
+            <p:extLst>
+              <p:ext uri="{386F3935-93C4-4BCD-93E2-E3B085C9AB24}">
+                <p16:designElem xmlns:p16="http://schemas.microsoft.com/office/powerpoint/2015/main" val="1"/>
+              </p:ext>
+            </p:extLst>
+          </p:nvPr>
+        </p:nvSpPr>
+        <p:spPr>
+          <a:xfrm>
+            <a:off x="10437812" y="0"/>
+            <a:ext cx="685800" cy="1143000"/>
+          </a:xfrm>
+          <a:prstGeom prst="rect">
+            <a:avLst/>
+          </a:prstGeom>
+          <a:solidFill>
+            <a:schemeClr val="accent1"/>
+          </a:solidFill>
+          <a:ln>
+            <a:noFill/>
+          </a:ln>
+        </p:spPr>
+        <p:style>
+          <a:lnRef idx="1">
+            <a:schemeClr val="accent1"/>
+          </a:lnRef>
+          <a:fillRef idx="3">
+            <a:schemeClr val="accent1"/>
+          </a:fillRef>
+          <a:effectRef idx="2">
+            <a:schemeClr val="accent1"/>
+          </a:effectRef>
+          <a:fontRef idx="minor">
+            <a:schemeClr val="lt1"/>
+          </a:fontRef>
+        </p:style>
+      </p:sp>
+      <p:sp>
+        <p:nvSpPr>
+          <p:cNvPr id="16" name="Freeform 5">
+            <a:extLst>
+              <a:ext uri="{FF2B5EF4-FFF2-40B4-BE49-F238E27FC236}">
+                <a16:creationId xmlns:a16="http://schemas.microsoft.com/office/drawing/2014/main" id="{11CAC6F2-0806-417B-BF5D-5AEF6195FA49}"/>
+              </a:ext>
+              <a:ext uri="{C183D7F6-B498-43B3-948B-1728B52AA6E4}">
+                <adec:decorative xmlns:adec="http://schemas.microsoft.com/office/drawing/2017/decorative" val="1"/>
+              </a:ext>
+            </a:extLst>
+          </p:cNvPr>
+          <p:cNvSpPr>
+            <a:spLocks noGrp="1" noRot="1" noChangeAspect="1" noMove="1" noResize="1" noEditPoints="1" noAdjustHandles="1" noChangeArrowheads="1" noChangeShapeType="1" noTextEdit="1"/>
+          </p:cNvSpPr>
+          <p:nvPr>
+            <p:extLst>
+              <p:ext uri="{386F3935-93C4-4BCD-93E2-E3B085C9AB24}">
+                <p16:designElem xmlns:p16="http://schemas.microsoft.com/office/powerpoint/2015/main" val="1"/>
+              </p:ext>
+            </p:extLst>
+          </p:nvPr>
+        </p:nvSpPr>
+        <p:spPr bwMode="gray">
+          <a:xfrm>
+            <a:off x="0" y="1587"/>
+            <a:ext cx="12192000" cy="6856413"/>
+          </a:xfrm>
+          <a:custGeom>
+            <a:avLst/>
+            <a:gdLst/>
+            <a:ahLst/>
+            <a:cxnLst/>
+            <a:rect l="0" t="0" r="r" b="b"/>
+            <a:pathLst>
+              <a:path w="15356" h="8638">
+                <a:moveTo>
+                  <a:pt x="0" y="0"/>
+                </a:moveTo>
+                <a:lnTo>
+                  <a:pt x="0" y="8638"/>
+                </a:lnTo>
+                <a:lnTo>
+                  <a:pt x="15356" y="8638"/>
+                </a:lnTo>
+                <a:lnTo>
+                  <a:pt x="15356" y="0"/>
+                </a:lnTo>
+                <a:lnTo>
+                  <a:pt x="0" y="0"/>
+                </a:lnTo>
+                <a:close/>
+                <a:moveTo>
+                  <a:pt x="14748" y="8038"/>
+                </a:moveTo>
+                <a:lnTo>
+                  <a:pt x="600" y="8038"/>
+                </a:lnTo>
+                <a:lnTo>
+                  <a:pt x="600" y="592"/>
+                </a:lnTo>
+                <a:lnTo>
+                  <a:pt x="14748" y="592"/>
+                </a:lnTo>
+                <a:lnTo>
+                  <a:pt x="14748" y="8038"/>
+                </a:lnTo>
+                <a:close/>
+              </a:path>
+            </a:pathLst>
+          </a:custGeom>
+          <a:solidFill>
+            <a:schemeClr val="tx1"/>
+          </a:solidFill>
+          <a:ln>
+            <a:noFill/>
+          </a:ln>
+        </p:spPr>
+      </p:sp>
+      <p:sp>
+        <p:nvSpPr>
+          <p:cNvPr id="18" name="Rectangle 17">
+            <a:extLst>
+              <a:ext uri="{FF2B5EF4-FFF2-40B4-BE49-F238E27FC236}">
+                <a16:creationId xmlns:a16="http://schemas.microsoft.com/office/drawing/2014/main" id="{D4723B02-0AAB-4F6E-BA41-8ED99D559D93}"/>
+              </a:ext>
+              <a:ext uri="{C183D7F6-B498-43B3-948B-1728B52AA6E4}">
+                <adec:decorative xmlns:adec="http://schemas.microsoft.com/office/drawing/2017/decorative" val="1"/>
+              </a:ext>
+            </a:extLst>
+          </p:cNvPr>
+          <p:cNvSpPr>
+            <a:spLocks noGrp="1" noRot="1" noChangeAspect="1" noMove="1" noResize="1" noEditPoints="1" noAdjustHandles="1" noChangeArrowheads="1" noChangeShapeType="1" noTextEdit="1"/>
+          </p:cNvSpPr>
+          <p:nvPr>
+            <p:extLst>
+              <p:ext uri="{386F3935-93C4-4BCD-93E2-E3B085C9AB24}">
+                <p16:designElem xmlns:p16="http://schemas.microsoft.com/office/powerpoint/2015/main" val="1"/>
+              </p:ext>
+            </p:extLst>
+          </p:nvPr>
+        </p:nvSpPr>
+        <p:spPr>
+          <a:xfrm>
+            <a:off x="10437812" y="0"/>
+            <a:ext cx="685800" cy="1143000"/>
+          </a:xfrm>
+          <a:prstGeom prst="rect">
+            <a:avLst/>
+          </a:prstGeom>
+          <a:solidFill>
+            <a:schemeClr val="accent1"/>
+          </a:solidFill>
+          <a:ln>
+            <a:noFill/>
+          </a:ln>
+        </p:spPr>
+        <p:style>
+          <a:lnRef idx="1">
+            <a:schemeClr val="accent1"/>
+          </a:lnRef>
+          <a:fillRef idx="3">
+            <a:schemeClr val="accent1"/>
+          </a:fillRef>
+          <a:effectRef idx="2">
+            <a:schemeClr val="accent1"/>
+          </a:effectRef>
+          <a:fontRef idx="minor">
+            <a:schemeClr val="lt1"/>
+          </a:fontRef>
+        </p:style>
+      </p:sp>
       <p:sp>
         <p:nvSpPr>
           <p:cNvPr id="2" name="Title 1">
@@ -16561,40 +19604,105 @@
             <p:ph type="title"/>
           </p:nvPr>
         </p:nvSpPr>
-        <p:spPr/>
+        <p:spPr>
+          <a:xfrm>
+            <a:off x="8160773" y="1113062"/>
+            <a:ext cx="3382297" cy="3281957"/>
+          </a:xfrm>
+        </p:spPr>
         <p:txBody>
-          <a:bodyPr/>
+          <a:bodyPr vert="horz" lIns="91440" tIns="45720" rIns="91440" bIns="45720" rtlCol="0" anchor="b">
+            <a:normAutofit/>
+          </a:bodyPr>
           <a:lstStyle/>
           <a:p>
             <a:r>
-              <a:rPr lang="en-US" dirty="0"/>
+              <a:rPr lang="en-US" sz="5400" b="0" i="0" kern="1200" dirty="0">
+                <a:solidFill>
+                  <a:srgbClr val="EBEBEB"/>
+                </a:solidFill>
+                <a:latin typeface="+mj-lt"/>
+                <a:ea typeface="+mj-ea"/>
+                <a:cs typeface="+mj-cs"/>
+              </a:rPr>
               <a:t>Data Analysis</a:t>
             </a:r>
           </a:p>
         </p:txBody>
       </p:sp>
-      <p:sp>
-        <p:nvSpPr>
-          <p:cNvPr id="3" name="Content Placeholder 2">
+      <p:pic>
+        <p:nvPicPr>
+          <p:cNvPr id="5" name="Content Placeholder 4" descr="Chart, box and whisker chart&#10;&#10;Description automatically generated">
             <a:extLst>
               <a:ext uri="{FF2B5EF4-FFF2-40B4-BE49-F238E27FC236}">
-                <a16:creationId xmlns:a16="http://schemas.microsoft.com/office/drawing/2014/main" id="{FC8AA374-6B9C-4DB1-AE51-52988CE57EB2}"/>
+                <a16:creationId xmlns:a16="http://schemas.microsoft.com/office/drawing/2014/main" id="{0B291132-6B12-4F2D-BF85-9F34D75EBFE4}"/>
               </a:ext>
             </a:extLst>
           </p:cNvPr>
-          <p:cNvSpPr>
-            <a:spLocks noGrp="1"/>
-          </p:cNvSpPr>
+          <p:cNvPicPr>
+            <a:picLocks noGrp="1" noChangeAspect="1"/>
+          </p:cNvPicPr>
           <p:nvPr>
             <p:ph idx="1"/>
           </p:nvPr>
+        </p:nvPicPr>
+        <p:blipFill>
+          <a:blip r:embed="rId3"/>
+          <a:stretch>
+            <a:fillRect/>
+          </a:stretch>
+        </p:blipFill>
+        <p:spPr>
+          <a:xfrm>
+            <a:off x="1109763" y="1519665"/>
+            <a:ext cx="7051010" cy="3525504"/>
+          </a:xfrm>
+          <a:prstGeom prst="roundRect">
+            <a:avLst>
+              <a:gd name="adj" fmla="val 1858"/>
+            </a:avLst>
+          </a:prstGeom>
+          <a:effectLst>
+            <a:outerShdw blurRad="50800" dist="50800" dir="5400000" algn="tl" rotWithShape="0">
+              <a:srgbClr val="000000">
+                <a:alpha val="43000"/>
+              </a:srgbClr>
+            </a:outerShdw>
+          </a:effectLst>
+        </p:spPr>
+      </p:pic>
+      <p:sp>
+        <p:nvSpPr>
+          <p:cNvPr id="6" name="TextBox 5">
+            <a:extLst>
+              <a:ext uri="{FF2B5EF4-FFF2-40B4-BE49-F238E27FC236}">
+                <a16:creationId xmlns:a16="http://schemas.microsoft.com/office/drawing/2014/main" id="{FF8D443E-8EDA-4C36-94CD-69A5CBE92EFC}"/>
+              </a:ext>
+            </a:extLst>
+          </p:cNvPr>
+          <p:cNvSpPr txBox="1"/>
+          <p:nvPr/>
         </p:nvSpPr>
-        <p:spPr/>
+        <p:spPr>
+          <a:xfrm>
+            <a:off x="8423564" y="4645891"/>
+            <a:ext cx="2658673" cy="369332"/>
+          </a:xfrm>
+          <a:prstGeom prst="rect">
+            <a:avLst/>
+          </a:prstGeom>
+          <a:noFill/>
+        </p:spPr>
         <p:txBody>
-          <a:bodyPr/>
+          <a:bodyPr wrap="square" rtlCol="0">
+            <a:spAutoFit/>
+          </a:bodyPr>
           <a:lstStyle/>
           <a:p>
-            <a:endParaRPr lang="en-US" dirty="0"/>
+            <a:r>
+              <a:rPr lang="en-US" dirty="0"/>
+              <a:t>Total Points by Season</a:t>
+            </a:r>
           </a:p>
         </p:txBody>
       </p:sp>
@@ -16606,7 +19714,7 @@
     </p:extLst>
   </p:cSld>
   <p:clrMapOvr>
-    <a:masterClrMapping/>
+    <a:overrideClrMapping bg1="dk1" tx1="lt1" bg2="dk2" tx2="lt2" accent1="accent1" accent2="accent2" accent3="accent3" accent4="accent4" accent5="accent5" accent6="accent6" hlink="hlink" folHlink="folHlink"/>
   </p:clrMapOvr>
 </p:sld>
 </file>
@@ -16684,31 +19792,35 @@
           </a:p>
         </p:txBody>
       </p:sp>
-      <p:sp>
-        <p:nvSpPr>
-          <p:cNvPr id="4" name="Content Placeholder 3">
+      <p:pic>
+        <p:nvPicPr>
+          <p:cNvPr id="8" name="Content Placeholder 7" descr="Chart, scatter chart&#10;&#10;Description automatically generated">
             <a:extLst>
               <a:ext uri="{FF2B5EF4-FFF2-40B4-BE49-F238E27FC236}">
-                <a16:creationId xmlns:a16="http://schemas.microsoft.com/office/drawing/2014/main" id="{CA7F3283-565A-479F-98B3-615FA4E915CD}"/>
+                <a16:creationId xmlns:a16="http://schemas.microsoft.com/office/drawing/2014/main" id="{A30A3075-CE58-4FFE-A21D-ED48ACF3EE2B}"/>
               </a:ext>
             </a:extLst>
           </p:cNvPr>
-          <p:cNvSpPr>
-            <a:spLocks noGrp="1"/>
-          </p:cNvSpPr>
+          <p:cNvPicPr>
+            <a:picLocks noGrp="1" noChangeAspect="1"/>
+          </p:cNvPicPr>
           <p:nvPr>
             <p:ph sz="half" idx="2"/>
           </p:nvPr>
-        </p:nvSpPr>
-        <p:spPr/>
-        <p:txBody>
-          <a:bodyPr/>
-          <a:lstStyle/>
-          <a:p>
-            <a:endParaRPr lang="en-US"/>
-          </a:p>
-        </p:txBody>
-      </p:sp>
+        </p:nvPicPr>
+        <p:blipFill>
+          <a:blip r:embed="rId2"/>
+          <a:stretch>
+            <a:fillRect/>
+          </a:stretch>
+        </p:blipFill>
+        <p:spPr>
+          <a:xfrm>
+            <a:off x="323273" y="3179762"/>
+            <a:ext cx="5162395" cy="3613677"/>
+          </a:xfrm>
+        </p:spPr>
+      </p:pic>
       <p:sp>
         <p:nvSpPr>
           <p:cNvPr id="5" name="Text Placeholder 4">
@@ -16737,31 +19849,35 @@
           </a:p>
         </p:txBody>
       </p:sp>
-      <p:sp>
-        <p:nvSpPr>
-          <p:cNvPr id="6" name="Content Placeholder 5">
+      <p:pic>
+        <p:nvPicPr>
+          <p:cNvPr id="10" name="Content Placeholder 9" descr="Chart, scatter chart&#10;&#10;Description automatically generated">
             <a:extLst>
               <a:ext uri="{FF2B5EF4-FFF2-40B4-BE49-F238E27FC236}">
-                <a16:creationId xmlns:a16="http://schemas.microsoft.com/office/drawing/2014/main" id="{98B4F638-0983-4CF7-B031-F492F158D71B}"/>
+                <a16:creationId xmlns:a16="http://schemas.microsoft.com/office/drawing/2014/main" id="{319FDBF0-002E-49EC-BE61-9BD953E1FF1F}"/>
               </a:ext>
             </a:extLst>
           </p:cNvPr>
-          <p:cNvSpPr>
-            <a:spLocks noGrp="1"/>
-          </p:cNvSpPr>
+          <p:cNvPicPr>
+            <a:picLocks noGrp="1" noChangeAspect="1"/>
+          </p:cNvPicPr>
           <p:nvPr>
             <p:ph sz="quarter" idx="4"/>
           </p:nvPr>
-        </p:nvSpPr>
-        <p:spPr/>
-        <p:txBody>
-          <a:bodyPr/>
-          <a:lstStyle/>
-          <a:p>
-            <a:endParaRPr lang="en-US"/>
-          </a:p>
-        </p:txBody>
-      </p:sp>
+        </p:nvPicPr>
+        <p:blipFill>
+          <a:blip r:embed="rId3"/>
+          <a:stretch>
+            <a:fillRect/>
+          </a:stretch>
+        </p:blipFill>
+        <p:spPr>
+          <a:xfrm>
+            <a:off x="6208712" y="3179762"/>
+            <a:ext cx="4970935" cy="3479655"/>
+          </a:xfrm>
+        </p:spPr>
+      </p:pic>
     </p:spTree>
     <p:extLst>
       <p:ext uri="{BB962C8B-B14F-4D97-AF65-F5344CB8AC3E}">
@@ -16848,31 +19964,35 @@
           </a:p>
         </p:txBody>
       </p:sp>
-      <p:sp>
-        <p:nvSpPr>
-          <p:cNvPr id="4" name="Content Placeholder 3">
+      <p:pic>
+        <p:nvPicPr>
+          <p:cNvPr id="8" name="Content Placeholder 7" descr="Chart, scatter chart&#10;&#10;Description automatically generated">
             <a:extLst>
               <a:ext uri="{FF2B5EF4-FFF2-40B4-BE49-F238E27FC236}">
-                <a16:creationId xmlns:a16="http://schemas.microsoft.com/office/drawing/2014/main" id="{7C599004-8E44-4387-9E8F-0266C9E3E53E}"/>
+                <a16:creationId xmlns:a16="http://schemas.microsoft.com/office/drawing/2014/main" id="{55A5A079-05EB-4C96-931B-2BF3117E0D70}"/>
               </a:ext>
             </a:extLst>
           </p:cNvPr>
-          <p:cNvSpPr>
-            <a:spLocks noGrp="1"/>
-          </p:cNvSpPr>
+          <p:cNvPicPr>
+            <a:picLocks noGrp="1" noChangeAspect="1"/>
+          </p:cNvPicPr>
           <p:nvPr>
             <p:ph sz="half" idx="2"/>
           </p:nvPr>
-        </p:nvSpPr>
-        <p:spPr/>
-        <p:txBody>
-          <a:bodyPr/>
-          <a:lstStyle/>
-          <a:p>
-            <a:endParaRPr lang="en-US"/>
-          </a:p>
-        </p:txBody>
-      </p:sp>
+        </p:nvPicPr>
+        <p:blipFill>
+          <a:blip r:embed="rId2"/>
+          <a:stretch>
+            <a:fillRect/>
+          </a:stretch>
+        </p:blipFill>
+        <p:spPr>
+          <a:xfrm>
+            <a:off x="678349" y="3179763"/>
+            <a:ext cx="4918156" cy="3442710"/>
+          </a:xfrm>
+        </p:spPr>
+      </p:pic>
       <p:sp>
         <p:nvSpPr>
           <p:cNvPr id="5" name="Text Placeholder 4">
@@ -16901,31 +20021,35 @@
           </a:p>
         </p:txBody>
       </p:sp>
-      <p:sp>
-        <p:nvSpPr>
-          <p:cNvPr id="6" name="Content Placeholder 5">
+      <p:pic>
+        <p:nvPicPr>
+          <p:cNvPr id="10" name="Content Placeholder 9" descr="Chart, scatter chart&#10;&#10;Description automatically generated">
             <a:extLst>
               <a:ext uri="{FF2B5EF4-FFF2-40B4-BE49-F238E27FC236}">
-                <a16:creationId xmlns:a16="http://schemas.microsoft.com/office/drawing/2014/main" id="{3DC9ECC8-CB5D-4A7B-8EA0-F82A03EA4DD6}"/>
+                <a16:creationId xmlns:a16="http://schemas.microsoft.com/office/drawing/2014/main" id="{3C8EB4CF-256D-4222-A3C4-7BCFD39EFFBC}"/>
               </a:ext>
             </a:extLst>
           </p:cNvPr>
-          <p:cNvSpPr>
-            <a:spLocks noGrp="1"/>
-          </p:cNvSpPr>
+          <p:cNvPicPr>
+            <a:picLocks noGrp="1" noChangeAspect="1"/>
+          </p:cNvPicPr>
           <p:nvPr>
             <p:ph sz="quarter" idx="4"/>
           </p:nvPr>
-        </p:nvSpPr>
-        <p:spPr/>
-        <p:txBody>
-          <a:bodyPr/>
-          <a:lstStyle/>
-          <a:p>
-            <a:endParaRPr lang="en-US"/>
-          </a:p>
-        </p:txBody>
-      </p:sp>
+        </p:nvPicPr>
+        <p:blipFill>
+          <a:blip r:embed="rId3"/>
+          <a:stretch>
+            <a:fillRect/>
+          </a:stretch>
+        </p:blipFill>
+        <p:spPr>
+          <a:xfrm>
+            <a:off x="6208712" y="3179763"/>
+            <a:ext cx="4918156" cy="3442710"/>
+          </a:xfrm>
+        </p:spPr>
+      </p:pic>
     </p:spTree>
     <p:extLst>
       <p:ext uri="{BB962C8B-B14F-4D97-AF65-F5344CB8AC3E}">
@@ -17012,31 +20136,35 @@
           </a:p>
         </p:txBody>
       </p:sp>
-      <p:sp>
-        <p:nvSpPr>
-          <p:cNvPr id="4" name="Content Placeholder 3">
+      <p:pic>
+        <p:nvPicPr>
+          <p:cNvPr id="8" name="Content Placeholder 7" descr="Chart, scatter chart&#10;&#10;Description automatically generated">
             <a:extLst>
               <a:ext uri="{FF2B5EF4-FFF2-40B4-BE49-F238E27FC236}">
-                <a16:creationId xmlns:a16="http://schemas.microsoft.com/office/drawing/2014/main" id="{B641E7B6-945F-4273-AA2F-FCAD42049A79}"/>
+                <a16:creationId xmlns:a16="http://schemas.microsoft.com/office/drawing/2014/main" id="{88F55B43-A74A-49B1-805E-B4DF10AE042B}"/>
               </a:ext>
             </a:extLst>
           </p:cNvPr>
-          <p:cNvSpPr>
-            <a:spLocks noGrp="1"/>
-          </p:cNvSpPr>
+          <p:cNvPicPr>
+            <a:picLocks noGrp="1" noChangeAspect="1"/>
+          </p:cNvPicPr>
           <p:nvPr>
             <p:ph sz="half" idx="2"/>
           </p:nvPr>
-        </p:nvSpPr>
-        <p:spPr/>
-        <p:txBody>
-          <a:bodyPr/>
-          <a:lstStyle/>
-          <a:p>
-            <a:endParaRPr lang="en-US"/>
-          </a:p>
-        </p:txBody>
-      </p:sp>
+        </p:nvPicPr>
+        <p:blipFill>
+          <a:blip r:embed="rId2"/>
+          <a:stretch>
+            <a:fillRect/>
+          </a:stretch>
+        </p:blipFill>
+        <p:spPr>
+          <a:xfrm>
+            <a:off x="1154955" y="3179763"/>
+            <a:ext cx="4441550" cy="3109086"/>
+          </a:xfrm>
+        </p:spPr>
+      </p:pic>
       <p:sp>
         <p:nvSpPr>
           <p:cNvPr id="5" name="Text Placeholder 4">
@@ -17065,31 +20193,35 @@
           </a:p>
         </p:txBody>
       </p:sp>
-      <p:sp>
-        <p:nvSpPr>
-          <p:cNvPr id="6" name="Content Placeholder 5">
+      <p:pic>
+        <p:nvPicPr>
+          <p:cNvPr id="10" name="Content Placeholder 9" descr="Chart, scatter chart&#10;&#10;Description automatically generated">
             <a:extLst>
               <a:ext uri="{FF2B5EF4-FFF2-40B4-BE49-F238E27FC236}">
-                <a16:creationId xmlns:a16="http://schemas.microsoft.com/office/drawing/2014/main" id="{EF227D39-D494-4330-82DD-9318B702974C}"/>
+                <a16:creationId xmlns:a16="http://schemas.microsoft.com/office/drawing/2014/main" id="{1E94B516-5729-4025-8B46-E3AC76652C00}"/>
               </a:ext>
             </a:extLst>
           </p:cNvPr>
-          <p:cNvSpPr>
-            <a:spLocks noGrp="1"/>
-          </p:cNvSpPr>
+          <p:cNvPicPr>
+            <a:picLocks noGrp="1" noChangeAspect="1"/>
+          </p:cNvPicPr>
           <p:nvPr>
             <p:ph sz="quarter" idx="4"/>
           </p:nvPr>
-        </p:nvSpPr>
-        <p:spPr/>
-        <p:txBody>
-          <a:bodyPr/>
-          <a:lstStyle/>
-          <a:p>
-            <a:endParaRPr lang="en-US"/>
-          </a:p>
-        </p:txBody>
-      </p:sp>
+        </p:nvPicPr>
+        <p:blipFill>
+          <a:blip r:embed="rId3"/>
+          <a:stretch>
+            <a:fillRect/>
+          </a:stretch>
+        </p:blipFill>
+        <p:spPr>
+          <a:xfrm>
+            <a:off x="6400516" y="3179762"/>
+            <a:ext cx="4441550" cy="3109086"/>
+          </a:xfrm>
+        </p:spPr>
+      </p:pic>
     </p:spTree>
     <p:extLst>
       <p:ext uri="{BB962C8B-B14F-4D97-AF65-F5344CB8AC3E}">
@@ -17634,6 +20766,993 @@
 <file path=ppt/slides/slide18.xml><?xml version="1.0" encoding="utf-8"?>
 <p:sld xmlns:a="http://schemas.openxmlformats.org/drawingml/2006/main" xmlns:r="http://schemas.openxmlformats.org/officeDocument/2006/relationships" xmlns:p="http://schemas.openxmlformats.org/presentationml/2006/main">
   <p:cSld>
+    <p:spTree>
+      <p:nvGrpSpPr>
+        <p:cNvPr id="1" name=""/>
+        <p:cNvGrpSpPr/>
+        <p:nvPr/>
+      </p:nvGrpSpPr>
+      <p:grpSpPr>
+        <a:xfrm>
+          <a:off x="0" y="0"/>
+          <a:ext cx="0" cy="0"/>
+          <a:chOff x="0" y="0"/>
+          <a:chExt cx="0" cy="0"/>
+        </a:xfrm>
+      </p:grpSpPr>
+      <p:pic>
+        <p:nvPicPr>
+          <p:cNvPr id="18" name="Picture 17" descr="Text&#10;&#10;Description automatically generated">
+            <a:extLst>
+              <a:ext uri="{FF2B5EF4-FFF2-40B4-BE49-F238E27FC236}">
+                <a16:creationId xmlns:a16="http://schemas.microsoft.com/office/drawing/2014/main" id="{581BDAFC-085F-43AB-B4AE-D02E3F9B50D1}"/>
+              </a:ext>
+            </a:extLst>
+          </p:cNvPr>
+          <p:cNvPicPr>
+            <a:picLocks noChangeAspect="1"/>
+          </p:cNvPicPr>
+          <p:nvPr/>
+        </p:nvPicPr>
+        <p:blipFill>
+          <a:blip r:embed="rId2"/>
+          <a:stretch>
+            <a:fillRect/>
+          </a:stretch>
+        </p:blipFill>
+        <p:spPr>
+          <a:xfrm>
+            <a:off x="3009900" y="483323"/>
+            <a:ext cx="5341756" cy="5593627"/>
+          </a:xfrm>
+          <a:prstGeom prst="rect">
+            <a:avLst/>
+          </a:prstGeom>
+        </p:spPr>
+      </p:pic>
+    </p:spTree>
+    <p:extLst>
+      <p:ext uri="{BB962C8B-B14F-4D97-AF65-F5344CB8AC3E}">
+        <p14:creationId xmlns:p14="http://schemas.microsoft.com/office/powerpoint/2010/main" val="3075096006"/>
+      </p:ext>
+    </p:extLst>
+  </p:cSld>
+  <p:clrMapOvr>
+    <a:masterClrMapping/>
+  </p:clrMapOvr>
+</p:sld>
+</file>
+
+<file path=ppt/slides/slide19.xml><?xml version="1.0" encoding="utf-8"?>
+<p:sld xmlns:a="http://schemas.openxmlformats.org/drawingml/2006/main" xmlns:r="http://schemas.openxmlformats.org/officeDocument/2006/relationships" xmlns:p="http://schemas.openxmlformats.org/presentationml/2006/main">
+  <p:cSld>
+    <p:spTree>
+      <p:nvGrpSpPr>
+        <p:cNvPr id="1" name=""/>
+        <p:cNvGrpSpPr/>
+        <p:nvPr/>
+      </p:nvGrpSpPr>
+      <p:grpSpPr>
+        <a:xfrm>
+          <a:off x="0" y="0"/>
+          <a:ext cx="0" cy="0"/>
+          <a:chOff x="0" y="0"/>
+          <a:chExt cx="0" cy="0"/>
+        </a:xfrm>
+      </p:grpSpPr>
+      <p:sp>
+        <p:nvSpPr>
+          <p:cNvPr id="2" name="Title 1">
+            <a:extLst>
+              <a:ext uri="{FF2B5EF4-FFF2-40B4-BE49-F238E27FC236}">
+                <a16:creationId xmlns:a16="http://schemas.microsoft.com/office/drawing/2014/main" id="{8DE1ACE2-6593-4C73-8AE5-2A194E44464C}"/>
+              </a:ext>
+            </a:extLst>
+          </p:cNvPr>
+          <p:cNvSpPr>
+            <a:spLocks noGrp="1"/>
+          </p:cNvSpPr>
+          <p:nvPr>
+            <p:ph type="title"/>
+          </p:nvPr>
+        </p:nvSpPr>
+        <p:spPr/>
+        <p:txBody>
+          <a:bodyPr/>
+          <a:lstStyle/>
+          <a:p>
+            <a:r>
+              <a:rPr lang="en-US" dirty="0"/>
+              <a:t>Post Mortem</a:t>
+            </a:r>
+          </a:p>
+        </p:txBody>
+      </p:sp>
+      <p:sp>
+        <p:nvSpPr>
+          <p:cNvPr id="3" name="Content Placeholder 2">
+            <a:extLst>
+              <a:ext uri="{FF2B5EF4-FFF2-40B4-BE49-F238E27FC236}">
+                <a16:creationId xmlns:a16="http://schemas.microsoft.com/office/drawing/2014/main" id="{C148B982-FA89-4773-9C60-8F3B8D0C3A6C}"/>
+              </a:ext>
+            </a:extLst>
+          </p:cNvPr>
+          <p:cNvSpPr>
+            <a:spLocks noGrp="1"/>
+          </p:cNvSpPr>
+          <p:nvPr>
+            <p:ph idx="1"/>
+          </p:nvPr>
+        </p:nvSpPr>
+        <p:spPr/>
+        <p:txBody>
+          <a:bodyPr>
+            <a:normAutofit fontScale="92500" lnSpcReduction="10000"/>
+          </a:bodyPr>
+          <a:lstStyle/>
+          <a:p>
+            <a:r>
+              <a:rPr lang="en-US" b="1" dirty="0"/>
+              <a:t>Importing Data –</a:t>
+            </a:r>
+            <a:r>
+              <a:rPr lang="en-US" dirty="0"/>
+              <a:t> I had to create a loop in order to pull in CSVs while also adding in a column for the season</a:t>
+            </a:r>
+          </a:p>
+          <a:p>
+            <a:r>
+              <a:rPr lang="en-US" b="1" dirty="0"/>
+              <a:t>Calculating Points –</a:t>
+            </a:r>
+            <a:r>
+              <a:rPr lang="en-US" dirty="0"/>
+              <a:t> Data only had the winner, but I need to know the how many wins, losses and draws</a:t>
+            </a:r>
+          </a:p>
+          <a:p>
+            <a:r>
+              <a:rPr lang="en-US" b="1" dirty="0"/>
+              <a:t>Grouping Data –</a:t>
+            </a:r>
+            <a:r>
+              <a:rPr lang="en-US" dirty="0"/>
+              <a:t> Needed to group data by team and season but data was separated by home and away stats</a:t>
+            </a:r>
+          </a:p>
+          <a:p>
+            <a:r>
+              <a:rPr lang="en-US" b="1" dirty="0"/>
+              <a:t>Creating Plots –</a:t>
+            </a:r>
+            <a:r>
+              <a:rPr lang="en-US" dirty="0"/>
+              <a:t> The line plots needed loops. The figures wouldn’t save properly </a:t>
+            </a:r>
+            <a:endParaRPr lang="en-US" b="1" dirty="0"/>
+          </a:p>
+          <a:p>
+            <a:r>
+              <a:rPr lang="en-US" b="1" dirty="0"/>
+              <a:t>Additional questions?</a:t>
+            </a:r>
+            <a:r>
+              <a:rPr lang="en-US" dirty="0"/>
+              <a:t> I wanted to take a closer look at the game stats of the top and the bottom teams for each season. Also, I wanted to track one individual team and look at their game stats over the 4 seasons to see how much the game stats influence the total points in reality. I thought it would also be interesting to see the differences between home and away performances.</a:t>
+            </a:r>
+          </a:p>
+          <a:p>
+            <a:endParaRPr lang="en-US" b="1" dirty="0"/>
+          </a:p>
+        </p:txBody>
+      </p:sp>
+    </p:spTree>
+    <p:extLst>
+      <p:ext uri="{BB962C8B-B14F-4D97-AF65-F5344CB8AC3E}">
+        <p14:creationId xmlns:p14="http://schemas.microsoft.com/office/powerpoint/2010/main" val="2259248084"/>
+      </p:ext>
+    </p:extLst>
+  </p:cSld>
+  <p:clrMapOvr>
+    <a:masterClrMapping/>
+  </p:clrMapOvr>
+</p:sld>
+</file>
+
+<file path=ppt/slides/slide2.xml><?xml version="1.0" encoding="utf-8"?>
+<p:sld xmlns:a="http://schemas.openxmlformats.org/drawingml/2006/main" xmlns:r="http://schemas.openxmlformats.org/officeDocument/2006/relationships" xmlns:p="http://schemas.openxmlformats.org/presentationml/2006/main">
+  <p:cSld>
+    <p:spTree>
+      <p:nvGrpSpPr>
+        <p:cNvPr id="1" name=""/>
+        <p:cNvGrpSpPr/>
+        <p:nvPr/>
+      </p:nvGrpSpPr>
+      <p:grpSpPr>
+        <a:xfrm>
+          <a:off x="0" y="0"/>
+          <a:ext cx="0" cy="0"/>
+          <a:chOff x="0" y="0"/>
+          <a:chExt cx="0" cy="0"/>
+        </a:xfrm>
+      </p:grpSpPr>
+      <p:sp>
+        <p:nvSpPr>
+          <p:cNvPr id="2" name="Title 1">
+            <a:extLst>
+              <a:ext uri="{FF2B5EF4-FFF2-40B4-BE49-F238E27FC236}">
+                <a16:creationId xmlns:a16="http://schemas.microsoft.com/office/drawing/2014/main" id="{7A4919D0-F177-4BBA-9A0B-DBA69E2ED764}"/>
+              </a:ext>
+            </a:extLst>
+          </p:cNvPr>
+          <p:cNvSpPr>
+            <a:spLocks noGrp="1"/>
+          </p:cNvSpPr>
+          <p:nvPr>
+            <p:ph type="title"/>
+          </p:nvPr>
+        </p:nvSpPr>
+        <p:spPr>
+          <a:xfrm>
+            <a:off x="1154954" y="-152400"/>
+            <a:ext cx="2793158" cy="1600200"/>
+          </a:xfrm>
+        </p:spPr>
+        <p:txBody>
+          <a:bodyPr anchor="b">
+            <a:normAutofit/>
+          </a:bodyPr>
+          <a:lstStyle/>
+          <a:p>
+            <a:r>
+              <a:rPr lang="en-US" dirty="0"/>
+              <a:t>Motivation &amp; Summary </a:t>
+            </a:r>
+          </a:p>
+        </p:txBody>
+      </p:sp>
+      <p:graphicFrame>
+        <p:nvGraphicFramePr>
+          <p:cNvPr id="5" name="Content Placeholder 2" descr="SmartArt graphic">
+            <a:extLst>
+              <a:ext uri="{FF2B5EF4-FFF2-40B4-BE49-F238E27FC236}">
+                <a16:creationId xmlns:a16="http://schemas.microsoft.com/office/drawing/2014/main" id="{91DB1382-7276-49FA-9632-38D558F457E3}"/>
+              </a:ext>
+            </a:extLst>
+          </p:cNvPr>
+          <p:cNvGraphicFramePr>
+            <a:graphicFrameLocks noGrp="1"/>
+          </p:cNvGraphicFramePr>
+          <p:nvPr>
+            <p:ph idx="1"/>
+            <p:extLst>
+              <p:ext uri="{D42A27DB-BD31-4B8C-83A1-F6EECF244321}">
+                <p14:modId xmlns:p14="http://schemas.microsoft.com/office/powerpoint/2010/main" val="3140011244"/>
+              </p:ext>
+            </p:extLst>
+          </p:nvPr>
+        </p:nvGraphicFramePr>
+        <p:xfrm>
+          <a:off x="5781675" y="1447800"/>
+          <a:ext cx="5189538" cy="4572000"/>
+        </p:xfrm>
+        <a:graphic>
+          <a:graphicData uri="http://schemas.openxmlformats.org/drawingml/2006/diagram">
+            <dgm:relIds xmlns:dgm="http://schemas.openxmlformats.org/drawingml/2006/diagram" xmlns:r="http://schemas.openxmlformats.org/officeDocument/2006/relationships" r:dm="rId2" r:lo="rId3" r:qs="rId4" r:cs="rId5"/>
+          </a:graphicData>
+        </a:graphic>
+      </p:graphicFrame>
+      <p:sp>
+        <p:nvSpPr>
+          <p:cNvPr id="10" name="Text Placeholder 3">
+            <a:extLst>
+              <a:ext uri="{FF2B5EF4-FFF2-40B4-BE49-F238E27FC236}">
+                <a16:creationId xmlns:a16="http://schemas.microsoft.com/office/drawing/2014/main" id="{9AE8AEF5-0D97-4627-9383-0941B1572127}"/>
+              </a:ext>
+            </a:extLst>
+          </p:cNvPr>
+          <p:cNvSpPr>
+            <a:spLocks noGrp="1"/>
+          </p:cNvSpPr>
+          <p:nvPr>
+            <p:ph type="body" sz="half" idx="2"/>
+          </p:nvPr>
+        </p:nvSpPr>
+        <p:spPr>
+          <a:xfrm>
+            <a:off x="1154954" y="1447800"/>
+            <a:ext cx="2793158" cy="4577079"/>
+          </a:xfrm>
+        </p:spPr>
+        <p:txBody>
+          <a:bodyPr>
+            <a:normAutofit lnSpcReduction="10000"/>
+          </a:bodyPr>
+          <a:lstStyle/>
+          <a:p>
+            <a:r>
+              <a:rPr lang="en-US" dirty="0"/>
+              <a:t>The aim of this project was to track the progress of English Premier League soccer teams over the course of 4 seasons and identify any patterns that influence the teams’ success. </a:t>
+            </a:r>
+          </a:p>
+          <a:p>
+            <a:r>
+              <a:rPr lang="en-US" dirty="0"/>
+              <a:t>I’m pretty interested in soccer, especially over the last year. I thought it would be interesting to see what separates certain teams from others and  what influences success.</a:t>
+            </a:r>
+          </a:p>
+          <a:p>
+            <a:r>
+              <a:rPr lang="en-US" dirty="0"/>
+              <a:t>In my analysis I was able to Identify trends and answer the questions I posed. There are noticeable trends you can see in individual team progress and strong correlations in certain game statistics.</a:t>
+            </a:r>
+          </a:p>
+        </p:txBody>
+      </p:sp>
+    </p:spTree>
+    <p:extLst>
+      <p:ext uri="{BB962C8B-B14F-4D97-AF65-F5344CB8AC3E}">
+        <p14:creationId xmlns:p14="http://schemas.microsoft.com/office/powerpoint/2010/main" val="183243182"/>
+      </p:ext>
+    </p:extLst>
+  </p:cSld>
+  <p:clrMapOvr>
+    <a:masterClrMapping/>
+  </p:clrMapOvr>
+</p:sld>
+</file>
+
+<file path=ppt/slides/slide20.xml><?xml version="1.0" encoding="utf-8"?>
+<p:sld xmlns:a="http://schemas.openxmlformats.org/drawingml/2006/main" xmlns:r="http://schemas.openxmlformats.org/officeDocument/2006/relationships" xmlns:p="http://schemas.openxmlformats.org/presentationml/2006/main">
+  <p:cSld>
+    <p:spTree>
+      <p:nvGrpSpPr>
+        <p:cNvPr id="1" name=""/>
+        <p:cNvGrpSpPr/>
+        <p:nvPr/>
+      </p:nvGrpSpPr>
+      <p:grpSpPr>
+        <a:xfrm>
+          <a:off x="0" y="0"/>
+          <a:ext cx="0" cy="0"/>
+          <a:chOff x="0" y="0"/>
+          <a:chExt cx="0" cy="0"/>
+        </a:xfrm>
+      </p:grpSpPr>
+      <p:pic>
+        <p:nvPicPr>
+          <p:cNvPr id="3" name="Picture 2" descr="Text, table, calendar&#10;&#10;Description automatically generated">
+            <a:extLst>
+              <a:ext uri="{FF2B5EF4-FFF2-40B4-BE49-F238E27FC236}">
+                <a16:creationId xmlns:a16="http://schemas.microsoft.com/office/drawing/2014/main" id="{92E86300-32FC-4095-803A-CD334CB547AD}"/>
+              </a:ext>
+            </a:extLst>
+          </p:cNvPr>
+          <p:cNvPicPr>
+            <a:picLocks noChangeAspect="1"/>
+          </p:cNvPicPr>
+          <p:nvPr/>
+        </p:nvPicPr>
+        <p:blipFill>
+          <a:blip r:embed="rId2"/>
+          <a:stretch>
+            <a:fillRect/>
+          </a:stretch>
+        </p:blipFill>
+        <p:spPr>
+          <a:xfrm>
+            <a:off x="472985" y="1930350"/>
+            <a:ext cx="5073884" cy="2832150"/>
+          </a:xfrm>
+          <a:prstGeom prst="rect">
+            <a:avLst/>
+          </a:prstGeom>
+        </p:spPr>
+      </p:pic>
+      <p:pic>
+        <p:nvPicPr>
+          <p:cNvPr id="5" name="Picture 4" descr="A screenshot of a computer&#10;&#10;Description automatically generated with low confidence">
+            <a:extLst>
+              <a:ext uri="{FF2B5EF4-FFF2-40B4-BE49-F238E27FC236}">
+                <a16:creationId xmlns:a16="http://schemas.microsoft.com/office/drawing/2014/main" id="{8CAB8F2F-68A5-4496-B651-E75C7E9C85EF}"/>
+              </a:ext>
+            </a:extLst>
+          </p:cNvPr>
+          <p:cNvPicPr>
+            <a:picLocks noChangeAspect="1"/>
+          </p:cNvPicPr>
+          <p:nvPr/>
+        </p:nvPicPr>
+        <p:blipFill>
+          <a:blip r:embed="rId3"/>
+          <a:stretch>
+            <a:fillRect/>
+          </a:stretch>
+        </p:blipFill>
+        <p:spPr>
+          <a:xfrm>
+            <a:off x="7165937" y="1466790"/>
+            <a:ext cx="2706532" cy="4286310"/>
+          </a:xfrm>
+          <a:prstGeom prst="rect">
+            <a:avLst/>
+          </a:prstGeom>
+        </p:spPr>
+      </p:pic>
+    </p:spTree>
+    <p:extLst>
+      <p:ext uri="{BB962C8B-B14F-4D97-AF65-F5344CB8AC3E}">
+        <p14:creationId xmlns:p14="http://schemas.microsoft.com/office/powerpoint/2010/main" val="3411392106"/>
+      </p:ext>
+    </p:extLst>
+  </p:cSld>
+  <p:clrMapOvr>
+    <a:masterClrMapping/>
+  </p:clrMapOvr>
+</p:sld>
+</file>
+
+<file path=ppt/slides/slide21.xml><?xml version="1.0" encoding="utf-8"?>
+<p:sld xmlns:a="http://schemas.openxmlformats.org/drawingml/2006/main" xmlns:r="http://schemas.openxmlformats.org/officeDocument/2006/relationships" xmlns:p="http://schemas.openxmlformats.org/presentationml/2006/main">
+  <p:cSld>
+    <p:spTree>
+      <p:nvGrpSpPr>
+        <p:cNvPr id="1" name=""/>
+        <p:cNvGrpSpPr/>
+        <p:nvPr/>
+      </p:nvGrpSpPr>
+      <p:grpSpPr>
+        <a:xfrm>
+          <a:off x="0" y="0"/>
+          <a:ext cx="0" cy="0"/>
+          <a:chOff x="0" y="0"/>
+          <a:chExt cx="0" cy="0"/>
+        </a:xfrm>
+      </p:grpSpPr>
+      <p:sp>
+        <p:nvSpPr>
+          <p:cNvPr id="2" name="Title 1">
+            <a:extLst>
+              <a:ext uri="{FF2B5EF4-FFF2-40B4-BE49-F238E27FC236}">
+                <a16:creationId xmlns:a16="http://schemas.microsoft.com/office/drawing/2014/main" id="{8DE1ACE2-6593-4C73-8AE5-2A194E44464C}"/>
+              </a:ext>
+            </a:extLst>
+          </p:cNvPr>
+          <p:cNvSpPr>
+            <a:spLocks noGrp="1"/>
+          </p:cNvSpPr>
+          <p:nvPr>
+            <p:ph type="title"/>
+          </p:nvPr>
+        </p:nvSpPr>
+        <p:spPr/>
+        <p:txBody>
+          <a:bodyPr/>
+          <a:lstStyle/>
+          <a:p>
+            <a:r>
+              <a:rPr lang="en-US" dirty="0"/>
+              <a:t>Post Mortem</a:t>
+            </a:r>
+          </a:p>
+        </p:txBody>
+      </p:sp>
+      <p:sp>
+        <p:nvSpPr>
+          <p:cNvPr id="3" name="Content Placeholder 2">
+            <a:extLst>
+              <a:ext uri="{FF2B5EF4-FFF2-40B4-BE49-F238E27FC236}">
+                <a16:creationId xmlns:a16="http://schemas.microsoft.com/office/drawing/2014/main" id="{C148B982-FA89-4773-9C60-8F3B8D0C3A6C}"/>
+              </a:ext>
+            </a:extLst>
+          </p:cNvPr>
+          <p:cNvSpPr>
+            <a:spLocks noGrp="1"/>
+          </p:cNvSpPr>
+          <p:nvPr>
+            <p:ph idx="1"/>
+          </p:nvPr>
+        </p:nvSpPr>
+        <p:spPr/>
+        <p:txBody>
+          <a:bodyPr>
+            <a:normAutofit fontScale="92500" lnSpcReduction="10000"/>
+          </a:bodyPr>
+          <a:lstStyle/>
+          <a:p>
+            <a:r>
+              <a:rPr lang="en-US" b="1" dirty="0"/>
+              <a:t>Importing Data –</a:t>
+            </a:r>
+            <a:r>
+              <a:rPr lang="en-US" dirty="0"/>
+              <a:t> I had to create a loop in order to pull in CSVs while also adding in a column for the season</a:t>
+            </a:r>
+          </a:p>
+          <a:p>
+            <a:r>
+              <a:rPr lang="en-US" b="1" dirty="0"/>
+              <a:t>Calculating Points –</a:t>
+            </a:r>
+            <a:r>
+              <a:rPr lang="en-US" dirty="0"/>
+              <a:t> Data only had the winner, but I need to know the how many wins, losses and draws</a:t>
+            </a:r>
+          </a:p>
+          <a:p>
+            <a:r>
+              <a:rPr lang="en-US" b="1" dirty="0"/>
+              <a:t>Grouping Data –</a:t>
+            </a:r>
+            <a:r>
+              <a:rPr lang="en-US" dirty="0"/>
+              <a:t> Needed to group data by team and season but data was separated by home and away stats</a:t>
+            </a:r>
+          </a:p>
+          <a:p>
+            <a:r>
+              <a:rPr lang="en-US" b="1" dirty="0"/>
+              <a:t>Creating Plots –</a:t>
+            </a:r>
+            <a:r>
+              <a:rPr lang="en-US" dirty="0"/>
+              <a:t> The line plots needed loops. The figures wouldn’t save properly </a:t>
+            </a:r>
+            <a:endParaRPr lang="en-US" b="1" dirty="0"/>
+          </a:p>
+          <a:p>
+            <a:r>
+              <a:rPr lang="en-US" b="1" dirty="0"/>
+              <a:t>Additional questions?</a:t>
+            </a:r>
+            <a:r>
+              <a:rPr lang="en-US" dirty="0"/>
+              <a:t> I wanted to take a closer look at the game stats of the top and the bottom teams for each season. Also, I wanted to track one individual team and look at their game stats over the 4 seasons to see how much the game stats influence the total points in reality. I thought it would also be interesting to see the differences between home and away performances.</a:t>
+            </a:r>
+          </a:p>
+          <a:p>
+            <a:endParaRPr lang="en-US" b="1" dirty="0"/>
+          </a:p>
+        </p:txBody>
+      </p:sp>
+    </p:spTree>
+    <p:extLst>
+      <p:ext uri="{BB962C8B-B14F-4D97-AF65-F5344CB8AC3E}">
+        <p14:creationId xmlns:p14="http://schemas.microsoft.com/office/powerpoint/2010/main" val="1087809803"/>
+      </p:ext>
+    </p:extLst>
+  </p:cSld>
+  <p:clrMapOvr>
+    <a:masterClrMapping/>
+  </p:clrMapOvr>
+</p:sld>
+</file>
+
+<file path=ppt/slides/slide22.xml><?xml version="1.0" encoding="utf-8"?>
+<p:sld xmlns:a="http://schemas.openxmlformats.org/drawingml/2006/main" xmlns:r="http://schemas.openxmlformats.org/officeDocument/2006/relationships" xmlns:p="http://schemas.openxmlformats.org/presentationml/2006/main">
+  <p:cSld>
+    <p:spTree>
+      <p:nvGrpSpPr>
+        <p:cNvPr id="1" name=""/>
+        <p:cNvGrpSpPr/>
+        <p:nvPr/>
+      </p:nvGrpSpPr>
+      <p:grpSpPr>
+        <a:xfrm>
+          <a:off x="0" y="0"/>
+          <a:ext cx="0" cy="0"/>
+          <a:chOff x="0" y="0"/>
+          <a:chExt cx="0" cy="0"/>
+        </a:xfrm>
+      </p:grpSpPr>
+      <p:pic>
+        <p:nvPicPr>
+          <p:cNvPr id="3" name="Picture 2" descr="Text&#10;&#10;Description automatically generated">
+            <a:extLst>
+              <a:ext uri="{FF2B5EF4-FFF2-40B4-BE49-F238E27FC236}">
+                <a16:creationId xmlns:a16="http://schemas.microsoft.com/office/drawing/2014/main" id="{23D0C08A-A45F-4A0C-A631-F8B78494C2B5}"/>
+              </a:ext>
+            </a:extLst>
+          </p:cNvPr>
+          <p:cNvPicPr>
+            <a:picLocks noChangeAspect="1"/>
+          </p:cNvPicPr>
+          <p:nvPr/>
+        </p:nvPicPr>
+        <p:blipFill>
+          <a:blip r:embed="rId2"/>
+          <a:stretch>
+            <a:fillRect/>
+          </a:stretch>
+        </p:blipFill>
+        <p:spPr>
+          <a:xfrm>
+            <a:off x="1666761" y="765138"/>
+            <a:ext cx="8241323" cy="2663862"/>
+          </a:xfrm>
+          <a:prstGeom prst="rect">
+            <a:avLst/>
+          </a:prstGeom>
+        </p:spPr>
+      </p:pic>
+      <p:pic>
+        <p:nvPicPr>
+          <p:cNvPr id="5" name="Picture 4" descr="Table&#10;&#10;Description automatically generated">
+            <a:extLst>
+              <a:ext uri="{FF2B5EF4-FFF2-40B4-BE49-F238E27FC236}">
+                <a16:creationId xmlns:a16="http://schemas.microsoft.com/office/drawing/2014/main" id="{E1155478-D097-46AD-AE8D-1797022FE7A6}"/>
+              </a:ext>
+            </a:extLst>
+          </p:cNvPr>
+          <p:cNvPicPr>
+            <a:picLocks noChangeAspect="1"/>
+          </p:cNvPicPr>
+          <p:nvPr/>
+        </p:nvPicPr>
+        <p:blipFill>
+          <a:blip r:embed="rId3"/>
+          <a:stretch>
+            <a:fillRect/>
+          </a:stretch>
+        </p:blipFill>
+        <p:spPr>
+          <a:xfrm>
+            <a:off x="1942986" y="3540082"/>
+            <a:ext cx="7743939" cy="3003711"/>
+          </a:xfrm>
+          <a:prstGeom prst="rect">
+            <a:avLst/>
+          </a:prstGeom>
+        </p:spPr>
+      </p:pic>
+    </p:spTree>
+    <p:extLst>
+      <p:ext uri="{BB962C8B-B14F-4D97-AF65-F5344CB8AC3E}">
+        <p14:creationId xmlns:p14="http://schemas.microsoft.com/office/powerpoint/2010/main" val="328950944"/>
+      </p:ext>
+    </p:extLst>
+  </p:cSld>
+  <p:clrMapOvr>
+    <a:masterClrMapping/>
+  </p:clrMapOvr>
+</p:sld>
+</file>
+
+<file path=ppt/slides/slide23.xml><?xml version="1.0" encoding="utf-8"?>
+<p:sld xmlns:a="http://schemas.openxmlformats.org/drawingml/2006/main" xmlns:r="http://schemas.openxmlformats.org/officeDocument/2006/relationships" xmlns:p="http://schemas.openxmlformats.org/presentationml/2006/main">
+  <p:cSld>
+    <p:spTree>
+      <p:nvGrpSpPr>
+        <p:cNvPr id="1" name=""/>
+        <p:cNvGrpSpPr/>
+        <p:nvPr/>
+      </p:nvGrpSpPr>
+      <p:grpSpPr>
+        <a:xfrm>
+          <a:off x="0" y="0"/>
+          <a:ext cx="0" cy="0"/>
+          <a:chOff x="0" y="0"/>
+          <a:chExt cx="0" cy="0"/>
+        </a:xfrm>
+      </p:grpSpPr>
+      <p:sp>
+        <p:nvSpPr>
+          <p:cNvPr id="2" name="Title 1">
+            <a:extLst>
+              <a:ext uri="{FF2B5EF4-FFF2-40B4-BE49-F238E27FC236}">
+                <a16:creationId xmlns:a16="http://schemas.microsoft.com/office/drawing/2014/main" id="{8DE1ACE2-6593-4C73-8AE5-2A194E44464C}"/>
+              </a:ext>
+            </a:extLst>
+          </p:cNvPr>
+          <p:cNvSpPr>
+            <a:spLocks noGrp="1"/>
+          </p:cNvSpPr>
+          <p:nvPr>
+            <p:ph type="title"/>
+          </p:nvPr>
+        </p:nvSpPr>
+        <p:spPr/>
+        <p:txBody>
+          <a:bodyPr/>
+          <a:lstStyle/>
+          <a:p>
+            <a:r>
+              <a:rPr lang="en-US" dirty="0"/>
+              <a:t>Post Mortem</a:t>
+            </a:r>
+          </a:p>
+        </p:txBody>
+      </p:sp>
+      <p:sp>
+        <p:nvSpPr>
+          <p:cNvPr id="3" name="Content Placeholder 2">
+            <a:extLst>
+              <a:ext uri="{FF2B5EF4-FFF2-40B4-BE49-F238E27FC236}">
+                <a16:creationId xmlns:a16="http://schemas.microsoft.com/office/drawing/2014/main" id="{C148B982-FA89-4773-9C60-8F3B8D0C3A6C}"/>
+              </a:ext>
+            </a:extLst>
+          </p:cNvPr>
+          <p:cNvSpPr>
+            <a:spLocks noGrp="1"/>
+          </p:cNvSpPr>
+          <p:nvPr>
+            <p:ph idx="1"/>
+          </p:nvPr>
+        </p:nvSpPr>
+        <p:spPr/>
+        <p:txBody>
+          <a:bodyPr>
+            <a:normAutofit fontScale="92500" lnSpcReduction="10000"/>
+          </a:bodyPr>
+          <a:lstStyle/>
+          <a:p>
+            <a:r>
+              <a:rPr lang="en-US" b="1" dirty="0"/>
+              <a:t>Importing Data –</a:t>
+            </a:r>
+            <a:r>
+              <a:rPr lang="en-US" dirty="0"/>
+              <a:t> I had to create a loop in order to pull in CSVs while also adding in a column for the season</a:t>
+            </a:r>
+          </a:p>
+          <a:p>
+            <a:r>
+              <a:rPr lang="en-US" b="1" dirty="0"/>
+              <a:t>Calculating Points –</a:t>
+            </a:r>
+            <a:r>
+              <a:rPr lang="en-US" dirty="0"/>
+              <a:t> Data only had the winner, but I need to know the how many wins, losses and draws</a:t>
+            </a:r>
+          </a:p>
+          <a:p>
+            <a:r>
+              <a:rPr lang="en-US" b="1" dirty="0"/>
+              <a:t>Grouping Data –</a:t>
+            </a:r>
+            <a:r>
+              <a:rPr lang="en-US" dirty="0"/>
+              <a:t> Needed to group data by team and season but data was separated by home and away stats</a:t>
+            </a:r>
+          </a:p>
+          <a:p>
+            <a:r>
+              <a:rPr lang="en-US" b="1" dirty="0"/>
+              <a:t>Creating Plots –</a:t>
+            </a:r>
+            <a:r>
+              <a:rPr lang="en-US" dirty="0"/>
+              <a:t> The line plots needed loops. The figures wouldn’t save properly </a:t>
+            </a:r>
+            <a:endParaRPr lang="en-US" b="1" dirty="0"/>
+          </a:p>
+          <a:p>
+            <a:r>
+              <a:rPr lang="en-US" b="1" dirty="0"/>
+              <a:t>Additional questions?</a:t>
+            </a:r>
+            <a:r>
+              <a:rPr lang="en-US" dirty="0"/>
+              <a:t> I wanted to take a closer look at the game stats of the top and the bottom teams for each season. Also, I wanted to track one individual team and look at their game stats over the 4 seasons to see how much the game stats influence the total points in reality. I thought it would also be interesting to see the differences between home and away performances.</a:t>
+            </a:r>
+          </a:p>
+          <a:p>
+            <a:endParaRPr lang="en-US" b="1" dirty="0"/>
+          </a:p>
+        </p:txBody>
+      </p:sp>
+    </p:spTree>
+    <p:extLst>
+      <p:ext uri="{BB962C8B-B14F-4D97-AF65-F5344CB8AC3E}">
+        <p14:creationId xmlns:p14="http://schemas.microsoft.com/office/powerpoint/2010/main" val="1967615027"/>
+      </p:ext>
+    </p:extLst>
+  </p:cSld>
+  <p:clrMapOvr>
+    <a:masterClrMapping/>
+  </p:clrMapOvr>
+</p:sld>
+</file>
+
+<file path=ppt/slides/slide24.xml><?xml version="1.0" encoding="utf-8"?>
+<p:sld xmlns:a="http://schemas.openxmlformats.org/drawingml/2006/main" xmlns:r="http://schemas.openxmlformats.org/officeDocument/2006/relationships" xmlns:p="http://schemas.openxmlformats.org/presentationml/2006/main">
+  <p:cSld>
+    <p:spTree>
+      <p:nvGrpSpPr>
+        <p:cNvPr id="1" name=""/>
+        <p:cNvGrpSpPr/>
+        <p:nvPr/>
+      </p:nvGrpSpPr>
+      <p:grpSpPr>
+        <a:xfrm>
+          <a:off x="0" y="0"/>
+          <a:ext cx="0" cy="0"/>
+          <a:chOff x="0" y="0"/>
+          <a:chExt cx="0" cy="0"/>
+        </a:xfrm>
+      </p:grpSpPr>
+      <p:pic>
+        <p:nvPicPr>
+          <p:cNvPr id="3" name="Picture 2" descr="Text&#10;&#10;Description automatically generated">
+            <a:extLst>
+              <a:ext uri="{FF2B5EF4-FFF2-40B4-BE49-F238E27FC236}">
+                <a16:creationId xmlns:a16="http://schemas.microsoft.com/office/drawing/2014/main" id="{380B988D-366B-47A0-8C61-3791B1634B9C}"/>
+              </a:ext>
+            </a:extLst>
+          </p:cNvPr>
+          <p:cNvPicPr>
+            <a:picLocks noChangeAspect="1"/>
+          </p:cNvPicPr>
+          <p:nvPr/>
+        </p:nvPicPr>
+        <p:blipFill>
+          <a:blip r:embed="rId2"/>
+          <a:stretch>
+            <a:fillRect/>
+          </a:stretch>
+        </p:blipFill>
+        <p:spPr>
+          <a:xfrm>
+            <a:off x="2238273" y="1539835"/>
+            <a:ext cx="7567734" cy="2936915"/>
+          </a:xfrm>
+          <a:prstGeom prst="rect">
+            <a:avLst/>
+          </a:prstGeom>
+        </p:spPr>
+      </p:pic>
+    </p:spTree>
+    <p:extLst>
+      <p:ext uri="{BB962C8B-B14F-4D97-AF65-F5344CB8AC3E}">
+        <p14:creationId xmlns:p14="http://schemas.microsoft.com/office/powerpoint/2010/main" val="2468448590"/>
+      </p:ext>
+    </p:extLst>
+  </p:cSld>
+  <p:clrMapOvr>
+    <a:masterClrMapping/>
+  </p:clrMapOvr>
+</p:sld>
+</file>
+
+<file path=ppt/slides/slide25.xml><?xml version="1.0" encoding="utf-8"?>
+<p:sld xmlns:a="http://schemas.openxmlformats.org/drawingml/2006/main" xmlns:r="http://schemas.openxmlformats.org/officeDocument/2006/relationships" xmlns:p="http://schemas.openxmlformats.org/presentationml/2006/main">
+  <p:cSld>
+    <p:spTree>
+      <p:nvGrpSpPr>
+        <p:cNvPr id="1" name=""/>
+        <p:cNvGrpSpPr/>
+        <p:nvPr/>
+      </p:nvGrpSpPr>
+      <p:grpSpPr>
+        <a:xfrm>
+          <a:off x="0" y="0"/>
+          <a:ext cx="0" cy="0"/>
+          <a:chOff x="0" y="0"/>
+          <a:chExt cx="0" cy="0"/>
+        </a:xfrm>
+      </p:grpSpPr>
+      <p:sp>
+        <p:nvSpPr>
+          <p:cNvPr id="2" name="Title 1">
+            <a:extLst>
+              <a:ext uri="{FF2B5EF4-FFF2-40B4-BE49-F238E27FC236}">
+                <a16:creationId xmlns:a16="http://schemas.microsoft.com/office/drawing/2014/main" id="{8DE1ACE2-6593-4C73-8AE5-2A194E44464C}"/>
+              </a:ext>
+            </a:extLst>
+          </p:cNvPr>
+          <p:cNvSpPr>
+            <a:spLocks noGrp="1"/>
+          </p:cNvSpPr>
+          <p:nvPr>
+            <p:ph type="title"/>
+          </p:nvPr>
+        </p:nvSpPr>
+        <p:spPr/>
+        <p:txBody>
+          <a:bodyPr/>
+          <a:lstStyle/>
+          <a:p>
+            <a:r>
+              <a:rPr lang="en-US" dirty="0"/>
+              <a:t>Post Mortem</a:t>
+            </a:r>
+          </a:p>
+        </p:txBody>
+      </p:sp>
+      <p:sp>
+        <p:nvSpPr>
+          <p:cNvPr id="3" name="Content Placeholder 2">
+            <a:extLst>
+              <a:ext uri="{FF2B5EF4-FFF2-40B4-BE49-F238E27FC236}">
+                <a16:creationId xmlns:a16="http://schemas.microsoft.com/office/drawing/2014/main" id="{C148B982-FA89-4773-9C60-8F3B8D0C3A6C}"/>
+              </a:ext>
+            </a:extLst>
+          </p:cNvPr>
+          <p:cNvSpPr>
+            <a:spLocks noGrp="1"/>
+          </p:cNvSpPr>
+          <p:nvPr>
+            <p:ph idx="1"/>
+          </p:nvPr>
+        </p:nvSpPr>
+        <p:spPr/>
+        <p:txBody>
+          <a:bodyPr>
+            <a:normAutofit fontScale="92500" lnSpcReduction="10000"/>
+          </a:bodyPr>
+          <a:lstStyle/>
+          <a:p>
+            <a:r>
+              <a:rPr lang="en-US" b="1" dirty="0"/>
+              <a:t>Importing Data –</a:t>
+            </a:r>
+            <a:r>
+              <a:rPr lang="en-US" dirty="0"/>
+              <a:t> I had to create a loop in order to pull in CSVs while also adding in a column for the season</a:t>
+            </a:r>
+          </a:p>
+          <a:p>
+            <a:r>
+              <a:rPr lang="en-US" b="1" dirty="0"/>
+              <a:t>Calculating Points –</a:t>
+            </a:r>
+            <a:r>
+              <a:rPr lang="en-US" dirty="0"/>
+              <a:t> Data only had the winner, but I need to know the how many wins, losses and draws</a:t>
+            </a:r>
+          </a:p>
+          <a:p>
+            <a:r>
+              <a:rPr lang="en-US" b="1" dirty="0"/>
+              <a:t>Grouping Data –</a:t>
+            </a:r>
+            <a:r>
+              <a:rPr lang="en-US" dirty="0"/>
+              <a:t> Needed to group data by team and season but data was separated by home and away stats</a:t>
+            </a:r>
+          </a:p>
+          <a:p>
+            <a:r>
+              <a:rPr lang="en-US" b="1" dirty="0"/>
+              <a:t>Creating Plots –</a:t>
+            </a:r>
+            <a:r>
+              <a:rPr lang="en-US" dirty="0"/>
+              <a:t> The line plots needed loops. The figures wouldn’t save properly </a:t>
+            </a:r>
+            <a:endParaRPr lang="en-US" b="1" dirty="0"/>
+          </a:p>
+          <a:p>
+            <a:r>
+              <a:rPr lang="en-US" b="1" dirty="0"/>
+              <a:t>Additional questions?</a:t>
+            </a:r>
+            <a:r>
+              <a:rPr lang="en-US" dirty="0"/>
+              <a:t> I wanted to take a closer look at the game stats of the top and the bottom teams for each season. Also, I wanted to track one individual team and look at their game stats over the 4 seasons to see how much the game stats influence the total points in reality. I thought it would also be interesting to see the differences between home and away performances.</a:t>
+            </a:r>
+          </a:p>
+          <a:p>
+            <a:endParaRPr lang="en-US" b="1" dirty="0"/>
+          </a:p>
+        </p:txBody>
+      </p:sp>
+    </p:spTree>
+    <p:extLst>
+      <p:ext uri="{BB962C8B-B14F-4D97-AF65-F5344CB8AC3E}">
+        <p14:creationId xmlns:p14="http://schemas.microsoft.com/office/powerpoint/2010/main" val="1291146578"/>
+      </p:ext>
+    </p:extLst>
+  </p:cSld>
+  <p:clrMapOvr>
+    <a:masterClrMapping/>
+  </p:clrMapOvr>
+</p:sld>
+</file>
+
+<file path=ppt/slides/slide26.xml><?xml version="1.0" encoding="utf-8"?>
+<p:sld xmlns:a="http://schemas.openxmlformats.org/drawingml/2006/main" xmlns:r="http://schemas.openxmlformats.org/officeDocument/2006/relationships" xmlns:p="http://schemas.openxmlformats.org/presentationml/2006/main">
+  <p:cSld>
     <p:bg>
       <p:bgPr>
         <a:solidFill>
@@ -18167,9 +22286,17 @@
 </p:sld>
 </file>
 
-<file path=ppt/slides/slide2.xml><?xml version="1.0" encoding="utf-8"?>
+<file path=ppt/slides/slide3.xml><?xml version="1.0" encoding="utf-8"?>
 <p:sld xmlns:a="http://schemas.openxmlformats.org/drawingml/2006/main" xmlns:r="http://schemas.openxmlformats.org/officeDocument/2006/relationships" xmlns:p="http://schemas.openxmlformats.org/presentationml/2006/main">
   <p:cSld>
+    <p:bg>
+      <p:bgPr>
+        <a:solidFill>
+          <a:schemeClr val="bg1"/>
+        </a:solidFill>
+        <a:effectLst/>
+      </p:bgPr>
+    </p:bg>
     <p:spTree>
       <p:nvGrpSpPr>
         <p:cNvPr id="1" name=""/>
@@ -18184,149 +22311,744 @@
           <a:chExt cx="0" cy="0"/>
         </a:xfrm>
       </p:grpSpPr>
-      <p:sp>
-        <p:nvSpPr>
-          <p:cNvPr id="2" name="Title 1">
+      <p:grpSp>
+        <p:nvGrpSpPr>
+          <p:cNvPr id="9" name="Group 8">
             <a:extLst>
               <a:ext uri="{FF2B5EF4-FFF2-40B4-BE49-F238E27FC236}">
-                <a16:creationId xmlns:a16="http://schemas.microsoft.com/office/drawing/2014/main" id="{7A4919D0-F177-4BBA-9A0B-DBA69E2ED764}"/>
+                <a16:creationId xmlns:a16="http://schemas.microsoft.com/office/drawing/2014/main" id="{08BCF048-8940-4354-B9EC-5AD74E283CE3}"/>
+              </a:ext>
+              <a:ext uri="{C183D7F6-B498-43B3-948B-1728B52AA6E4}">
+                <adec:decorative xmlns:adec="http://schemas.microsoft.com/office/drawing/2017/decorative" val="1"/>
               </a:ext>
             </a:extLst>
           </p:cNvPr>
-          <p:cNvSpPr>
-            <a:spLocks noGrp="1"/>
-          </p:cNvSpPr>
+          <p:cNvGrpSpPr>
+            <a:grpSpLocks noGrp="1" noUngrp="1" noRot="1" noChangeAspect="1" noMove="1" noResize="1"/>
+          </p:cNvGrpSpPr>
           <p:nvPr>
-            <p:ph type="title"/>
-          </p:nvPr>
-        </p:nvSpPr>
-        <p:spPr>
-          <a:xfrm>
-            <a:off x="1154954" y="-152400"/>
-            <a:ext cx="2793158" cy="1600200"/>
-          </a:xfrm>
-        </p:spPr>
-        <p:txBody>
-          <a:bodyPr anchor="b">
-            <a:normAutofit/>
-          </a:bodyPr>
-          <a:lstStyle/>
-          <a:p>
-            <a:r>
-              <a:rPr lang="en-US" dirty="0"/>
-              <a:t>Motivation &amp; Summary Slide</a:t>
-            </a:r>
-          </a:p>
-        </p:txBody>
-      </p:sp>
-      <p:graphicFrame>
-        <p:nvGraphicFramePr>
-          <p:cNvPr id="5" name="Content Placeholder 2" descr="SmartArt graphic">
-            <a:extLst>
-              <a:ext uri="{FF2B5EF4-FFF2-40B4-BE49-F238E27FC236}">
-                <a16:creationId xmlns:a16="http://schemas.microsoft.com/office/drawing/2014/main" id="{91DB1382-7276-49FA-9632-38D558F457E3}"/>
-              </a:ext>
-            </a:extLst>
-          </p:cNvPr>
-          <p:cNvGraphicFramePr>
-            <a:graphicFrameLocks noGrp="1"/>
-          </p:cNvGraphicFramePr>
-          <p:nvPr>
-            <p:ph idx="1"/>
             <p:extLst>
-              <p:ext uri="{D42A27DB-BD31-4B8C-83A1-F6EECF244321}">
-                <p14:modId xmlns:p14="http://schemas.microsoft.com/office/powerpoint/2010/main" val="3140011244"/>
+              <p:ext uri="{386F3935-93C4-4BCD-93E2-E3B085C9AB24}">
+                <p16:designElem xmlns:p16="http://schemas.microsoft.com/office/powerpoint/2015/main" val="1"/>
               </p:ext>
             </p:extLst>
           </p:nvPr>
-        </p:nvGraphicFramePr>
-        <p:xfrm>
-          <a:off x="5781675" y="1447800"/>
-          <a:ext cx="5189538" cy="4572000"/>
-        </p:xfrm>
-        <a:graphic>
-          <a:graphicData uri="http://schemas.openxmlformats.org/drawingml/2006/diagram">
-            <dgm:relIds xmlns:dgm="http://schemas.openxmlformats.org/drawingml/2006/diagram" xmlns:r="http://schemas.openxmlformats.org/officeDocument/2006/relationships" r:dm="rId2" r:lo="rId3" r:qs="rId4" r:cs="rId5"/>
-          </a:graphicData>
-        </a:graphic>
-      </p:graphicFrame>
-      <p:sp>
-        <p:nvSpPr>
-          <p:cNvPr id="10" name="Text Placeholder 3">
-            <a:extLst>
-              <a:ext uri="{FF2B5EF4-FFF2-40B4-BE49-F238E27FC236}">
-                <a16:creationId xmlns:a16="http://schemas.microsoft.com/office/drawing/2014/main" id="{9AE8AEF5-0D97-4627-9383-0941B1572127}"/>
-              </a:ext>
-            </a:extLst>
-          </p:cNvPr>
-          <p:cNvSpPr>
-            <a:spLocks noGrp="1"/>
-          </p:cNvSpPr>
-          <p:nvPr>
-            <p:ph type="body" sz="half" idx="2"/>
-          </p:nvPr>
-        </p:nvSpPr>
-        <p:spPr>
+        </p:nvGrpSpPr>
+        <p:grpSpPr>
           <a:xfrm>
-            <a:off x="1154954" y="1447800"/>
-            <a:ext cx="2793158" cy="4577079"/>
+            <a:off x="0" y="0"/>
+            <a:ext cx="12192000" cy="6858000"/>
+            <a:chOff x="0" y="0"/>
+            <a:chExt cx="12192000" cy="6858000"/>
           </a:xfrm>
-        </p:spPr>
-        <p:txBody>
-          <a:bodyPr>
-            <a:normAutofit lnSpcReduction="10000"/>
-          </a:bodyPr>
-          <a:lstStyle/>
-          <a:p>
-            <a:r>
-              <a:rPr lang="en-US" dirty="0"/>
-              <a:t>The aim of this project was to track the progress of English Premier League soccer teams over the course of 4 seasons and identify any patterns that influence the teams’ success. </a:t>
-            </a:r>
-          </a:p>
-          <a:p>
-            <a:r>
-              <a:rPr lang="en-US" dirty="0"/>
-              <a:t>I’m pretty interested in soccer, especially over the last year. I thought it would be interesting to see what separates certain teams from others and  what influences success.</a:t>
-            </a:r>
-          </a:p>
-          <a:p>
-            <a:r>
-              <a:rPr lang="en-US" dirty="0"/>
-              <a:t>In my analysis I was able to Identify trends and answer the questions I posed. There are noticeable trends you can see in individual team progress and strong correlations in certain game statistics.</a:t>
-            </a:r>
-          </a:p>
-        </p:txBody>
-      </p:sp>
-    </p:spTree>
-    <p:extLst>
-      <p:ext uri="{BB962C8B-B14F-4D97-AF65-F5344CB8AC3E}">
-        <p14:creationId xmlns:p14="http://schemas.microsoft.com/office/powerpoint/2010/main" val="183243182"/>
-      </p:ext>
-    </p:extLst>
-  </p:cSld>
-  <p:clrMapOvr>
-    <a:masterClrMapping/>
-  </p:clrMapOvr>
-</p:sld>
-</file>
-
-<file path=ppt/slides/slide3.xml><?xml version="1.0" encoding="utf-8"?>
-<p:sld xmlns:a="http://schemas.openxmlformats.org/drawingml/2006/main" xmlns:r="http://schemas.openxmlformats.org/officeDocument/2006/relationships" xmlns:p="http://schemas.openxmlformats.org/presentationml/2006/main">
-  <p:cSld>
-    <p:spTree>
-      <p:nvGrpSpPr>
-        <p:cNvPr id="1" name=""/>
-        <p:cNvGrpSpPr/>
-        <p:nvPr/>
-      </p:nvGrpSpPr>
-      <p:grpSpPr>
-        <a:xfrm>
-          <a:off x="0" y="0"/>
-          <a:ext cx="0" cy="0"/>
-          <a:chOff x="0" y="0"/>
-          <a:chExt cx="0" cy="0"/>
-        </a:xfrm>
-      </p:grpSpPr>
+        </p:grpSpPr>
+        <p:sp>
+          <p:nvSpPr>
+            <p:cNvPr id="10" name="Rectangle 9">
+              <a:extLst>
+                <a:ext uri="{FF2B5EF4-FFF2-40B4-BE49-F238E27FC236}">
+                  <a16:creationId xmlns:a16="http://schemas.microsoft.com/office/drawing/2014/main" id="{D024C14A-78BD-44B0-82BE-6A0D0A27063A}"/>
+                </a:ext>
+                <a:ext uri="{C183D7F6-B498-43B3-948B-1728B52AA6E4}">
+                  <adec:decorative xmlns:adec="http://schemas.microsoft.com/office/drawing/2017/decorative" val="1"/>
+                </a:ext>
+              </a:extLst>
+            </p:cNvPr>
+            <p:cNvSpPr/>
+            <p:nvPr>
+              <p:extLst>
+                <p:ext uri="{386F3935-93C4-4BCD-93E2-E3B085C9AB24}">
+                  <p16:designElem xmlns:p16="http://schemas.microsoft.com/office/powerpoint/2015/main" val="1"/>
+                </p:ext>
+              </p:extLst>
+            </p:nvPr>
+          </p:nvSpPr>
+          <p:spPr>
+            <a:xfrm>
+              <a:off x="0" y="0"/>
+              <a:ext cx="12192000" cy="6858000"/>
+            </a:xfrm>
+            <a:prstGeom prst="rect">
+              <a:avLst/>
+            </a:prstGeom>
+            <a:blipFill>
+              <a:blip r:embed="rId2">
+                <a:duotone>
+                  <a:schemeClr val="dk2">
+                    <a:shade val="69000"/>
+                    <a:hueMod val="91000"/>
+                    <a:satMod val="164000"/>
+                    <a:lumMod val="74000"/>
+                  </a:schemeClr>
+                  <a:schemeClr val="dk2">
+                    <a:hueMod val="124000"/>
+                    <a:satMod val="140000"/>
+                    <a:lumMod val="142000"/>
+                  </a:schemeClr>
+                </a:duotone>
+              </a:blip>
+              <a:stretch>
+                <a:fillRect/>
+              </a:stretch>
+            </a:blipFill>
+            <a:ln>
+              <a:noFill/>
+            </a:ln>
+          </p:spPr>
+          <p:style>
+            <a:lnRef idx="2">
+              <a:schemeClr val="accent1">
+                <a:shade val="50000"/>
+              </a:schemeClr>
+            </a:lnRef>
+            <a:fillRef idx="1">
+              <a:schemeClr val="accent1"/>
+            </a:fillRef>
+            <a:effectRef idx="0">
+              <a:schemeClr val="accent1"/>
+            </a:effectRef>
+            <a:fontRef idx="minor">
+              <a:schemeClr val="lt1"/>
+            </a:fontRef>
+          </p:style>
+        </p:sp>
+        <p:sp>
+          <p:nvSpPr>
+            <p:cNvPr id="11" name="Oval 10">
+              <a:extLst>
+                <a:ext uri="{FF2B5EF4-FFF2-40B4-BE49-F238E27FC236}">
+                  <a16:creationId xmlns:a16="http://schemas.microsoft.com/office/drawing/2014/main" id="{809F3D29-EDB1-4F1C-A0E0-36F28CE17188}"/>
+                </a:ext>
+                <a:ext uri="{C183D7F6-B498-43B3-948B-1728B52AA6E4}">
+                  <adec:decorative xmlns:adec="http://schemas.microsoft.com/office/drawing/2017/decorative" val="1"/>
+                </a:ext>
+              </a:extLst>
+            </p:cNvPr>
+            <p:cNvSpPr/>
+            <p:nvPr>
+              <p:extLst>
+                <p:ext uri="{386F3935-93C4-4BCD-93E2-E3B085C9AB24}">
+                  <p16:designElem xmlns:p16="http://schemas.microsoft.com/office/powerpoint/2015/main" val="1"/>
+                </p:ext>
+              </p:extLst>
+            </p:nvPr>
+          </p:nvSpPr>
+          <p:spPr>
+            <a:xfrm>
+              <a:off x="0" y="2667000"/>
+              <a:ext cx="4191000" cy="4191000"/>
+            </a:xfrm>
+            <a:prstGeom prst="ellipse">
+              <a:avLst/>
+            </a:prstGeom>
+            <a:gradFill flip="none" rotWithShape="1">
+              <a:gsLst>
+                <a:gs pos="0">
+                  <a:schemeClr val="accent5">
+                    <a:alpha val="11000"/>
+                  </a:schemeClr>
+                </a:gs>
+                <a:gs pos="75000">
+                  <a:schemeClr val="accent5">
+                    <a:alpha val="0"/>
+                  </a:schemeClr>
+                </a:gs>
+                <a:gs pos="36000">
+                  <a:schemeClr val="accent5">
+                    <a:alpha val="10000"/>
+                  </a:schemeClr>
+                </a:gs>
+              </a:gsLst>
+              <a:path path="circle">
+                <a:fillToRect l="50000" t="50000" r="50000" b="50000"/>
+              </a:path>
+              <a:tileRect/>
+            </a:gradFill>
+            <a:ln>
+              <a:noFill/>
+            </a:ln>
+            <a:effectLst/>
+          </p:spPr>
+          <p:style>
+            <a:lnRef idx="1">
+              <a:schemeClr val="accent1"/>
+            </a:lnRef>
+            <a:fillRef idx="3">
+              <a:schemeClr val="accent1"/>
+            </a:fillRef>
+            <a:effectRef idx="2">
+              <a:schemeClr val="accent1"/>
+            </a:effectRef>
+            <a:fontRef idx="minor">
+              <a:schemeClr val="lt1"/>
+            </a:fontRef>
+          </p:style>
+        </p:sp>
+        <p:sp>
+          <p:nvSpPr>
+            <p:cNvPr id="12" name="Oval 11">
+              <a:extLst>
+                <a:ext uri="{FF2B5EF4-FFF2-40B4-BE49-F238E27FC236}">
+                  <a16:creationId xmlns:a16="http://schemas.microsoft.com/office/drawing/2014/main" id="{5282F4AB-C7B8-4A86-9927-AA106AA27B41}"/>
+                </a:ext>
+                <a:ext uri="{C183D7F6-B498-43B3-948B-1728B52AA6E4}">
+                  <adec:decorative xmlns:adec="http://schemas.microsoft.com/office/drawing/2017/decorative" val="1"/>
+                </a:ext>
+              </a:extLst>
+            </p:cNvPr>
+            <p:cNvSpPr/>
+            <p:nvPr>
+              <p:extLst>
+                <p:ext uri="{386F3935-93C4-4BCD-93E2-E3B085C9AB24}">
+                  <p16:designElem xmlns:p16="http://schemas.microsoft.com/office/powerpoint/2015/main" val="1"/>
+                </p:ext>
+              </p:extLst>
+            </p:nvPr>
+          </p:nvSpPr>
+          <p:spPr>
+            <a:xfrm>
+              <a:off x="0" y="2895600"/>
+              <a:ext cx="2362200" cy="2362200"/>
+            </a:xfrm>
+            <a:prstGeom prst="ellipse">
+              <a:avLst/>
+            </a:prstGeom>
+            <a:gradFill flip="none" rotWithShape="1">
+              <a:gsLst>
+                <a:gs pos="0">
+                  <a:schemeClr val="accent5">
+                    <a:alpha val="8000"/>
+                  </a:schemeClr>
+                </a:gs>
+                <a:gs pos="72000">
+                  <a:schemeClr val="accent5">
+                    <a:alpha val="0"/>
+                  </a:schemeClr>
+                </a:gs>
+                <a:gs pos="36000">
+                  <a:schemeClr val="accent5">
+                    <a:alpha val="8000"/>
+                  </a:schemeClr>
+                </a:gs>
+              </a:gsLst>
+              <a:path path="circle">
+                <a:fillToRect l="50000" t="50000" r="50000" b="50000"/>
+              </a:path>
+              <a:tileRect/>
+            </a:gradFill>
+            <a:ln>
+              <a:noFill/>
+            </a:ln>
+            <a:effectLst/>
+          </p:spPr>
+          <p:style>
+            <a:lnRef idx="1">
+              <a:schemeClr val="accent1"/>
+            </a:lnRef>
+            <a:fillRef idx="3">
+              <a:schemeClr val="accent1"/>
+            </a:fillRef>
+            <a:effectRef idx="2">
+              <a:schemeClr val="accent1"/>
+            </a:effectRef>
+            <a:fontRef idx="minor">
+              <a:schemeClr val="lt1"/>
+            </a:fontRef>
+          </p:style>
+        </p:sp>
+        <p:sp>
+          <p:nvSpPr>
+            <p:cNvPr id="13" name="Rectangle 12">
+              <a:extLst>
+                <a:ext uri="{FF2B5EF4-FFF2-40B4-BE49-F238E27FC236}">
+                  <a16:creationId xmlns:a16="http://schemas.microsoft.com/office/drawing/2014/main" id="{60B26874-5AFA-4D1E-94A9-53AF9790D702}"/>
+                </a:ext>
+                <a:ext uri="{C183D7F6-B498-43B3-948B-1728B52AA6E4}">
+                  <adec:decorative xmlns:adec="http://schemas.microsoft.com/office/drawing/2017/decorative" val="1"/>
+                </a:ext>
+              </a:extLst>
+            </p:cNvPr>
+            <p:cNvSpPr/>
+            <p:nvPr>
+              <p:extLst>
+                <p:ext uri="{386F3935-93C4-4BCD-93E2-E3B085C9AB24}">
+                  <p16:designElem xmlns:p16="http://schemas.microsoft.com/office/powerpoint/2015/main" val="1"/>
+                </p:ext>
+              </p:extLst>
+            </p:nvPr>
+          </p:nvSpPr>
+          <p:spPr bwMode="gray">
+            <a:xfrm>
+              <a:off x="5713412" y="402165"/>
+              <a:ext cx="6055253" cy="6053670"/>
+            </a:xfrm>
+            <a:prstGeom prst="rect">
+              <a:avLst/>
+            </a:prstGeom>
+            <a:solidFill>
+              <a:schemeClr val="bg1"/>
+            </a:solidFill>
+            <a:ln>
+              <a:noFill/>
+            </a:ln>
+            <a:effectLst/>
+          </p:spPr>
+          <p:style>
+            <a:lnRef idx="1">
+              <a:schemeClr val="accent1"/>
+            </a:lnRef>
+            <a:fillRef idx="3">
+              <a:schemeClr val="accent1"/>
+            </a:fillRef>
+            <a:effectRef idx="2">
+              <a:schemeClr val="accent1"/>
+            </a:effectRef>
+            <a:fontRef idx="minor">
+              <a:schemeClr val="lt1"/>
+            </a:fontRef>
+          </p:style>
+        </p:sp>
+        <p:sp>
+          <p:nvSpPr>
+            <p:cNvPr id="14" name="Freeform 5">
+              <a:extLst>
+                <a:ext uri="{FF2B5EF4-FFF2-40B4-BE49-F238E27FC236}">
+                  <a16:creationId xmlns:a16="http://schemas.microsoft.com/office/drawing/2014/main" id="{A1DA6C95-40F8-4305-89F6-17F6167C0BF2}"/>
+                </a:ext>
+                <a:ext uri="{C183D7F6-B498-43B3-948B-1728B52AA6E4}">
+                  <adec:decorative xmlns:adec="http://schemas.microsoft.com/office/drawing/2017/decorative" val="1"/>
+                </a:ext>
+              </a:extLst>
+            </p:cNvPr>
+            <p:cNvSpPr/>
+            <p:nvPr>
+              <p:extLst>
+                <p:ext uri="{386F3935-93C4-4BCD-93E2-E3B085C9AB24}">
+                  <p16:designElem xmlns:p16="http://schemas.microsoft.com/office/powerpoint/2015/main" val="1"/>
+                </p:ext>
+              </p:extLst>
+            </p:nvPr>
+          </p:nvSpPr>
+          <p:spPr bwMode="gray">
+            <a:xfrm rot="15922489">
+              <a:off x="3140485" y="1826078"/>
+              <a:ext cx="3299407" cy="440924"/>
+            </a:xfrm>
+            <a:custGeom>
+              <a:avLst/>
+              <a:gdLst/>
+              <a:ahLst/>
+              <a:cxnLst/>
+              <a:rect l="l" t="t" r="r" b="b"/>
+              <a:pathLst>
+                <a:path w="10000" h="5291">
+                  <a:moveTo>
+                    <a:pt x="85" y="2532"/>
+                  </a:moveTo>
+                  <a:cubicBezTo>
+                    <a:pt x="1736" y="3911"/>
+                    <a:pt x="7524" y="5298"/>
+                    <a:pt x="9958" y="5291"/>
+                  </a:cubicBezTo>
+                  <a:cubicBezTo>
+                    <a:pt x="9989" y="1958"/>
+                    <a:pt x="9969" y="3333"/>
+                    <a:pt x="10000" y="0"/>
+                  </a:cubicBezTo>
+                  <a:lnTo>
+                    <a:pt x="10000" y="0"/>
+                  </a:lnTo>
+                  <a:lnTo>
+                    <a:pt x="9667" y="204"/>
+                  </a:lnTo>
+                  <a:lnTo>
+                    <a:pt x="9334" y="400"/>
+                  </a:lnTo>
+                  <a:lnTo>
+                    <a:pt x="9001" y="590"/>
+                  </a:lnTo>
+                  <a:lnTo>
+                    <a:pt x="8667" y="753"/>
+                  </a:lnTo>
+                  <a:lnTo>
+                    <a:pt x="8333" y="917"/>
+                  </a:lnTo>
+                  <a:lnTo>
+                    <a:pt x="7999" y="1071"/>
+                  </a:lnTo>
+                  <a:lnTo>
+                    <a:pt x="7669" y="1202"/>
+                  </a:lnTo>
+                  <a:lnTo>
+                    <a:pt x="7333" y="1325"/>
+                  </a:lnTo>
+                  <a:lnTo>
+                    <a:pt x="7000" y="1440"/>
+                  </a:lnTo>
+                  <a:lnTo>
+                    <a:pt x="6673" y="1538"/>
+                  </a:lnTo>
+                  <a:lnTo>
+                    <a:pt x="6340" y="1636"/>
+                  </a:lnTo>
+                  <a:lnTo>
+                    <a:pt x="6013" y="1719"/>
+                  </a:lnTo>
+                  <a:lnTo>
+                    <a:pt x="5686" y="1784"/>
+                  </a:lnTo>
+                  <a:lnTo>
+                    <a:pt x="5359" y="1850"/>
+                  </a:lnTo>
+                  <a:lnTo>
+                    <a:pt x="5036" y="1906"/>
+                  </a:lnTo>
+                  <a:lnTo>
+                    <a:pt x="4717" y="1948"/>
+                  </a:lnTo>
+                  <a:lnTo>
+                    <a:pt x="4396" y="1980"/>
+                  </a:lnTo>
+                  <a:lnTo>
+                    <a:pt x="4079" y="2013"/>
+                  </a:lnTo>
+                  <a:lnTo>
+                    <a:pt x="3766" y="2029"/>
+                  </a:lnTo>
+                  <a:lnTo>
+                    <a:pt x="3454" y="2046"/>
+                  </a:lnTo>
+                  <a:lnTo>
+                    <a:pt x="3145" y="2053"/>
+                  </a:lnTo>
+                  <a:lnTo>
+                    <a:pt x="2839" y="2046"/>
+                  </a:lnTo>
+                  <a:lnTo>
+                    <a:pt x="2537" y="2046"/>
+                  </a:lnTo>
+                  <a:lnTo>
+                    <a:pt x="2238" y="2029"/>
+                  </a:lnTo>
+                  <a:lnTo>
+                    <a:pt x="1943" y="2004"/>
+                  </a:lnTo>
+                  <a:lnTo>
+                    <a:pt x="1653" y="1980"/>
+                  </a:lnTo>
+                  <a:lnTo>
+                    <a:pt x="1368" y="1955"/>
+                  </a:lnTo>
+                  <a:lnTo>
+                    <a:pt x="1085" y="1915"/>
+                  </a:lnTo>
+                  <a:lnTo>
+                    <a:pt x="806" y="1873"/>
+                  </a:lnTo>
+                  <a:lnTo>
+                    <a:pt x="533" y="1833"/>
+                  </a:lnTo>
+                  <a:lnTo>
+                    <a:pt x="0" y="1726"/>
+                  </a:lnTo>
+                  <a:cubicBezTo>
+                    <a:pt x="28" y="1995"/>
+                    <a:pt x="57" y="2263"/>
+                    <a:pt x="85" y="2532"/>
+                  </a:cubicBezTo>
+                  <a:close/>
+                </a:path>
+              </a:pathLst>
+            </a:custGeom>
+            <a:solidFill>
+              <a:schemeClr val="bg1">
+                <a:alpha val="20000"/>
+              </a:schemeClr>
+            </a:solidFill>
+            <a:ln>
+              <a:noFill/>
+            </a:ln>
+          </p:spPr>
+        </p:sp>
+        <p:sp>
+          <p:nvSpPr>
+            <p:cNvPr id="15" name="Freeform 5">
+              <a:extLst>
+                <a:ext uri="{FF2B5EF4-FFF2-40B4-BE49-F238E27FC236}">
+                  <a16:creationId xmlns:a16="http://schemas.microsoft.com/office/drawing/2014/main" id="{A2FA2D29-AEEE-4FFA-B233-94FBE84C9B41}"/>
+                </a:ext>
+                <a:ext uri="{C183D7F6-B498-43B3-948B-1728B52AA6E4}">
+                  <adec:decorative xmlns:adec="http://schemas.microsoft.com/office/drawing/2017/decorative" val="1"/>
+                </a:ext>
+              </a:extLst>
+            </p:cNvPr>
+            <p:cNvSpPr/>
+            <p:nvPr>
+              <p:extLst>
+                <p:ext uri="{386F3935-93C4-4BCD-93E2-E3B085C9AB24}">
+                  <p16:designElem xmlns:p16="http://schemas.microsoft.com/office/powerpoint/2015/main" val="1"/>
+                </p:ext>
+              </p:extLst>
+            </p:nvPr>
+          </p:nvSpPr>
+          <p:spPr bwMode="gray">
+            <a:xfrm rot="16200000">
+              <a:off x="2229377" y="2801721"/>
+              <a:ext cx="6053670" cy="1254558"/>
+            </a:xfrm>
+            <a:custGeom>
+              <a:avLst/>
+              <a:gdLst/>
+              <a:ahLst/>
+              <a:cxnLst/>
+              <a:rect l="l" t="t" r="r" b="b"/>
+              <a:pathLst>
+                <a:path w="10000" h="8000">
+                  <a:moveTo>
+                    <a:pt x="0" y="0"/>
+                  </a:moveTo>
+                  <a:lnTo>
+                    <a:pt x="0" y="7970"/>
+                  </a:lnTo>
+                  <a:lnTo>
+                    <a:pt x="10000" y="8000"/>
+                  </a:lnTo>
+                  <a:lnTo>
+                    <a:pt x="10000" y="7"/>
+                  </a:lnTo>
+                  <a:lnTo>
+                    <a:pt x="10000" y="7"/>
+                  </a:lnTo>
+                  <a:lnTo>
+                    <a:pt x="9773" y="156"/>
+                  </a:lnTo>
+                  <a:lnTo>
+                    <a:pt x="9547" y="298"/>
+                  </a:lnTo>
+                  <a:lnTo>
+                    <a:pt x="9320" y="437"/>
+                  </a:lnTo>
+                  <a:lnTo>
+                    <a:pt x="9092" y="556"/>
+                  </a:lnTo>
+                  <a:lnTo>
+                    <a:pt x="8865" y="676"/>
+                  </a:lnTo>
+                  <a:lnTo>
+                    <a:pt x="8637" y="788"/>
+                  </a:lnTo>
+                  <a:lnTo>
+                    <a:pt x="8412" y="884"/>
+                  </a:lnTo>
+                  <a:lnTo>
+                    <a:pt x="8184" y="975"/>
+                  </a:lnTo>
+                  <a:lnTo>
+                    <a:pt x="7957" y="1058"/>
+                  </a:lnTo>
+                  <a:lnTo>
+                    <a:pt x="7734" y="1130"/>
+                  </a:lnTo>
+                  <a:lnTo>
+                    <a:pt x="7508" y="1202"/>
+                  </a:lnTo>
+                  <a:lnTo>
+                    <a:pt x="7285" y="1262"/>
+                  </a:lnTo>
+                  <a:lnTo>
+                    <a:pt x="7062" y="1309"/>
+                  </a:lnTo>
+                  <a:lnTo>
+                    <a:pt x="6840" y="1358"/>
+                  </a:lnTo>
+                  <a:lnTo>
+                    <a:pt x="6620" y="1399"/>
+                  </a:lnTo>
+                  <a:lnTo>
+                    <a:pt x="6402" y="1428"/>
+                  </a:lnTo>
+                  <a:lnTo>
+                    <a:pt x="6184" y="1453"/>
+                  </a:lnTo>
+                  <a:lnTo>
+                    <a:pt x="5968" y="1477"/>
+                  </a:lnTo>
+                  <a:lnTo>
+                    <a:pt x="5755" y="1488"/>
+                  </a:lnTo>
+                  <a:lnTo>
+                    <a:pt x="5542" y="1500"/>
+                  </a:lnTo>
+                  <a:lnTo>
+                    <a:pt x="5332" y="1506"/>
+                  </a:lnTo>
+                  <a:lnTo>
+                    <a:pt x="5124" y="1500"/>
+                  </a:lnTo>
+                  <a:lnTo>
+                    <a:pt x="4918" y="1500"/>
+                  </a:lnTo>
+                  <a:lnTo>
+                    <a:pt x="4714" y="1488"/>
+                  </a:lnTo>
+                  <a:lnTo>
+                    <a:pt x="4514" y="1470"/>
+                  </a:lnTo>
+                  <a:lnTo>
+                    <a:pt x="4316" y="1453"/>
+                  </a:lnTo>
+                  <a:lnTo>
+                    <a:pt x="4122" y="1434"/>
+                  </a:lnTo>
+                  <a:lnTo>
+                    <a:pt x="3929" y="1405"/>
+                  </a:lnTo>
+                  <a:lnTo>
+                    <a:pt x="3739" y="1374"/>
+                  </a:lnTo>
+                  <a:lnTo>
+                    <a:pt x="3553" y="1346"/>
+                  </a:lnTo>
+                  <a:lnTo>
+                    <a:pt x="3190" y="1267"/>
+                  </a:lnTo>
+                  <a:lnTo>
+                    <a:pt x="2842" y="1183"/>
+                  </a:lnTo>
+                  <a:lnTo>
+                    <a:pt x="2508" y="1095"/>
+                  </a:lnTo>
+                  <a:lnTo>
+                    <a:pt x="2192" y="998"/>
+                  </a:lnTo>
+                  <a:lnTo>
+                    <a:pt x="1890" y="897"/>
+                  </a:lnTo>
+                  <a:lnTo>
+                    <a:pt x="1610" y="788"/>
+                  </a:lnTo>
+                  <a:lnTo>
+                    <a:pt x="1347" y="681"/>
+                  </a:lnTo>
+                  <a:lnTo>
+                    <a:pt x="1105" y="574"/>
+                  </a:lnTo>
+                  <a:lnTo>
+                    <a:pt x="883" y="473"/>
+                  </a:lnTo>
+                  <a:lnTo>
+                    <a:pt x="686" y="377"/>
+                  </a:lnTo>
+                  <a:lnTo>
+                    <a:pt x="508" y="286"/>
+                  </a:lnTo>
+                  <a:lnTo>
+                    <a:pt x="358" y="210"/>
+                  </a:lnTo>
+                  <a:lnTo>
+                    <a:pt x="232" y="138"/>
+                  </a:lnTo>
+                  <a:lnTo>
+                    <a:pt x="59" y="35"/>
+                  </a:lnTo>
+                  <a:lnTo>
+                    <a:pt x="0" y="0"/>
+                  </a:lnTo>
+                  <a:lnTo>
+                    <a:pt x="0" y="0"/>
+                  </a:lnTo>
+                  <a:close/>
+                </a:path>
+              </a:pathLst>
+            </a:custGeom>
+            <a:solidFill>
+              <a:schemeClr val="bg1"/>
+            </a:solidFill>
+            <a:ln>
+              <a:noFill/>
+            </a:ln>
+          </p:spPr>
+        </p:sp>
+        <p:sp>
+          <p:nvSpPr>
+            <p:cNvPr id="16" name="Freeform 5">
+              <a:extLst>
+                <a:ext uri="{FF2B5EF4-FFF2-40B4-BE49-F238E27FC236}">
+                  <a16:creationId xmlns:a16="http://schemas.microsoft.com/office/drawing/2014/main" id="{6DA5143E-FA8E-4EC1-99F7-35AE5AD4E377}"/>
+                </a:ext>
+                <a:ext uri="{C183D7F6-B498-43B3-948B-1728B52AA6E4}">
+                  <adec:decorative xmlns:adec="http://schemas.microsoft.com/office/drawing/2017/decorative" val="1"/>
+                </a:ext>
+              </a:extLst>
+            </p:cNvPr>
+            <p:cNvSpPr>
+              <a:spLocks noEditPoints="1"/>
+            </p:cNvSpPr>
+            <p:nvPr>
+              <p:extLst>
+                <p:ext uri="{386F3935-93C4-4BCD-93E2-E3B085C9AB24}">
+                  <p16:designElem xmlns:p16="http://schemas.microsoft.com/office/powerpoint/2015/main" val="1"/>
+                </p:ext>
+              </p:extLst>
+            </p:nvPr>
+          </p:nvSpPr>
+          <p:spPr bwMode="gray">
+            <a:xfrm>
+              <a:off x="0" y="1587"/>
+              <a:ext cx="12192000" cy="6856413"/>
+            </a:xfrm>
+            <a:custGeom>
+              <a:avLst/>
+              <a:gdLst/>
+              <a:ahLst/>
+              <a:cxnLst/>
+              <a:rect l="0" t="0" r="r" b="b"/>
+              <a:pathLst>
+                <a:path w="15356" h="8638">
+                  <a:moveTo>
+                    <a:pt x="0" y="0"/>
+                  </a:moveTo>
+                  <a:lnTo>
+                    <a:pt x="0" y="8638"/>
+                  </a:lnTo>
+                  <a:lnTo>
+                    <a:pt x="15356" y="8638"/>
+                  </a:lnTo>
+                  <a:lnTo>
+                    <a:pt x="15356" y="0"/>
+                  </a:lnTo>
+                  <a:lnTo>
+                    <a:pt x="0" y="0"/>
+                  </a:lnTo>
+                  <a:close/>
+                  <a:moveTo>
+                    <a:pt x="14748" y="8038"/>
+                  </a:moveTo>
+                  <a:lnTo>
+                    <a:pt x="600" y="8038"/>
+                  </a:lnTo>
+                  <a:lnTo>
+                    <a:pt x="600" y="592"/>
+                  </a:lnTo>
+                  <a:lnTo>
+                    <a:pt x="14748" y="592"/>
+                  </a:lnTo>
+                  <a:lnTo>
+                    <a:pt x="14748" y="8038"/>
+                  </a:lnTo>
+                  <a:close/>
+                </a:path>
+              </a:pathLst>
+            </a:custGeom>
+            <a:solidFill>
+              <a:schemeClr val="bg1"/>
+            </a:solidFill>
+            <a:ln>
+              <a:noFill/>
+            </a:ln>
+          </p:spPr>
+        </p:sp>
+      </p:grpSp>
       <p:sp>
         <p:nvSpPr>
           <p:cNvPr id="2" name="Title 1">
@@ -18343,13 +23065,24 @@
             <p:ph type="title"/>
           </p:nvPr>
         </p:nvSpPr>
-        <p:spPr/>
+        <p:spPr>
+          <a:xfrm>
+            <a:off x="1154955" y="973667"/>
+            <a:ext cx="2942210" cy="4833745"/>
+          </a:xfrm>
+        </p:spPr>
         <p:txBody>
-          <a:bodyPr/>
+          <a:bodyPr>
+            <a:normAutofit/>
+          </a:bodyPr>
           <a:lstStyle/>
           <a:p>
             <a:r>
-              <a:rPr lang="en-US" dirty="0"/>
+              <a:rPr lang="en-US">
+                <a:solidFill>
+                  <a:srgbClr val="EBEBEB"/>
+                </a:solidFill>
+              </a:rPr>
               <a:t>Questions &amp; Data</a:t>
             </a:r>
           </a:p>
@@ -18357,56 +23090,88 @@
       </p:sp>
       <p:sp>
         <p:nvSpPr>
-          <p:cNvPr id="3" name="Content Placeholder 2">
+          <p:cNvPr id="18" name="Rectangle 17">
             <a:extLst>
               <a:ext uri="{FF2B5EF4-FFF2-40B4-BE49-F238E27FC236}">
-                <a16:creationId xmlns:a16="http://schemas.microsoft.com/office/drawing/2014/main" id="{531D457A-7506-4AF6-834C-999E2F934EC6}"/>
+                <a16:creationId xmlns:a16="http://schemas.microsoft.com/office/drawing/2014/main" id="{CC28BCC9-4093-4FD5-83EB-7EC297F51396}"/>
+              </a:ext>
+              <a:ext uri="{C183D7F6-B498-43B3-948B-1728B52AA6E4}">
+                <adec:decorative xmlns:adec="http://schemas.microsoft.com/office/drawing/2017/decorative" val="1"/>
               </a:ext>
             </a:extLst>
           </p:cNvPr>
           <p:cNvSpPr>
-            <a:spLocks noGrp="1"/>
+            <a:spLocks noGrp="1" noRot="1" noChangeAspect="1" noMove="1" noResize="1" noEditPoints="1" noAdjustHandles="1" noChangeArrowheads="1" noChangeShapeType="1" noTextEdit="1"/>
           </p:cNvSpPr>
           <p:nvPr>
-            <p:ph idx="1"/>
+            <p:extLst>
+              <p:ext uri="{386F3935-93C4-4BCD-93E2-E3B085C9AB24}">
+                <p16:designElem xmlns:p16="http://schemas.microsoft.com/office/powerpoint/2015/main" val="1"/>
+              </p:ext>
+            </p:extLst>
           </p:nvPr>
         </p:nvSpPr>
-        <p:spPr/>
-        <p:txBody>
-          <a:bodyPr/>
-          <a:lstStyle/>
-          <a:p>
-            <a:r>
-              <a:rPr lang="en-US" b="1" dirty="0"/>
-              <a:t>Do the same teams win or end up in the top 4 each season? Do the rankings seem to change greatly? </a:t>
-            </a:r>
-            <a:r>
-              <a:rPr lang="en-US" dirty="0"/>
-              <a:t>For this I used both bar and line plots. The bar plots highlight the rankings by point total for each season. The line plots show the progress and fluctuation from season to season.</a:t>
-            </a:r>
-          </a:p>
-          <a:p>
-            <a:r>
-              <a:rPr lang="en-US" b="1" dirty="0"/>
-              <a:t>Are there great differences in point totals? </a:t>
-            </a:r>
-            <a:r>
-              <a:rPr lang="en-US" dirty="0"/>
-              <a:t>I wanted to see if the point totals were consistent from season to season. To highlight the overall point distribution, I used a boxplot. I also used bar plots to show the top and bottom teams point differences from season to season.</a:t>
-            </a:r>
-          </a:p>
-          <a:p>
-            <a:r>
-              <a:rPr lang="en-US" b="1" dirty="0"/>
-              <a:t>Do game stats influence success? Which ones?</a:t>
-            </a:r>
-            <a:r>
-              <a:rPr lang="en-US" dirty="0"/>
-              <a:t> I wanted to see which, if any, game statistics had an impact on point totals. For this I used scatter plots.</a:t>
-            </a:r>
-          </a:p>
-        </p:txBody>
+        <p:spPr>
+          <a:xfrm>
+            <a:off x="10437812" y="0"/>
+            <a:ext cx="685800" cy="1143000"/>
+          </a:xfrm>
+          <a:prstGeom prst="rect">
+            <a:avLst/>
+          </a:prstGeom>
+          <a:solidFill>
+            <a:schemeClr val="accent1"/>
+          </a:solidFill>
+          <a:ln>
+            <a:noFill/>
+          </a:ln>
+        </p:spPr>
+        <p:style>
+          <a:lnRef idx="1">
+            <a:schemeClr val="accent1"/>
+          </a:lnRef>
+          <a:fillRef idx="3">
+            <a:schemeClr val="accent1"/>
+          </a:fillRef>
+          <a:effectRef idx="2">
+            <a:schemeClr val="accent1"/>
+          </a:effectRef>
+          <a:fontRef idx="minor">
+            <a:schemeClr val="lt1"/>
+          </a:fontRef>
+        </p:style>
       </p:sp>
+      <p:graphicFrame>
+        <p:nvGraphicFramePr>
+          <p:cNvPr id="5" name="Content Placeholder 2">
+            <a:extLst>
+              <a:ext uri="{FF2B5EF4-FFF2-40B4-BE49-F238E27FC236}">
+                <a16:creationId xmlns:a16="http://schemas.microsoft.com/office/drawing/2014/main" id="{F1B74D56-9AF5-4778-9C7C-24546F4A7D35}"/>
+              </a:ext>
+            </a:extLst>
+          </p:cNvPr>
+          <p:cNvGraphicFramePr>
+            <a:graphicFrameLocks noGrp="1"/>
+          </p:cNvGraphicFramePr>
+          <p:nvPr>
+            <p:ph idx="1"/>
+            <p:extLst>
+              <p:ext uri="{D42A27DB-BD31-4B8C-83A1-F6EECF244321}">
+                <p14:modId xmlns:p14="http://schemas.microsoft.com/office/powerpoint/2010/main" val="1687332030"/>
+              </p:ext>
+            </p:extLst>
+          </p:nvPr>
+        </p:nvGraphicFramePr>
+        <p:xfrm>
+          <a:off x="5194300" y="808038"/>
+          <a:ext cx="6391275" cy="5246687"/>
+        </p:xfrm>
+        <a:graphic>
+          <a:graphicData uri="http://schemas.openxmlformats.org/drawingml/2006/diagram">
+            <dgm:relIds xmlns:dgm="http://schemas.openxmlformats.org/drawingml/2006/diagram" xmlns:r="http://schemas.openxmlformats.org/officeDocument/2006/relationships" r:dm="rId3" r:lo="rId4" r:qs="rId5" r:cs="rId6"/>
+          </a:graphicData>
+        </a:graphic>
+      </p:graphicFrame>
     </p:spTree>
     <p:extLst>
       <p:ext uri="{BB962C8B-B14F-4D97-AF65-F5344CB8AC3E}">
@@ -19091,8 +23856,35 @@
                 <a:ea typeface="+mn-ea"/>
                 <a:cs typeface="+mn-cs"/>
               </a:rPr>
-              <a:t>Total points seasons</a:t>
+              <a:t>2015/2016 season </a:t>
             </a:r>
+          </a:p>
+          <a:p>
+            <a:pPr marL="0" indent="0">
+              <a:buNone/>
+            </a:pPr>
+            <a:r>
+              <a:rPr lang="en-US" cap="all" dirty="0">
+                <a:solidFill>
+                  <a:schemeClr val="accent1">
+                    <a:lumMod val="60000"/>
+                    <a:lumOff val="40000"/>
+                  </a:schemeClr>
+                </a:solidFill>
+              </a:rPr>
+              <a:t>Total points</a:t>
+            </a:r>
+            <a:endParaRPr lang="en-US" b="0" i="0" kern="1200" cap="all" dirty="0">
+              <a:solidFill>
+                <a:schemeClr val="accent1">
+                  <a:lumMod val="60000"/>
+                  <a:lumOff val="40000"/>
+                </a:schemeClr>
+              </a:solidFill>
+              <a:latin typeface="+mn-lt"/>
+              <a:ea typeface="+mn-ea"/>
+              <a:cs typeface="+mn-cs"/>
+            </a:endParaRPr>
           </a:p>
         </p:txBody>
       </p:sp>
@@ -19120,8 +23912,8 @@
         </p:blipFill>
         <p:spPr>
           <a:xfrm>
-            <a:off x="705188" y="1422513"/>
-            <a:ext cx="8104514" cy="4012974"/>
+            <a:off x="702789" y="986285"/>
+            <a:ext cx="5428813" cy="2688093"/>
           </a:xfrm>
           <a:prstGeom prst="roundRect">
             <a:avLst>
@@ -19135,6 +23927,36 @@
               </a:srgbClr>
             </a:outerShdw>
           </a:effectLst>
+        </p:spPr>
+      </p:pic>
+      <p:pic>
+        <p:nvPicPr>
+          <p:cNvPr id="5" name="Picture 4" descr="Table&#10;&#10;Description automatically generated">
+            <a:extLst>
+              <a:ext uri="{FF2B5EF4-FFF2-40B4-BE49-F238E27FC236}">
+                <a16:creationId xmlns:a16="http://schemas.microsoft.com/office/drawing/2014/main" id="{F3CA5FC2-4B4C-452C-8E01-1EA2B554A266}"/>
+              </a:ext>
+            </a:extLst>
+          </p:cNvPr>
+          <p:cNvPicPr>
+            <a:picLocks noChangeAspect="1"/>
+          </p:cNvPicPr>
+          <p:nvPr/>
+        </p:nvPicPr>
+        <p:blipFill>
+          <a:blip r:embed="rId4"/>
+          <a:stretch>
+            <a:fillRect/>
+          </a:stretch>
+        </p:blipFill>
+        <p:spPr>
+          <a:xfrm>
+            <a:off x="811896" y="3822529"/>
+            <a:ext cx="5319705" cy="2360042"/>
+          </a:xfrm>
+          <a:prstGeom prst="rect">
+            <a:avLst/>
+          </a:prstGeom>
         </p:spPr>
       </p:pic>
     </p:spTree>
@@ -19628,8 +24450,8 @@
         </p:blipFill>
         <p:spPr>
           <a:xfrm>
-            <a:off x="648930" y="1351280"/>
-            <a:ext cx="8068350" cy="3992880"/>
+            <a:off x="713585" y="1127760"/>
+            <a:ext cx="5687215" cy="2814499"/>
           </a:xfrm>
           <a:prstGeom prst="roundRect">
             <a:avLst>
@@ -19643,6 +24465,111 @@
               </a:srgbClr>
             </a:outerShdw>
           </a:effectLst>
+        </p:spPr>
+      </p:pic>
+      <p:sp>
+        <p:nvSpPr>
+          <p:cNvPr id="11" name="TextBox 10">
+            <a:extLst>
+              <a:ext uri="{FF2B5EF4-FFF2-40B4-BE49-F238E27FC236}">
+                <a16:creationId xmlns:a16="http://schemas.microsoft.com/office/drawing/2014/main" id="{A839687F-4C0C-4790-AD4D-CB780C77B606}"/>
+              </a:ext>
+            </a:extLst>
+          </p:cNvPr>
+          <p:cNvSpPr txBox="1"/>
+          <p:nvPr/>
+        </p:nvSpPr>
+        <p:spPr>
+          <a:xfrm>
+            <a:off x="8800052" y="4550838"/>
+            <a:ext cx="2743018" cy="646331"/>
+          </a:xfrm>
+          <a:prstGeom prst="rect">
+            <a:avLst/>
+          </a:prstGeom>
+          <a:noFill/>
+        </p:spPr>
+        <p:txBody>
+          <a:bodyPr wrap="square">
+            <a:spAutoFit/>
+          </a:bodyPr>
+          <a:lstStyle/>
+          <a:p>
+            <a:pPr marL="0" indent="0">
+              <a:buNone/>
+            </a:pPr>
+            <a:r>
+              <a:rPr lang="en-US" b="0" i="0" kern="1200" cap="all" dirty="0">
+                <a:solidFill>
+                  <a:schemeClr val="accent1">
+                    <a:lumMod val="60000"/>
+                    <a:lumOff val="40000"/>
+                  </a:schemeClr>
+                </a:solidFill>
+                <a:latin typeface="+mn-lt"/>
+                <a:ea typeface="+mn-ea"/>
+                <a:cs typeface="+mn-cs"/>
+              </a:rPr>
+              <a:t>2016/2017 season </a:t>
+            </a:r>
+          </a:p>
+          <a:p>
+            <a:pPr marL="0" indent="0">
+              <a:buNone/>
+            </a:pPr>
+            <a:r>
+              <a:rPr lang="en-US" cap="all" dirty="0">
+                <a:solidFill>
+                  <a:schemeClr val="accent1">
+                    <a:lumMod val="60000"/>
+                    <a:lumOff val="40000"/>
+                  </a:schemeClr>
+                </a:solidFill>
+              </a:rPr>
+              <a:t>Total points</a:t>
+            </a:r>
+            <a:endParaRPr lang="en-US" b="0" i="0" kern="1200" cap="all" dirty="0">
+              <a:solidFill>
+                <a:schemeClr val="accent1">
+                  <a:lumMod val="60000"/>
+                  <a:lumOff val="40000"/>
+                </a:schemeClr>
+              </a:solidFill>
+              <a:latin typeface="+mn-lt"/>
+              <a:ea typeface="+mn-ea"/>
+              <a:cs typeface="+mn-cs"/>
+            </a:endParaRPr>
+          </a:p>
+        </p:txBody>
+      </p:sp>
+      <p:pic>
+        <p:nvPicPr>
+          <p:cNvPr id="6" name="Picture 5" descr="Table&#10;&#10;Description automatically generated">
+            <a:extLst>
+              <a:ext uri="{FF2B5EF4-FFF2-40B4-BE49-F238E27FC236}">
+                <a16:creationId xmlns:a16="http://schemas.microsoft.com/office/drawing/2014/main" id="{E5375D74-345E-4117-BE07-1E6217E6F6A7}"/>
+              </a:ext>
+            </a:extLst>
+          </p:cNvPr>
+          <p:cNvPicPr>
+            <a:picLocks noChangeAspect="1"/>
+          </p:cNvPicPr>
+          <p:nvPr/>
+        </p:nvPicPr>
+        <p:blipFill>
+          <a:blip r:embed="rId4"/>
+          <a:stretch>
+            <a:fillRect/>
+          </a:stretch>
+        </p:blipFill>
+        <p:spPr>
+          <a:xfrm>
+            <a:off x="786537" y="4139290"/>
+            <a:ext cx="5540372" cy="2067885"/>
+          </a:xfrm>
+          <a:prstGeom prst="rect">
+            <a:avLst/>
+          </a:prstGeom>
         </p:spPr>
       </p:pic>
     </p:spTree>
@@ -20137,6 +25064,33 @@
               <a:t>2017/2018 Season</a:t>
             </a:r>
           </a:p>
+          <a:p>
+            <a:pPr marL="0" indent="0">
+              <a:buNone/>
+            </a:pPr>
+            <a:r>
+              <a:rPr lang="en-US" cap="all" dirty="0">
+                <a:solidFill>
+                  <a:schemeClr val="accent1">
+                    <a:lumMod val="60000"/>
+                    <a:lumOff val="40000"/>
+                  </a:schemeClr>
+                </a:solidFill>
+              </a:rPr>
+              <a:t>Total Points</a:t>
+            </a:r>
+            <a:endParaRPr lang="en-US" b="0" i="0" kern="1200" cap="all" dirty="0">
+              <a:solidFill>
+                <a:schemeClr val="accent1">
+                  <a:lumMod val="60000"/>
+                  <a:lumOff val="40000"/>
+                </a:schemeClr>
+              </a:solidFill>
+              <a:latin typeface="+mn-lt"/>
+              <a:ea typeface="+mn-ea"/>
+              <a:cs typeface="+mn-cs"/>
+            </a:endParaRPr>
+          </a:p>
         </p:txBody>
       </p:sp>
       <p:pic>
@@ -20161,8 +25115,8 @@
         </p:blipFill>
         <p:spPr>
           <a:xfrm>
-            <a:off x="648930" y="1461892"/>
-            <a:ext cx="8160774" cy="3704851"/>
+            <a:off x="695112" y="1143000"/>
+            <a:ext cx="5670697" cy="2574399"/>
           </a:xfrm>
           <a:prstGeom prst="roundRect">
             <a:avLst>
@@ -20176,6 +25130,36 @@
               </a:srgbClr>
             </a:outerShdw>
           </a:effectLst>
+        </p:spPr>
+      </p:pic>
+      <p:pic>
+        <p:nvPicPr>
+          <p:cNvPr id="6" name="Picture 5" descr="Table&#10;&#10;Description automatically generated">
+            <a:extLst>
+              <a:ext uri="{FF2B5EF4-FFF2-40B4-BE49-F238E27FC236}">
+                <a16:creationId xmlns:a16="http://schemas.microsoft.com/office/drawing/2014/main" id="{967B2CD7-F71E-4F5C-B903-EB7CBFFCC9D9}"/>
+              </a:ext>
+            </a:extLst>
+          </p:cNvPr>
+          <p:cNvPicPr>
+            <a:picLocks noChangeAspect="1"/>
+          </p:cNvPicPr>
+          <p:nvPr/>
+        </p:nvPicPr>
+        <p:blipFill>
+          <a:blip r:embed="rId4"/>
+          <a:stretch>
+            <a:fillRect/>
+          </a:stretch>
+        </p:blipFill>
+        <p:spPr>
+          <a:xfrm>
+            <a:off x="700825" y="4006761"/>
+            <a:ext cx="5664983" cy="2107719"/>
+          </a:xfrm>
+          <a:prstGeom prst="rect">
+            <a:avLst/>
+          </a:prstGeom>
         </p:spPr>
       </p:pic>
     </p:spTree>
@@ -20670,6 +25654,33 @@
               <a:t>2018/2019 Season</a:t>
             </a:r>
           </a:p>
+          <a:p>
+            <a:pPr marL="0" indent="0">
+              <a:buNone/>
+            </a:pPr>
+            <a:r>
+              <a:rPr lang="en-US" cap="all" dirty="0">
+                <a:solidFill>
+                  <a:schemeClr val="accent1">
+                    <a:lumMod val="60000"/>
+                    <a:lumOff val="40000"/>
+                  </a:schemeClr>
+                </a:solidFill>
+              </a:rPr>
+              <a:t>Total Points</a:t>
+            </a:r>
+            <a:endParaRPr lang="en-US" b="0" i="0" kern="1200" cap="all" dirty="0">
+              <a:solidFill>
+                <a:schemeClr val="accent1">
+                  <a:lumMod val="60000"/>
+                  <a:lumOff val="40000"/>
+                </a:schemeClr>
+              </a:solidFill>
+              <a:latin typeface="+mn-lt"/>
+              <a:ea typeface="+mn-ea"/>
+              <a:cs typeface="+mn-cs"/>
+            </a:endParaRPr>
+          </a:p>
         </p:txBody>
       </p:sp>
       <p:pic>
@@ -20694,8 +25705,8 @@
         </p:blipFill>
         <p:spPr>
           <a:xfrm>
-            <a:off x="752739" y="1658889"/>
-            <a:ext cx="7838031" cy="3797031"/>
+            <a:off x="752739" y="1143000"/>
+            <a:ext cx="5343261" cy="2588472"/>
           </a:xfrm>
           <a:prstGeom prst="roundRect">
             <a:avLst>
@@ -20709,6 +25720,36 @@
               </a:srgbClr>
             </a:outerShdw>
           </a:effectLst>
+        </p:spPr>
+      </p:pic>
+      <p:pic>
+        <p:nvPicPr>
+          <p:cNvPr id="6" name="Picture 5" descr="Table&#10;&#10;Description automatically generated">
+            <a:extLst>
+              <a:ext uri="{FF2B5EF4-FFF2-40B4-BE49-F238E27FC236}">
+                <a16:creationId xmlns:a16="http://schemas.microsoft.com/office/drawing/2014/main" id="{6506D9F0-5021-455C-9A00-4CB1C54A8C14}"/>
+              </a:ext>
+            </a:extLst>
+          </p:cNvPr>
+          <p:cNvPicPr>
+            <a:picLocks noChangeAspect="1"/>
+          </p:cNvPicPr>
+          <p:nvPr/>
+        </p:nvPicPr>
+        <p:blipFill>
+          <a:blip r:embed="rId4"/>
+          <a:stretch>
+            <a:fillRect/>
+          </a:stretch>
+        </p:blipFill>
+        <p:spPr>
+          <a:xfrm>
+            <a:off x="752739" y="3987014"/>
+            <a:ext cx="5371038" cy="2081277"/>
+          </a:xfrm>
+          <a:prstGeom prst="rect">
+            <a:avLst/>
+          </a:prstGeom>
         </p:spPr>
       </p:pic>
     </p:spTree>
@@ -21200,8 +26241,35 @@
                 <a:ea typeface="+mn-ea"/>
                 <a:cs typeface="+mn-cs"/>
               </a:rPr>
-              <a:t>All Teams 4 seasons</a:t>
+              <a:t>Total points of teams</a:t>
             </a:r>
+          </a:p>
+          <a:p>
+            <a:pPr marL="0" indent="0">
+              <a:buNone/>
+            </a:pPr>
+            <a:r>
+              <a:rPr lang="en-US" cap="all" dirty="0">
+                <a:solidFill>
+                  <a:schemeClr val="accent1">
+                    <a:lumMod val="60000"/>
+                    <a:lumOff val="40000"/>
+                  </a:schemeClr>
+                </a:solidFill>
+              </a:rPr>
+              <a:t>Over 4 seasons</a:t>
+            </a:r>
+            <a:endParaRPr lang="en-US" b="0" i="0" kern="1200" cap="all" dirty="0">
+              <a:solidFill>
+                <a:schemeClr val="accent1">
+                  <a:lumMod val="60000"/>
+                  <a:lumOff val="40000"/>
+                </a:schemeClr>
+              </a:solidFill>
+              <a:latin typeface="+mn-lt"/>
+              <a:ea typeface="+mn-ea"/>
+              <a:cs typeface="+mn-cs"/>
+            </a:endParaRPr>
           </a:p>
         </p:txBody>
       </p:sp>
@@ -21522,21 +26590,21 @@
 </file>
 
 <file path=customXml/item1.xml><?xml version="1.0" encoding="utf-8"?>
+<?mso-contentType ?>
+<FormTemplates xmlns="http://schemas.microsoft.com/sharepoint/v3/contenttype/forms">
+  <Display>DocumentLibraryForm</Display>
+  <Edit>DocumentLibraryForm</Edit>
+  <New>DocumentLibraryForm</New>
+</FormTemplates>
+</file>
+
+<file path=customXml/item2.xml><?xml version="1.0" encoding="utf-8"?>
 <p:properties xmlns:p="http://schemas.microsoft.com/office/2006/metadata/properties" xmlns:xsi="http://www.w3.org/2001/XMLSchema-instance" xmlns:pc="http://schemas.microsoft.com/office/infopath/2007/PartnerControls">
   <documentManagement>
     <Status xmlns="71af3243-3dd4-4a8d-8c0d-dd76da1f02a5">Not started</Status>
     <MediaServiceKeyPoints xmlns="71af3243-3dd4-4a8d-8c0d-dd76da1f02a5" xsi:nil="true"/>
   </documentManagement>
 </p:properties>
-</file>
-
-<file path=customXml/item2.xml><?xml version="1.0" encoding="utf-8"?>
-<?mso-contentType ?>
-<FormTemplates xmlns="http://schemas.microsoft.com/sharepoint/v3/contenttype/forms">
-  <Display>DocumentLibraryForm</Display>
-  <Edit>DocumentLibraryForm</Edit>
-  <New>DocumentLibraryForm</New>
-</FormTemplates>
 </file>
 
 <file path=customXml/item3.xml><?xml version="1.0" encoding="utf-8"?>
@@ -21761,19 +26829,19 @@
 </file>
 
 <file path=customXml/itemProps1.xml><?xml version="1.0" encoding="utf-8"?>
+<ds:datastoreItem xmlns:ds="http://schemas.openxmlformats.org/officeDocument/2006/customXml" ds:itemID="{CDB58277-F8DF-46FF-84EC-EF41B835E69F}">
+  <ds:schemaRefs>
+    <ds:schemaRef ds:uri="http://schemas.microsoft.com/sharepoint/v3/contenttype/forms"/>
+  </ds:schemaRefs>
+</ds:datastoreItem>
+</file>
+
+<file path=customXml/itemProps2.xml><?xml version="1.0" encoding="utf-8"?>
 <ds:datastoreItem xmlns:ds="http://schemas.openxmlformats.org/officeDocument/2006/customXml" ds:itemID="{137651BA-F45C-4845-9AB3-E0A65B39F5E1}">
   <ds:schemaRefs>
     <ds:schemaRef ds:uri="http://schemas.microsoft.com/office/2006/metadata/properties"/>
     <ds:schemaRef ds:uri="http://schemas.microsoft.com/office/infopath/2007/PartnerControls"/>
     <ds:schemaRef ds:uri="71af3243-3dd4-4a8d-8c0d-dd76da1f02a5"/>
-  </ds:schemaRefs>
-</ds:datastoreItem>
-</file>
-
-<file path=customXml/itemProps2.xml><?xml version="1.0" encoding="utf-8"?>
-<ds:datastoreItem xmlns:ds="http://schemas.openxmlformats.org/officeDocument/2006/customXml" ds:itemID="{CDB58277-F8DF-46FF-84EC-EF41B835E69F}">
-  <ds:schemaRefs>
-    <ds:schemaRef ds:uri="http://schemas.microsoft.com/sharepoint/v3/contenttype/forms"/>
   </ds:schemaRefs>
 </ds:datastoreItem>
 </file>
